--- a/프레젠테이션1.pptx
+++ b/프레젠테이션1.pptx
@@ -104,6 +104,11 @@
       </a:defRPr>
     </a:lvl9pPr>
   </p:defaultTextStyle>
+  <p:extLst>
+    <p:ext uri="{EFAFB233-063F-42B5-8137-9DF3F51BA10A}">
+      <p15:sldGuideLst xmlns:p15="http://schemas.microsoft.com/office/powerpoint/2012/main"/>
+    </p:ext>
+  </p:extLst>
 </p:presentation>
 </file>
 
@@ -254,7 +259,7 @@
           <a:p>
             <a:fld id="{70C90204-D5CC-447F-9E5C-0AEC58959EFD}" type="datetimeFigureOut">
               <a:rPr lang="ko-KR" altLang="en-US" smtClean="0"/>
-              <a:t>2023-12-12</a:t>
+              <a:t>2023-12-14</a:t>
             </a:fld>
             <a:endParaRPr lang="ko-KR" altLang="en-US"/>
           </a:p>
@@ -452,7 +457,7 @@
           <a:p>
             <a:fld id="{70C90204-D5CC-447F-9E5C-0AEC58959EFD}" type="datetimeFigureOut">
               <a:rPr lang="ko-KR" altLang="en-US" smtClean="0"/>
-              <a:t>2023-12-12</a:t>
+              <a:t>2023-12-14</a:t>
             </a:fld>
             <a:endParaRPr lang="ko-KR" altLang="en-US"/>
           </a:p>
@@ -660,7 +665,7 @@
           <a:p>
             <a:fld id="{70C90204-D5CC-447F-9E5C-0AEC58959EFD}" type="datetimeFigureOut">
               <a:rPr lang="ko-KR" altLang="en-US" smtClean="0"/>
-              <a:t>2023-12-12</a:t>
+              <a:t>2023-12-14</a:t>
             </a:fld>
             <a:endParaRPr lang="ko-KR" altLang="en-US"/>
           </a:p>
@@ -858,7 +863,7 @@
           <a:p>
             <a:fld id="{70C90204-D5CC-447F-9E5C-0AEC58959EFD}" type="datetimeFigureOut">
               <a:rPr lang="ko-KR" altLang="en-US" smtClean="0"/>
-              <a:t>2023-12-12</a:t>
+              <a:t>2023-12-14</a:t>
             </a:fld>
             <a:endParaRPr lang="ko-KR" altLang="en-US"/>
           </a:p>
@@ -1133,7 +1138,7 @@
           <a:p>
             <a:fld id="{70C90204-D5CC-447F-9E5C-0AEC58959EFD}" type="datetimeFigureOut">
               <a:rPr lang="ko-KR" altLang="en-US" smtClean="0"/>
-              <a:t>2023-12-12</a:t>
+              <a:t>2023-12-14</a:t>
             </a:fld>
             <a:endParaRPr lang="ko-KR" altLang="en-US"/>
           </a:p>
@@ -1398,7 +1403,7 @@
           <a:p>
             <a:fld id="{70C90204-D5CC-447F-9E5C-0AEC58959EFD}" type="datetimeFigureOut">
               <a:rPr lang="ko-KR" altLang="en-US" smtClean="0"/>
-              <a:t>2023-12-12</a:t>
+              <a:t>2023-12-14</a:t>
             </a:fld>
             <a:endParaRPr lang="ko-KR" altLang="en-US"/>
           </a:p>
@@ -1810,7 +1815,7 @@
           <a:p>
             <a:fld id="{70C90204-D5CC-447F-9E5C-0AEC58959EFD}" type="datetimeFigureOut">
               <a:rPr lang="ko-KR" altLang="en-US" smtClean="0"/>
-              <a:t>2023-12-12</a:t>
+              <a:t>2023-12-14</a:t>
             </a:fld>
             <a:endParaRPr lang="ko-KR" altLang="en-US"/>
           </a:p>
@@ -1951,7 +1956,7 @@
           <a:p>
             <a:fld id="{70C90204-D5CC-447F-9E5C-0AEC58959EFD}" type="datetimeFigureOut">
               <a:rPr lang="ko-KR" altLang="en-US" smtClean="0"/>
-              <a:t>2023-12-12</a:t>
+              <a:t>2023-12-14</a:t>
             </a:fld>
             <a:endParaRPr lang="ko-KR" altLang="en-US"/>
           </a:p>
@@ -2064,7 +2069,7 @@
           <a:p>
             <a:fld id="{70C90204-D5CC-447F-9E5C-0AEC58959EFD}" type="datetimeFigureOut">
               <a:rPr lang="ko-KR" altLang="en-US" smtClean="0"/>
-              <a:t>2023-12-12</a:t>
+              <a:t>2023-12-14</a:t>
             </a:fld>
             <a:endParaRPr lang="ko-KR" altLang="en-US"/>
           </a:p>
@@ -2375,7 +2380,7 @@
           <a:p>
             <a:fld id="{70C90204-D5CC-447F-9E5C-0AEC58959EFD}" type="datetimeFigureOut">
               <a:rPr lang="ko-KR" altLang="en-US" smtClean="0"/>
-              <a:t>2023-12-12</a:t>
+              <a:t>2023-12-14</a:t>
             </a:fld>
             <a:endParaRPr lang="ko-KR" altLang="en-US"/>
           </a:p>
@@ -2663,7 +2668,7 @@
           <a:p>
             <a:fld id="{70C90204-D5CC-447F-9E5C-0AEC58959EFD}" type="datetimeFigureOut">
               <a:rPr lang="ko-KR" altLang="en-US" smtClean="0"/>
-              <a:t>2023-12-12</a:t>
+              <a:t>2023-12-14</a:t>
             </a:fld>
             <a:endParaRPr lang="ko-KR" altLang="en-US"/>
           </a:p>
@@ -2904,7 +2909,7 @@
           <a:p>
             <a:fld id="{70C90204-D5CC-447F-9E5C-0AEC58959EFD}" type="datetimeFigureOut">
               <a:rPr lang="ko-KR" altLang="en-US" smtClean="0"/>
-              <a:t>2023-12-12</a:t>
+              <a:t>2023-12-14</a:t>
             </a:fld>
             <a:endParaRPr lang="ko-KR" altLang="en-US"/>
           </a:p>
@@ -3307,6 +3312,14 @@
 <file path=ppt/slides/slide1.xml><?xml version="1.0" encoding="utf-8"?>
 <p:sld xmlns:a="http://schemas.openxmlformats.org/drawingml/2006/main" xmlns:r="http://schemas.openxmlformats.org/officeDocument/2006/relationships" xmlns:p="http://schemas.openxmlformats.org/presentationml/2006/main">
   <p:cSld>
+    <p:bg>
+      <p:bgPr>
+        <a:solidFill>
+          <a:srgbClr val="14145A"/>
+        </a:solidFill>
+        <a:effectLst/>
+      </p:bgPr>
+    </p:bg>
     <p:spTree>
       <p:nvGrpSpPr>
         <p:cNvPr id="1" name=""/>
@@ -3321,42 +3334,6 @@
           <a:chExt cx="0" cy="0"/>
         </a:xfrm>
       </p:grpSpPr>
-      <p:pic>
-        <p:nvPicPr>
-          <p:cNvPr id="5" name="그림 4" descr="스크린샷, 블랙, 안개, 어둠이(가) 표시된 사진&#10;&#10;자동 생성된 설명">
-            <a:extLst>
-              <a:ext uri="{FF2B5EF4-FFF2-40B4-BE49-F238E27FC236}">
-                <a16:creationId xmlns:a16="http://schemas.microsoft.com/office/drawing/2014/main" id="{FBA2243D-6434-D23F-F419-B74596BB050B}"/>
-              </a:ext>
-            </a:extLst>
-          </p:cNvPr>
-          <p:cNvPicPr>
-            <a:picLocks/>
-          </p:cNvPicPr>
-          <p:nvPr/>
-        </p:nvPicPr>
-        <p:blipFill>
-          <a:blip r:embed="rId2">
-            <a:extLst>
-              <a:ext uri="{28A0092B-C50C-407E-A947-70E740481C1C}">
-                <a14:useLocalDpi xmlns:a14="http://schemas.microsoft.com/office/drawing/2010/main" val="0"/>
-              </a:ext>
-            </a:extLst>
-          </a:blip>
-          <a:stretch>
-            <a:fillRect/>
-          </a:stretch>
-        </p:blipFill>
-        <p:spPr>
-          <a:xfrm>
-            <a:off x="0" y="0"/>
-            <a:ext cx="12192000" cy="6858000"/>
-          </a:xfrm>
-          <a:prstGeom prst="rect">
-            <a:avLst/>
-          </a:prstGeom>
-        </p:spPr>
-      </p:pic>
       <p:sp>
         <p:nvSpPr>
           <p:cNvPr id="6" name="TextBox 5">
@@ -4167,7 +4144,7 @@
         </p:nvSpPr>
         <p:spPr>
           <a:xfrm rot="5400000">
-            <a:off x="6970081" y="6314610"/>
+            <a:off x="7644000" y="6314610"/>
             <a:ext cx="252000" cy="252000"/>
           </a:xfrm>
           <a:prstGeom prst="triangle">
@@ -4221,7 +4198,7 @@
         </p:nvSpPr>
         <p:spPr>
           <a:xfrm rot="16200000">
-            <a:off x="4969919" y="6314610"/>
+            <a:off x="4296000" y="6314610"/>
             <a:ext cx="252000" cy="252000"/>
           </a:xfrm>
           <a:prstGeom prst="triangle">
@@ -4275,10 +4252,10 @@
         </p:nvGrpSpPr>
         <p:grpSpPr>
           <a:xfrm>
-            <a:off x="543385" y="1728000"/>
-            <a:ext cx="1368323" cy="693332"/>
+            <a:off x="610204" y="1728055"/>
+            <a:ext cx="1368323" cy="673013"/>
             <a:chOff x="82891" y="611801"/>
-            <a:chExt cx="1368323" cy="693332"/>
+            <a:chExt cx="1368323" cy="673013"/>
           </a:xfrm>
         </p:grpSpPr>
         <p:sp>
@@ -4344,7 +4321,7 @@
           </p:nvSpPr>
           <p:spPr>
             <a:xfrm>
-              <a:off x="82891" y="935801"/>
+              <a:off x="82891" y="915482"/>
               <a:ext cx="995786" cy="369332"/>
             </a:xfrm>
             <a:prstGeom prst="rect">
@@ -4390,10 +4367,10 @@
         </p:nvGrpSpPr>
         <p:grpSpPr>
           <a:xfrm>
-            <a:off x="543385" y="756000"/>
-            <a:ext cx="752129" cy="693332"/>
+            <a:off x="610204" y="756000"/>
+            <a:ext cx="752129" cy="673013"/>
             <a:chOff x="390985" y="603600"/>
-            <a:chExt cx="752129" cy="693332"/>
+            <a:chExt cx="752129" cy="673013"/>
           </a:xfrm>
         </p:grpSpPr>
         <p:sp>
@@ -4459,7 +4436,7 @@
           </p:nvSpPr>
           <p:spPr>
             <a:xfrm>
-              <a:off x="390985" y="927600"/>
+              <a:off x="390985" y="907281"/>
               <a:ext cx="564578" cy="369332"/>
             </a:xfrm>
             <a:prstGeom prst="rect">
@@ -4505,10 +4482,10 @@
         </p:nvGrpSpPr>
         <p:grpSpPr>
           <a:xfrm>
-            <a:off x="543385" y="2781556"/>
-            <a:ext cx="1329211" cy="693332"/>
+            <a:off x="610204" y="4644218"/>
+            <a:ext cx="1329211" cy="673013"/>
             <a:chOff x="102444" y="603600"/>
-            <a:chExt cx="1329211" cy="693332"/>
+            <a:chExt cx="1329211" cy="673013"/>
           </a:xfrm>
         </p:grpSpPr>
         <p:sp>
@@ -4574,7 +4551,7 @@
           </p:nvSpPr>
           <p:spPr>
             <a:xfrm>
-              <a:off x="102444" y="927600"/>
+              <a:off x="102444" y="907281"/>
               <a:ext cx="995786" cy="369332"/>
             </a:xfrm>
             <a:prstGeom prst="rect">
@@ -4620,10 +4597,10 @@
         </p:nvGrpSpPr>
         <p:grpSpPr>
           <a:xfrm>
-            <a:off x="543385" y="3783339"/>
-            <a:ext cx="745718" cy="693332"/>
+            <a:off x="610204" y="3672163"/>
+            <a:ext cx="745718" cy="673013"/>
             <a:chOff x="390985" y="603600"/>
-            <a:chExt cx="745718" cy="693332"/>
+            <a:chExt cx="745718" cy="673013"/>
           </a:xfrm>
         </p:grpSpPr>
         <p:sp>
@@ -4689,7 +4666,7 @@
           </p:nvSpPr>
           <p:spPr>
             <a:xfrm>
-              <a:off x="390985" y="927600"/>
+              <a:off x="390985" y="907281"/>
               <a:ext cx="564578" cy="369332"/>
             </a:xfrm>
             <a:prstGeom prst="rect">
@@ -4711,6 +4688,173 @@
                   </a:solidFill>
                 </a:rPr>
                 <a:t>000</a:t>
+              </a:r>
+              <a:endParaRPr lang="ko-KR" altLang="en-US" dirty="0">
+                <a:solidFill>
+                  <a:schemeClr val="bg1"/>
+                </a:solidFill>
+              </a:endParaRPr>
+            </a:p>
+          </p:txBody>
+        </p:sp>
+      </p:grpSp>
+      <p:sp>
+        <p:nvSpPr>
+          <p:cNvPr id="2" name="타원 1">
+            <a:extLst>
+              <a:ext uri="{FF2B5EF4-FFF2-40B4-BE49-F238E27FC236}">
+                <a16:creationId xmlns:a16="http://schemas.microsoft.com/office/drawing/2014/main" id="{84D96696-C1D7-535E-A21A-619DA8EDF29F}"/>
+              </a:ext>
+            </a:extLst>
+          </p:cNvPr>
+          <p:cNvSpPr/>
+          <p:nvPr/>
+        </p:nvSpPr>
+        <p:spPr>
+          <a:xfrm>
+            <a:off x="6060000" y="3393000"/>
+            <a:ext cx="72000" cy="72000"/>
+          </a:xfrm>
+          <a:prstGeom prst="ellipse">
+            <a:avLst/>
+          </a:prstGeom>
+          <a:solidFill>
+            <a:srgbClr val="C00000"/>
+          </a:solidFill>
+          <a:ln>
+            <a:noFill/>
+          </a:ln>
+        </p:spPr>
+        <p:style>
+          <a:lnRef idx="2">
+            <a:schemeClr val="accent1">
+              <a:shade val="15000"/>
+            </a:schemeClr>
+          </a:lnRef>
+          <a:fillRef idx="1">
+            <a:schemeClr val="accent1"/>
+          </a:fillRef>
+          <a:effectRef idx="0">
+            <a:schemeClr val="accent1"/>
+          </a:effectRef>
+          <a:fontRef idx="minor">
+            <a:schemeClr val="lt1"/>
+          </a:fontRef>
+        </p:style>
+        <p:txBody>
+          <a:bodyPr rtlCol="0" anchor="ctr"/>
+          <a:lstStyle/>
+          <a:p>
+            <a:pPr algn="ctr"/>
+            <a:endParaRPr lang="ko-KR" altLang="en-US"/>
+          </a:p>
+        </p:txBody>
+      </p:sp>
+      <p:grpSp>
+        <p:nvGrpSpPr>
+          <p:cNvPr id="4" name="그룹 3">
+            <a:extLst>
+              <a:ext uri="{FF2B5EF4-FFF2-40B4-BE49-F238E27FC236}">
+                <a16:creationId xmlns:a16="http://schemas.microsoft.com/office/drawing/2014/main" id="{160C239A-C9AC-A16C-88E4-519EE64C38E9}"/>
+              </a:ext>
+            </a:extLst>
+          </p:cNvPr>
+          <p:cNvGrpSpPr/>
+          <p:nvPr/>
+        </p:nvGrpSpPr>
+        <p:grpSpPr>
+          <a:xfrm>
+            <a:off x="610204" y="2700109"/>
+            <a:ext cx="1226619" cy="673013"/>
+            <a:chOff x="13478" y="603600"/>
+            <a:chExt cx="1226619" cy="673013"/>
+          </a:xfrm>
+        </p:grpSpPr>
+        <p:sp>
+          <p:nvSpPr>
+            <p:cNvPr id="20" name="TextBox 19">
+              <a:extLst>
+                <a:ext uri="{FF2B5EF4-FFF2-40B4-BE49-F238E27FC236}">
+                  <a16:creationId xmlns:a16="http://schemas.microsoft.com/office/drawing/2014/main" id="{BF63F996-6333-A31C-386C-7ACDE8DDA047}"/>
+                </a:ext>
+              </a:extLst>
+            </p:cNvPr>
+            <p:cNvSpPr txBox="1"/>
+            <p:nvPr/>
+          </p:nvSpPr>
+          <p:spPr>
+            <a:xfrm>
+              <a:off x="13478" y="603600"/>
+              <a:ext cx="1226619" cy="307777"/>
+            </a:xfrm>
+            <a:prstGeom prst="rect">
+              <a:avLst/>
+            </a:prstGeom>
+            <a:noFill/>
+          </p:spPr>
+          <p:txBody>
+            <a:bodyPr wrap="none" rtlCol="0">
+              <a:spAutoFit/>
+            </a:bodyPr>
+            <a:lstStyle/>
+            <a:p>
+              <a:pPr algn="ctr"/>
+              <a:r>
+                <a:rPr lang="en-US" altLang="ko-KR" sz="1400" dirty="0">
+                  <a:solidFill>
+                    <a:schemeClr val="bg1"/>
+                  </a:solidFill>
+                  <a:latin typeface="나눔고딕OTF ExtraBold" panose="020D0904000000000000" pitchFamily="34" charset="-127"/>
+                  <a:ea typeface="나눔고딕OTF ExtraBold" panose="020D0904000000000000" pitchFamily="34" charset="-127"/>
+                </a:rPr>
+                <a:t>Chips in play</a:t>
+              </a:r>
+              <a:endParaRPr lang="ko-KR" altLang="en-US" sz="1400" dirty="0">
+                <a:solidFill>
+                  <a:schemeClr val="bg1"/>
+                </a:solidFill>
+                <a:latin typeface="나눔고딕OTF ExtraBold" panose="020D0904000000000000" pitchFamily="34" charset="-127"/>
+                <a:ea typeface="나눔고딕OTF ExtraBold" panose="020D0904000000000000" pitchFamily="34" charset="-127"/>
+              </a:endParaRPr>
+            </a:p>
+          </p:txBody>
+        </p:sp>
+        <p:sp>
+          <p:nvSpPr>
+            <p:cNvPr id="22" name="TextBox 21">
+              <a:extLst>
+                <a:ext uri="{FF2B5EF4-FFF2-40B4-BE49-F238E27FC236}">
+                  <a16:creationId xmlns:a16="http://schemas.microsoft.com/office/drawing/2014/main" id="{3C75BD73-613B-2EFA-B145-27BCDFCEE793}"/>
+                </a:ext>
+              </a:extLst>
+            </p:cNvPr>
+            <p:cNvSpPr txBox="1"/>
+            <p:nvPr/>
+          </p:nvSpPr>
+          <p:spPr>
+            <a:xfrm>
+              <a:off x="13478" y="907281"/>
+              <a:ext cx="1173719" cy="369332"/>
+            </a:xfrm>
+            <a:prstGeom prst="rect">
+              <a:avLst/>
+            </a:prstGeom>
+            <a:noFill/>
+          </p:spPr>
+          <p:txBody>
+            <a:bodyPr wrap="none" rtlCol="0">
+              <a:spAutoFit/>
+            </a:bodyPr>
+            <a:lstStyle/>
+            <a:p>
+              <a:pPr algn="ctr"/>
+              <a:r>
+                <a:rPr lang="en-US" altLang="ko-KR" dirty="0">
+                  <a:solidFill>
+                    <a:schemeClr val="bg1"/>
+                  </a:solidFill>
+                </a:rPr>
+                <a:t>0,000,000</a:t>
               </a:r>
               <a:endParaRPr lang="ko-KR" altLang="en-US" dirty="0">
                 <a:solidFill>

--- a/프레젠테이션1.pptx
+++ b/프레젠테이션1.pptx
@@ -6,6 +6,7 @@
   </p:sldMasterIdLst>
   <p:sldIdLst>
     <p:sldId id="256" r:id="rId2"/>
+    <p:sldId id="257" r:id="rId3"/>
   </p:sldIdLst>
   <p:sldSz cx="12192000" cy="6858000"/>
   <p:notesSz cx="6858000" cy="9144000"/>
@@ -3314,9 +3315,15 @@
   <p:cSld>
     <p:bg>
       <p:bgPr>
-        <a:solidFill>
-          <a:srgbClr val="14145A"/>
-        </a:solidFill>
+        <a:blipFill dpi="0" rotWithShape="1">
+          <a:blip r:embed="rId2">
+            <a:lum/>
+          </a:blip>
+          <a:srcRect/>
+          <a:stretch>
+            <a:fillRect/>
+          </a:stretch>
+        </a:blipFill>
         <a:effectLst/>
       </p:bgPr>
     </p:bg>
@@ -4869,6 +4876,99 @@
     <p:extLst>
       <p:ext uri="{BB962C8B-B14F-4D97-AF65-F5344CB8AC3E}">
         <p14:creationId xmlns:p14="http://schemas.microsoft.com/office/powerpoint/2010/main" val="4008526217"/>
+      </p:ext>
+    </p:extLst>
+  </p:cSld>
+  <p:clrMapOvr>
+    <a:masterClrMapping/>
+  </p:clrMapOvr>
+</p:sld>
+</file>
+
+<file path=ppt/slides/slide2.xml><?xml version="1.0" encoding="utf-8"?>
+<p:sld xmlns:a="http://schemas.openxmlformats.org/drawingml/2006/main" xmlns:r="http://schemas.openxmlformats.org/officeDocument/2006/relationships" xmlns:p="http://schemas.openxmlformats.org/presentationml/2006/main">
+  <p:cSld>
+    <p:bg>
+      <p:bgPr>
+        <a:blipFill dpi="0" rotWithShape="1">
+          <a:blip r:embed="rId2">
+            <a:lum/>
+          </a:blip>
+          <a:srcRect/>
+          <a:stretch>
+            <a:fillRect/>
+          </a:stretch>
+        </a:blipFill>
+        <a:effectLst/>
+      </p:bgPr>
+    </p:bg>
+    <p:spTree>
+      <p:nvGrpSpPr>
+        <p:cNvPr id="1" name=""/>
+        <p:cNvGrpSpPr/>
+        <p:nvPr/>
+      </p:nvGrpSpPr>
+      <p:grpSpPr>
+        <a:xfrm>
+          <a:off x="0" y="0"/>
+          <a:ext cx="0" cy="0"/>
+          <a:chOff x="0" y="0"/>
+          <a:chExt cx="0" cy="0"/>
+        </a:xfrm>
+      </p:grpSpPr>
+      <p:sp>
+        <p:nvSpPr>
+          <p:cNvPr id="4" name="TextBox 3">
+            <a:extLst>
+              <a:ext uri="{FF2B5EF4-FFF2-40B4-BE49-F238E27FC236}">
+                <a16:creationId xmlns:a16="http://schemas.microsoft.com/office/drawing/2014/main" id="{8BB867AD-8161-6D05-9590-7A3DEDFB604A}"/>
+              </a:ext>
+            </a:extLst>
+          </p:cNvPr>
+          <p:cNvSpPr txBox="1"/>
+          <p:nvPr/>
+        </p:nvSpPr>
+        <p:spPr>
+          <a:xfrm>
+            <a:off x="3252914" y="186029"/>
+            <a:ext cx="5686172" cy="1107996"/>
+          </a:xfrm>
+          <a:prstGeom prst="rect">
+            <a:avLst/>
+          </a:prstGeom>
+          <a:noFill/>
+        </p:spPr>
+        <p:txBody>
+          <a:bodyPr wrap="none" rtlCol="0">
+            <a:spAutoFit/>
+          </a:bodyPr>
+          <a:lstStyle/>
+          <a:p>
+            <a:pPr algn="ctr"/>
+            <a:r>
+              <a:rPr lang="en-US" altLang="ko-KR" sz="6600" dirty="0">
+                <a:solidFill>
+                  <a:schemeClr val="bg1"/>
+                </a:solidFill>
+                <a:latin typeface="나눔스퀘어OTF Bold" panose="020B0600000101010101" pitchFamily="34" charset="-127"/>
+                <a:ea typeface="나눔스퀘어OTF Bold" panose="020B0600000101010101" pitchFamily="34" charset="-127"/>
+              </a:rPr>
+              <a:t>Blind Settings</a:t>
+            </a:r>
+            <a:endParaRPr lang="ko-KR" altLang="en-US" sz="6600" dirty="0">
+              <a:solidFill>
+                <a:schemeClr val="bg1"/>
+              </a:solidFill>
+              <a:latin typeface="나눔스퀘어OTF Bold" panose="020B0600000101010101" pitchFamily="34" charset="-127"/>
+              <a:ea typeface="나눔스퀘어OTF Bold" panose="020B0600000101010101" pitchFamily="34" charset="-127"/>
+            </a:endParaRPr>
+          </a:p>
+        </p:txBody>
+      </p:sp>
+    </p:spTree>
+    <p:extLst>
+      <p:ext uri="{BB962C8B-B14F-4D97-AF65-F5344CB8AC3E}">
+        <p14:creationId xmlns:p14="http://schemas.microsoft.com/office/powerpoint/2010/main" val="275798770"/>
       </p:ext>
     </p:extLst>
   </p:cSld>

--- a/프레젠테이션1.pptx
+++ b/프레젠테이션1.pptx
@@ -7,6 +7,7 @@
   <p:sldIdLst>
     <p:sldId id="256" r:id="rId2"/>
     <p:sldId id="257" r:id="rId3"/>
+    <p:sldId id="258" r:id="rId4"/>
   </p:sldIdLst>
   <p:sldSz cx="12192000" cy="6858000"/>
   <p:notesSz cx="6858000" cy="9144000"/>
@@ -260,7 +261,7 @@
           <a:p>
             <a:fld id="{70C90204-D5CC-447F-9E5C-0AEC58959EFD}" type="datetimeFigureOut">
               <a:rPr lang="ko-KR" altLang="en-US" smtClean="0"/>
-              <a:t>2023-12-14</a:t>
+              <a:t>2024-02-10</a:t>
             </a:fld>
             <a:endParaRPr lang="ko-KR" altLang="en-US"/>
           </a:p>
@@ -458,7 +459,7 @@
           <a:p>
             <a:fld id="{70C90204-D5CC-447F-9E5C-0AEC58959EFD}" type="datetimeFigureOut">
               <a:rPr lang="ko-KR" altLang="en-US" smtClean="0"/>
-              <a:t>2023-12-14</a:t>
+              <a:t>2024-02-10</a:t>
             </a:fld>
             <a:endParaRPr lang="ko-KR" altLang="en-US"/>
           </a:p>
@@ -666,7 +667,7 @@
           <a:p>
             <a:fld id="{70C90204-D5CC-447F-9E5C-0AEC58959EFD}" type="datetimeFigureOut">
               <a:rPr lang="ko-KR" altLang="en-US" smtClean="0"/>
-              <a:t>2023-12-14</a:t>
+              <a:t>2024-02-10</a:t>
             </a:fld>
             <a:endParaRPr lang="ko-KR" altLang="en-US"/>
           </a:p>
@@ -864,7 +865,7 @@
           <a:p>
             <a:fld id="{70C90204-D5CC-447F-9E5C-0AEC58959EFD}" type="datetimeFigureOut">
               <a:rPr lang="ko-KR" altLang="en-US" smtClean="0"/>
-              <a:t>2023-12-14</a:t>
+              <a:t>2024-02-10</a:t>
             </a:fld>
             <a:endParaRPr lang="ko-KR" altLang="en-US"/>
           </a:p>
@@ -1139,7 +1140,7 @@
           <a:p>
             <a:fld id="{70C90204-D5CC-447F-9E5C-0AEC58959EFD}" type="datetimeFigureOut">
               <a:rPr lang="ko-KR" altLang="en-US" smtClean="0"/>
-              <a:t>2023-12-14</a:t>
+              <a:t>2024-02-10</a:t>
             </a:fld>
             <a:endParaRPr lang="ko-KR" altLang="en-US"/>
           </a:p>
@@ -1404,7 +1405,7 @@
           <a:p>
             <a:fld id="{70C90204-D5CC-447F-9E5C-0AEC58959EFD}" type="datetimeFigureOut">
               <a:rPr lang="ko-KR" altLang="en-US" smtClean="0"/>
-              <a:t>2023-12-14</a:t>
+              <a:t>2024-02-10</a:t>
             </a:fld>
             <a:endParaRPr lang="ko-KR" altLang="en-US"/>
           </a:p>
@@ -1816,7 +1817,7 @@
           <a:p>
             <a:fld id="{70C90204-D5CC-447F-9E5C-0AEC58959EFD}" type="datetimeFigureOut">
               <a:rPr lang="ko-KR" altLang="en-US" smtClean="0"/>
-              <a:t>2023-12-14</a:t>
+              <a:t>2024-02-10</a:t>
             </a:fld>
             <a:endParaRPr lang="ko-KR" altLang="en-US"/>
           </a:p>
@@ -1957,7 +1958,7 @@
           <a:p>
             <a:fld id="{70C90204-D5CC-447F-9E5C-0AEC58959EFD}" type="datetimeFigureOut">
               <a:rPr lang="ko-KR" altLang="en-US" smtClean="0"/>
-              <a:t>2023-12-14</a:t>
+              <a:t>2024-02-10</a:t>
             </a:fld>
             <a:endParaRPr lang="ko-KR" altLang="en-US"/>
           </a:p>
@@ -2070,7 +2071,7 @@
           <a:p>
             <a:fld id="{70C90204-D5CC-447F-9E5C-0AEC58959EFD}" type="datetimeFigureOut">
               <a:rPr lang="ko-KR" altLang="en-US" smtClean="0"/>
-              <a:t>2023-12-14</a:t>
+              <a:t>2024-02-10</a:t>
             </a:fld>
             <a:endParaRPr lang="ko-KR" altLang="en-US"/>
           </a:p>
@@ -2381,7 +2382,7 @@
           <a:p>
             <a:fld id="{70C90204-D5CC-447F-9E5C-0AEC58959EFD}" type="datetimeFigureOut">
               <a:rPr lang="ko-KR" altLang="en-US" smtClean="0"/>
-              <a:t>2023-12-14</a:t>
+              <a:t>2024-02-10</a:t>
             </a:fld>
             <a:endParaRPr lang="ko-KR" altLang="en-US"/>
           </a:p>
@@ -2669,7 +2670,7 @@
           <a:p>
             <a:fld id="{70C90204-D5CC-447F-9E5C-0AEC58959EFD}" type="datetimeFigureOut">
               <a:rPr lang="ko-KR" altLang="en-US" smtClean="0"/>
-              <a:t>2023-12-14</a:t>
+              <a:t>2024-02-10</a:t>
             </a:fld>
             <a:endParaRPr lang="ko-KR" altLang="en-US"/>
           </a:p>
@@ -2910,7 +2911,7 @@
           <a:p>
             <a:fld id="{70C90204-D5CC-447F-9E5C-0AEC58959EFD}" type="datetimeFigureOut">
               <a:rPr lang="ko-KR" altLang="en-US" smtClean="0"/>
-              <a:t>2023-12-14</a:t>
+              <a:t>2024-02-10</a:t>
             </a:fld>
             <a:endParaRPr lang="ko-KR" altLang="en-US"/>
           </a:p>
@@ -4965,10 +4966,179 @@
           </a:p>
         </p:txBody>
       </p:sp>
+      <p:pic>
+        <p:nvPicPr>
+          <p:cNvPr id="2" name="그림 1" descr="블랙, 어둠이(가) 표시된 사진&#10;&#10;자동 생성된 설명">
+            <a:extLst>
+              <a:ext uri="{FF2B5EF4-FFF2-40B4-BE49-F238E27FC236}">
+                <a16:creationId xmlns:a16="http://schemas.microsoft.com/office/drawing/2014/main" id="{3766B934-D2DF-B3C4-48A8-09441AA5A4E0}"/>
+              </a:ext>
+            </a:extLst>
+          </p:cNvPr>
+          <p:cNvPicPr>
+            <a:picLocks/>
+          </p:cNvPicPr>
+          <p:nvPr/>
+        </p:nvPicPr>
+        <p:blipFill rotWithShape="1">
+          <a:blip r:embed="rId3">
+            <a:duotone>
+              <a:schemeClr val="bg2">
+                <a:shade val="45000"/>
+                <a:satMod val="135000"/>
+              </a:schemeClr>
+              <a:prstClr val="white"/>
+            </a:duotone>
+            <a:extLst>
+              <a:ext uri="{28A0092B-C50C-407E-A947-70E740481C1C}">
+                <a14:useLocalDpi xmlns:a14="http://schemas.microsoft.com/office/drawing/2010/main" val="0"/>
+              </a:ext>
+            </a:extLst>
+          </a:blip>
+          <a:srcRect l="23640" t="13976" r="23396" b="28183"/>
+          <a:stretch/>
+        </p:blipFill>
+        <p:spPr>
+          <a:xfrm>
+            <a:off x="10925153" y="5713727"/>
+            <a:ext cx="900000" cy="900000"/>
+          </a:xfrm>
+          <a:prstGeom prst="rect">
+            <a:avLst/>
+          </a:prstGeom>
+        </p:spPr>
+      </p:pic>
     </p:spTree>
     <p:extLst>
       <p:ext uri="{BB962C8B-B14F-4D97-AF65-F5344CB8AC3E}">
         <p14:creationId xmlns:p14="http://schemas.microsoft.com/office/powerpoint/2010/main" val="275798770"/>
+      </p:ext>
+    </p:extLst>
+  </p:cSld>
+  <p:clrMapOvr>
+    <a:masterClrMapping/>
+  </p:clrMapOvr>
+</p:sld>
+</file>
+
+<file path=ppt/slides/slide3.xml><?xml version="1.0" encoding="utf-8"?>
+<p:sld xmlns:a="http://schemas.openxmlformats.org/drawingml/2006/main" xmlns:r="http://schemas.openxmlformats.org/officeDocument/2006/relationships" xmlns:p="http://schemas.openxmlformats.org/presentationml/2006/main">
+  <p:cSld>
+    <p:spTree>
+      <p:nvGrpSpPr>
+        <p:cNvPr id="1" name=""/>
+        <p:cNvGrpSpPr/>
+        <p:nvPr/>
+      </p:nvGrpSpPr>
+      <p:grpSpPr>
+        <a:xfrm>
+          <a:off x="0" y="0"/>
+          <a:ext cx="0" cy="0"/>
+          <a:chOff x="0" y="0"/>
+          <a:chExt cx="0" cy="0"/>
+        </a:xfrm>
+      </p:grpSpPr>
+      <p:sp>
+        <p:nvSpPr>
+          <p:cNvPr id="4" name="직사각형 3">
+            <a:extLst>
+              <a:ext uri="{FF2B5EF4-FFF2-40B4-BE49-F238E27FC236}">
+                <a16:creationId xmlns:a16="http://schemas.microsoft.com/office/drawing/2014/main" id="{668F80C6-4EBF-6BE0-036E-7A9780E964BC}"/>
+              </a:ext>
+            </a:extLst>
+          </p:cNvPr>
+          <p:cNvSpPr/>
+          <p:nvPr/>
+        </p:nvSpPr>
+        <p:spPr>
+          <a:xfrm>
+            <a:off x="1236017" y="1015299"/>
+            <a:ext cx="170267" cy="397291"/>
+          </a:xfrm>
+          <a:prstGeom prst="rect">
+            <a:avLst/>
+          </a:prstGeom>
+          <a:solidFill>
+            <a:schemeClr val="accent5">
+              <a:lumMod val="60000"/>
+              <a:lumOff val="40000"/>
+            </a:schemeClr>
+          </a:solidFill>
+          <a:ln>
+            <a:noFill/>
+          </a:ln>
+        </p:spPr>
+        <p:style>
+          <a:lnRef idx="2">
+            <a:schemeClr val="accent1">
+              <a:shade val="15000"/>
+            </a:schemeClr>
+          </a:lnRef>
+          <a:fillRef idx="1">
+            <a:schemeClr val="accent1"/>
+          </a:fillRef>
+          <a:effectRef idx="0">
+            <a:schemeClr val="accent1"/>
+          </a:effectRef>
+          <a:fontRef idx="minor">
+            <a:schemeClr val="lt1"/>
+          </a:fontRef>
+        </p:style>
+        <p:txBody>
+          <a:bodyPr rtlCol="0" anchor="ctr"/>
+          <a:lstStyle/>
+          <a:p>
+            <a:pPr algn="ctr"/>
+            <a:endParaRPr lang="ko-KR" altLang="en-US"/>
+          </a:p>
+        </p:txBody>
+      </p:sp>
+      <p:pic>
+        <p:nvPicPr>
+          <p:cNvPr id="3" name="그림 2" descr="블랙, 어둠이(가) 표시된 사진&#10;&#10;자동 생성된 설명">
+            <a:extLst>
+              <a:ext uri="{FF2B5EF4-FFF2-40B4-BE49-F238E27FC236}">
+                <a16:creationId xmlns:a16="http://schemas.microsoft.com/office/drawing/2014/main" id="{75B138D4-6B81-FFE7-A7DD-93662C56C94B}"/>
+              </a:ext>
+            </a:extLst>
+          </p:cNvPr>
+          <p:cNvPicPr>
+            <a:picLocks noChangeAspect="1"/>
+          </p:cNvPicPr>
+          <p:nvPr/>
+        </p:nvPicPr>
+        <p:blipFill rotWithShape="1">
+          <a:blip r:embed="rId2">
+            <a:duotone>
+              <a:schemeClr val="bg2">
+                <a:shade val="45000"/>
+                <a:satMod val="135000"/>
+              </a:schemeClr>
+              <a:prstClr val="white"/>
+            </a:duotone>
+            <a:extLst>
+              <a:ext uri="{28A0092B-C50C-407E-A947-70E740481C1C}">
+                <a14:useLocalDpi xmlns:a14="http://schemas.microsoft.com/office/drawing/2010/main" val="0"/>
+              </a:ext>
+            </a:extLst>
+          </a:blip>
+          <a:srcRect l="23640" t="13976" r="23396" b="28183"/>
+          <a:stretch/>
+        </p:blipFill>
+        <p:spPr>
+          <a:xfrm>
+            <a:off x="1236017" y="2201333"/>
+            <a:ext cx="317189" cy="346375"/>
+          </a:xfrm>
+          <a:prstGeom prst="rect">
+            <a:avLst/>
+          </a:prstGeom>
+        </p:spPr>
+      </p:pic>
+    </p:spTree>
+    <p:extLst>
+      <p:ext uri="{BB962C8B-B14F-4D97-AF65-F5344CB8AC3E}">
+        <p14:creationId xmlns:p14="http://schemas.microsoft.com/office/powerpoint/2010/main" val="1745778352"/>
       </p:ext>
     </p:extLst>
   </p:cSld>

--- a/프레젠테이션1.pptx
+++ b/프레젠테이션1.pptx
@@ -261,7 +261,7 @@
           <a:p>
             <a:fld id="{70C90204-D5CC-447F-9E5C-0AEC58959EFD}" type="datetimeFigureOut">
               <a:rPr lang="ko-KR" altLang="en-US" smtClean="0"/>
-              <a:t>2024-02-10</a:t>
+              <a:t>2024-03-27</a:t>
             </a:fld>
             <a:endParaRPr lang="ko-KR" altLang="en-US"/>
           </a:p>
@@ -459,7 +459,7 @@
           <a:p>
             <a:fld id="{70C90204-D5CC-447F-9E5C-0AEC58959EFD}" type="datetimeFigureOut">
               <a:rPr lang="ko-KR" altLang="en-US" smtClean="0"/>
-              <a:t>2024-02-10</a:t>
+              <a:t>2024-03-27</a:t>
             </a:fld>
             <a:endParaRPr lang="ko-KR" altLang="en-US"/>
           </a:p>
@@ -667,7 +667,7 @@
           <a:p>
             <a:fld id="{70C90204-D5CC-447F-9E5C-0AEC58959EFD}" type="datetimeFigureOut">
               <a:rPr lang="ko-KR" altLang="en-US" smtClean="0"/>
-              <a:t>2024-02-10</a:t>
+              <a:t>2024-03-27</a:t>
             </a:fld>
             <a:endParaRPr lang="ko-KR" altLang="en-US"/>
           </a:p>
@@ -865,7 +865,7 @@
           <a:p>
             <a:fld id="{70C90204-D5CC-447F-9E5C-0AEC58959EFD}" type="datetimeFigureOut">
               <a:rPr lang="ko-KR" altLang="en-US" smtClean="0"/>
-              <a:t>2024-02-10</a:t>
+              <a:t>2024-03-27</a:t>
             </a:fld>
             <a:endParaRPr lang="ko-KR" altLang="en-US"/>
           </a:p>
@@ -1140,7 +1140,7 @@
           <a:p>
             <a:fld id="{70C90204-D5CC-447F-9E5C-0AEC58959EFD}" type="datetimeFigureOut">
               <a:rPr lang="ko-KR" altLang="en-US" smtClean="0"/>
-              <a:t>2024-02-10</a:t>
+              <a:t>2024-03-27</a:t>
             </a:fld>
             <a:endParaRPr lang="ko-KR" altLang="en-US"/>
           </a:p>
@@ -1405,7 +1405,7 @@
           <a:p>
             <a:fld id="{70C90204-D5CC-447F-9E5C-0AEC58959EFD}" type="datetimeFigureOut">
               <a:rPr lang="ko-KR" altLang="en-US" smtClean="0"/>
-              <a:t>2024-02-10</a:t>
+              <a:t>2024-03-27</a:t>
             </a:fld>
             <a:endParaRPr lang="ko-KR" altLang="en-US"/>
           </a:p>
@@ -1817,7 +1817,7 @@
           <a:p>
             <a:fld id="{70C90204-D5CC-447F-9E5C-0AEC58959EFD}" type="datetimeFigureOut">
               <a:rPr lang="ko-KR" altLang="en-US" smtClean="0"/>
-              <a:t>2024-02-10</a:t>
+              <a:t>2024-03-27</a:t>
             </a:fld>
             <a:endParaRPr lang="ko-KR" altLang="en-US"/>
           </a:p>
@@ -1958,7 +1958,7 @@
           <a:p>
             <a:fld id="{70C90204-D5CC-447F-9E5C-0AEC58959EFD}" type="datetimeFigureOut">
               <a:rPr lang="ko-KR" altLang="en-US" smtClean="0"/>
-              <a:t>2024-02-10</a:t>
+              <a:t>2024-03-27</a:t>
             </a:fld>
             <a:endParaRPr lang="ko-KR" altLang="en-US"/>
           </a:p>
@@ -2071,7 +2071,7 @@
           <a:p>
             <a:fld id="{70C90204-D5CC-447F-9E5C-0AEC58959EFD}" type="datetimeFigureOut">
               <a:rPr lang="ko-KR" altLang="en-US" smtClean="0"/>
-              <a:t>2024-02-10</a:t>
+              <a:t>2024-03-27</a:t>
             </a:fld>
             <a:endParaRPr lang="ko-KR" altLang="en-US"/>
           </a:p>
@@ -2382,7 +2382,7 @@
           <a:p>
             <a:fld id="{70C90204-D5CC-447F-9E5C-0AEC58959EFD}" type="datetimeFigureOut">
               <a:rPr lang="ko-KR" altLang="en-US" smtClean="0"/>
-              <a:t>2024-02-10</a:t>
+              <a:t>2024-03-27</a:t>
             </a:fld>
             <a:endParaRPr lang="ko-KR" altLang="en-US"/>
           </a:p>
@@ -2670,7 +2670,7 @@
           <a:p>
             <a:fld id="{70C90204-D5CC-447F-9E5C-0AEC58959EFD}" type="datetimeFigureOut">
               <a:rPr lang="ko-KR" altLang="en-US" smtClean="0"/>
-              <a:t>2024-02-10</a:t>
+              <a:t>2024-03-27</a:t>
             </a:fld>
             <a:endParaRPr lang="ko-KR" altLang="en-US"/>
           </a:p>
@@ -2911,7 +2911,7 @@
           <a:p>
             <a:fld id="{70C90204-D5CC-447F-9E5C-0AEC58959EFD}" type="datetimeFigureOut">
               <a:rPr lang="ko-KR" altLang="en-US" smtClean="0"/>
-              <a:t>2024-02-10</a:t>
+              <a:t>2024-03-27</a:t>
             </a:fld>
             <a:endParaRPr lang="ko-KR" altLang="en-US"/>
           </a:p>
@@ -5008,39 +5008,9 @@
           </a:prstGeom>
         </p:spPr>
       </p:pic>
-    </p:spTree>
-    <p:extLst>
-      <p:ext uri="{BB962C8B-B14F-4D97-AF65-F5344CB8AC3E}">
-        <p14:creationId xmlns:p14="http://schemas.microsoft.com/office/powerpoint/2010/main" val="275798770"/>
-      </p:ext>
-    </p:extLst>
-  </p:cSld>
-  <p:clrMapOvr>
-    <a:masterClrMapping/>
-  </p:clrMapOvr>
-</p:sld>
-</file>
-
-<file path=ppt/slides/slide3.xml><?xml version="1.0" encoding="utf-8"?>
-<p:sld xmlns:a="http://schemas.openxmlformats.org/drawingml/2006/main" xmlns:r="http://schemas.openxmlformats.org/officeDocument/2006/relationships" xmlns:p="http://schemas.openxmlformats.org/presentationml/2006/main">
-  <p:cSld>
-    <p:spTree>
-      <p:nvGrpSpPr>
-        <p:cNvPr id="1" name=""/>
-        <p:cNvGrpSpPr/>
-        <p:nvPr/>
-      </p:nvGrpSpPr>
-      <p:grpSpPr>
-        <a:xfrm>
-          <a:off x="0" y="0"/>
-          <a:ext cx="0" cy="0"/>
-          <a:chOff x="0" y="0"/>
-          <a:chExt cx="0" cy="0"/>
-        </a:xfrm>
-      </p:grpSpPr>
-      <p:sp>
-        <p:nvSpPr>
-          <p:cNvPr id="4" name="직사각형 3">
+      <p:sp>
+        <p:nvSpPr>
+          <p:cNvPr id="3" name="직사각형 2">
             <a:extLst>
               <a:ext uri="{FF2B5EF4-FFF2-40B4-BE49-F238E27FC236}">
                 <a16:creationId xmlns:a16="http://schemas.microsoft.com/office/drawing/2014/main" id="{668F80C6-4EBF-6BE0-036E-7A9780E964BC}"/>
@@ -5095,7 +5065,7 @@
       </p:sp>
       <p:pic>
         <p:nvPicPr>
-          <p:cNvPr id="3" name="그림 2" descr="블랙, 어둠이(가) 표시된 사진&#10;&#10;자동 생성된 설명">
+          <p:cNvPr id="5" name="그림 4" descr="블랙, 어둠이(가) 표시된 사진&#10;&#10;자동 생성된 설명">
             <a:extLst>
               <a:ext uri="{FF2B5EF4-FFF2-40B4-BE49-F238E27FC236}">
                 <a16:creationId xmlns:a16="http://schemas.microsoft.com/office/drawing/2014/main" id="{75B138D4-6B81-FFE7-A7DD-93662C56C94B}"/>
@@ -5108,7 +5078,7 @@
           <p:nvPr/>
         </p:nvPicPr>
         <p:blipFill rotWithShape="1">
-          <a:blip r:embed="rId2">
+          <a:blip r:embed="rId3">
             <a:duotone>
               <a:schemeClr val="bg2">
                 <a:shade val="45000"/>
@@ -5135,6 +5105,510 @@
           </a:prstGeom>
         </p:spPr>
       </p:pic>
+    </p:spTree>
+    <p:extLst>
+      <p:ext uri="{BB962C8B-B14F-4D97-AF65-F5344CB8AC3E}">
+        <p14:creationId xmlns:p14="http://schemas.microsoft.com/office/powerpoint/2010/main" val="275798770"/>
+      </p:ext>
+    </p:extLst>
+  </p:cSld>
+  <p:clrMapOvr>
+    <a:masterClrMapping/>
+  </p:clrMapOvr>
+</p:sld>
+</file>
+
+<file path=ppt/slides/slide3.xml><?xml version="1.0" encoding="utf-8"?>
+<p:sld xmlns:a="http://schemas.openxmlformats.org/drawingml/2006/main" xmlns:r="http://schemas.openxmlformats.org/officeDocument/2006/relationships" xmlns:p="http://schemas.openxmlformats.org/presentationml/2006/main">
+  <p:cSld>
+    <p:bg>
+      <p:bgPr>
+        <a:solidFill>
+          <a:srgbClr val="5845F4"/>
+        </a:solidFill>
+        <a:effectLst/>
+      </p:bgPr>
+    </p:bg>
+    <p:spTree>
+      <p:nvGrpSpPr>
+        <p:cNvPr id="1" name=""/>
+        <p:cNvGrpSpPr/>
+        <p:nvPr/>
+      </p:nvGrpSpPr>
+      <p:grpSpPr>
+        <a:xfrm>
+          <a:off x="0" y="0"/>
+          <a:ext cx="0" cy="0"/>
+          <a:chOff x="0" y="0"/>
+          <a:chExt cx="0" cy="0"/>
+        </a:xfrm>
+      </p:grpSpPr>
+      <p:sp>
+        <p:nvSpPr>
+          <p:cNvPr id="2" name="직사각형 1">
+            <a:extLst>
+              <a:ext uri="{FF2B5EF4-FFF2-40B4-BE49-F238E27FC236}">
+                <a16:creationId xmlns:a16="http://schemas.microsoft.com/office/drawing/2014/main" id="{5BEBB947-1B67-6A97-567C-2CCB8ADE7972}"/>
+              </a:ext>
+            </a:extLst>
+          </p:cNvPr>
+          <p:cNvSpPr/>
+          <p:nvPr/>
+        </p:nvSpPr>
+        <p:spPr>
+          <a:xfrm>
+            <a:off x="152401" y="172720"/>
+            <a:ext cx="11887199" cy="6512560"/>
+          </a:xfrm>
+          <a:prstGeom prst="rect">
+            <a:avLst/>
+          </a:prstGeom>
+          <a:noFill/>
+          <a:ln w="28575">
+            <a:solidFill>
+              <a:schemeClr val="bg1"/>
+            </a:solidFill>
+          </a:ln>
+        </p:spPr>
+        <p:style>
+          <a:lnRef idx="2">
+            <a:schemeClr val="accent1">
+              <a:shade val="15000"/>
+            </a:schemeClr>
+          </a:lnRef>
+          <a:fillRef idx="1">
+            <a:schemeClr val="accent1"/>
+          </a:fillRef>
+          <a:effectRef idx="0">
+            <a:schemeClr val="accent1"/>
+          </a:effectRef>
+          <a:fontRef idx="minor">
+            <a:schemeClr val="lt1"/>
+          </a:fontRef>
+        </p:style>
+        <p:txBody>
+          <a:bodyPr rtlCol="0" anchor="ctr"/>
+          <a:lstStyle/>
+          <a:p>
+            <a:pPr algn="ctr"/>
+            <a:endParaRPr lang="ko-KR" altLang="en-US"/>
+          </a:p>
+        </p:txBody>
+      </p:sp>
+      <p:sp>
+        <p:nvSpPr>
+          <p:cNvPr id="5" name="직사각형 4">
+            <a:extLst>
+              <a:ext uri="{FF2B5EF4-FFF2-40B4-BE49-F238E27FC236}">
+                <a16:creationId xmlns:a16="http://schemas.microsoft.com/office/drawing/2014/main" id="{F0232F2A-57FA-1348-0AC9-A0C301E03D40}"/>
+              </a:ext>
+            </a:extLst>
+          </p:cNvPr>
+          <p:cNvSpPr/>
+          <p:nvPr/>
+        </p:nvSpPr>
+        <p:spPr>
+          <a:xfrm>
+            <a:off x="152400" y="172720"/>
+            <a:ext cx="11887199" cy="883920"/>
+          </a:xfrm>
+          <a:prstGeom prst="rect">
+            <a:avLst/>
+          </a:prstGeom>
+          <a:noFill/>
+          <a:ln w="28575">
+            <a:solidFill>
+              <a:schemeClr val="bg1"/>
+            </a:solidFill>
+          </a:ln>
+        </p:spPr>
+        <p:style>
+          <a:lnRef idx="2">
+            <a:schemeClr val="accent1">
+              <a:shade val="15000"/>
+            </a:schemeClr>
+          </a:lnRef>
+          <a:fillRef idx="1">
+            <a:schemeClr val="accent1"/>
+          </a:fillRef>
+          <a:effectRef idx="0">
+            <a:schemeClr val="accent1"/>
+          </a:effectRef>
+          <a:fontRef idx="minor">
+            <a:schemeClr val="lt1"/>
+          </a:fontRef>
+        </p:style>
+        <p:txBody>
+          <a:bodyPr rtlCol="0" anchor="ctr"/>
+          <a:lstStyle/>
+          <a:p>
+            <a:pPr algn="ctr"/>
+            <a:endParaRPr lang="ko-KR" altLang="en-US"/>
+          </a:p>
+        </p:txBody>
+      </p:sp>
+      <p:cxnSp>
+        <p:nvCxnSpPr>
+          <p:cNvPr id="8" name="직선 연결선 7">
+            <a:extLst>
+              <a:ext uri="{FF2B5EF4-FFF2-40B4-BE49-F238E27FC236}">
+                <a16:creationId xmlns:a16="http://schemas.microsoft.com/office/drawing/2014/main" id="{AD662B3F-637B-A155-D131-B4D3CE8D14C8}"/>
+              </a:ext>
+            </a:extLst>
+          </p:cNvPr>
+          <p:cNvCxnSpPr>
+            <a:cxnSpLocks/>
+          </p:cNvCxnSpPr>
+          <p:nvPr/>
+        </p:nvCxnSpPr>
+        <p:spPr>
+          <a:xfrm>
+            <a:off x="152400" y="1635760"/>
+            <a:ext cx="11887199" cy="0"/>
+          </a:xfrm>
+          <a:prstGeom prst="line">
+            <a:avLst/>
+          </a:prstGeom>
+          <a:ln w="19050" cap="rnd">
+            <a:solidFill>
+              <a:schemeClr val="bg1"/>
+            </a:solidFill>
+          </a:ln>
+        </p:spPr>
+        <p:style>
+          <a:lnRef idx="1">
+            <a:schemeClr val="accent1"/>
+          </a:lnRef>
+          <a:fillRef idx="0">
+            <a:schemeClr val="accent1"/>
+          </a:fillRef>
+          <a:effectRef idx="0">
+            <a:schemeClr val="accent1"/>
+          </a:effectRef>
+          <a:fontRef idx="minor">
+            <a:schemeClr val="tx1"/>
+          </a:fontRef>
+        </p:style>
+      </p:cxnSp>
+      <p:sp>
+        <p:nvSpPr>
+          <p:cNvPr id="10" name="TextBox 9">
+            <a:extLst>
+              <a:ext uri="{FF2B5EF4-FFF2-40B4-BE49-F238E27FC236}">
+                <a16:creationId xmlns:a16="http://schemas.microsoft.com/office/drawing/2014/main" id="{3291ED0D-FCDF-106D-A91A-5E63A1DF668E}"/>
+              </a:ext>
+            </a:extLst>
+          </p:cNvPr>
+          <p:cNvSpPr txBox="1"/>
+          <p:nvPr/>
+        </p:nvSpPr>
+        <p:spPr>
+          <a:xfrm>
+            <a:off x="3819576" y="1107440"/>
+            <a:ext cx="4552849" cy="523220"/>
+          </a:xfrm>
+          <a:prstGeom prst="rect">
+            <a:avLst/>
+          </a:prstGeom>
+          <a:noFill/>
+        </p:spPr>
+        <p:txBody>
+          <a:bodyPr wrap="none" rtlCol="0">
+            <a:spAutoFit/>
+          </a:bodyPr>
+          <a:lstStyle/>
+          <a:p>
+            <a:pPr algn="ctr"/>
+            <a:r>
+              <a:rPr lang="en-US" altLang="ko-KR" sz="2800" dirty="0">
+                <a:solidFill>
+                  <a:schemeClr val="bg1"/>
+                </a:solidFill>
+                <a:latin typeface="나눔스퀘어OTF_ac ExtraBold" panose="020B0600000101010101" pitchFamily="34" charset="-127"/>
+                <a:ea typeface="나눔스퀘어OTF_ac ExtraBold" panose="020B0600000101010101" pitchFamily="34" charset="-127"/>
+              </a:rPr>
+              <a:t>HIGH ROLLER - $10K NLH</a:t>
+            </a:r>
+            <a:endParaRPr lang="ko-KR" altLang="en-US" sz="2800" dirty="0">
+              <a:solidFill>
+                <a:schemeClr val="bg1"/>
+              </a:solidFill>
+              <a:latin typeface="나눔스퀘어OTF_ac ExtraBold" panose="020B0600000101010101" pitchFamily="34" charset="-127"/>
+              <a:ea typeface="나눔스퀘어OTF_ac ExtraBold" panose="020B0600000101010101" pitchFamily="34" charset="-127"/>
+            </a:endParaRPr>
+          </a:p>
+        </p:txBody>
+      </p:sp>
+      <p:cxnSp>
+        <p:nvCxnSpPr>
+          <p:cNvPr id="11" name="직선 연결선 10">
+            <a:extLst>
+              <a:ext uri="{FF2B5EF4-FFF2-40B4-BE49-F238E27FC236}">
+                <a16:creationId xmlns:a16="http://schemas.microsoft.com/office/drawing/2014/main" id="{25780AD7-C952-261C-986A-B85541D664F6}"/>
+              </a:ext>
+            </a:extLst>
+          </p:cNvPr>
+          <p:cNvCxnSpPr>
+            <a:cxnSpLocks/>
+          </p:cNvCxnSpPr>
+          <p:nvPr/>
+        </p:nvCxnSpPr>
+        <p:spPr>
+          <a:xfrm flipV="1">
+            <a:off x="3819576" y="1630660"/>
+            <a:ext cx="0" cy="1881312"/>
+          </a:xfrm>
+          <a:prstGeom prst="line">
+            <a:avLst/>
+          </a:prstGeom>
+          <a:ln w="19050" cap="rnd">
+            <a:solidFill>
+              <a:schemeClr val="bg1"/>
+            </a:solidFill>
+          </a:ln>
+        </p:spPr>
+        <p:style>
+          <a:lnRef idx="1">
+            <a:schemeClr val="accent1"/>
+          </a:lnRef>
+          <a:fillRef idx="0">
+            <a:schemeClr val="accent1"/>
+          </a:fillRef>
+          <a:effectRef idx="0">
+            <a:schemeClr val="accent1"/>
+          </a:effectRef>
+          <a:fontRef idx="minor">
+            <a:schemeClr val="tx1"/>
+          </a:fontRef>
+        </p:style>
+      </p:cxnSp>
+      <p:cxnSp>
+        <p:nvCxnSpPr>
+          <p:cNvPr id="14" name="직선 연결선 13">
+            <a:extLst>
+              <a:ext uri="{FF2B5EF4-FFF2-40B4-BE49-F238E27FC236}">
+                <a16:creationId xmlns:a16="http://schemas.microsoft.com/office/drawing/2014/main" id="{9F0C9561-99C4-FF8A-5247-C96E5494C95A}"/>
+              </a:ext>
+            </a:extLst>
+          </p:cNvPr>
+          <p:cNvCxnSpPr>
+            <a:cxnSpLocks/>
+          </p:cNvCxnSpPr>
+          <p:nvPr/>
+        </p:nvCxnSpPr>
+        <p:spPr>
+          <a:xfrm flipV="1">
+            <a:off x="8372424" y="1630660"/>
+            <a:ext cx="1" cy="1881312"/>
+          </a:xfrm>
+          <a:prstGeom prst="line">
+            <a:avLst/>
+          </a:prstGeom>
+          <a:ln w="19050" cap="rnd">
+            <a:solidFill>
+              <a:schemeClr val="bg1"/>
+            </a:solidFill>
+          </a:ln>
+        </p:spPr>
+        <p:style>
+          <a:lnRef idx="1">
+            <a:schemeClr val="accent1"/>
+          </a:lnRef>
+          <a:fillRef idx="0">
+            <a:schemeClr val="accent1"/>
+          </a:fillRef>
+          <a:effectRef idx="0">
+            <a:schemeClr val="accent1"/>
+          </a:effectRef>
+          <a:fontRef idx="minor">
+            <a:schemeClr val="tx1"/>
+          </a:fontRef>
+        </p:style>
+      </p:cxnSp>
+      <p:cxnSp>
+        <p:nvCxnSpPr>
+          <p:cNvPr id="16" name="직선 연결선 15">
+            <a:extLst>
+              <a:ext uri="{FF2B5EF4-FFF2-40B4-BE49-F238E27FC236}">
+                <a16:creationId xmlns:a16="http://schemas.microsoft.com/office/drawing/2014/main" id="{3BBFFE96-0153-4856-6D78-4503880E1A40}"/>
+              </a:ext>
+            </a:extLst>
+          </p:cNvPr>
+          <p:cNvCxnSpPr>
+            <a:cxnSpLocks/>
+          </p:cNvCxnSpPr>
+          <p:nvPr/>
+        </p:nvCxnSpPr>
+        <p:spPr>
+          <a:xfrm>
+            <a:off x="152400" y="3511972"/>
+            <a:ext cx="11887199" cy="0"/>
+          </a:xfrm>
+          <a:prstGeom prst="line">
+            <a:avLst/>
+          </a:prstGeom>
+          <a:ln w="19050" cap="rnd">
+            <a:solidFill>
+              <a:schemeClr val="bg1"/>
+            </a:solidFill>
+          </a:ln>
+        </p:spPr>
+        <p:style>
+          <a:lnRef idx="1">
+            <a:schemeClr val="accent1"/>
+          </a:lnRef>
+          <a:fillRef idx="0">
+            <a:schemeClr val="accent1"/>
+          </a:fillRef>
+          <a:effectRef idx="0">
+            <a:schemeClr val="accent1"/>
+          </a:effectRef>
+          <a:fontRef idx="minor">
+            <a:schemeClr val="tx1"/>
+          </a:fontRef>
+        </p:style>
+      </p:cxnSp>
+      <p:cxnSp>
+        <p:nvCxnSpPr>
+          <p:cNvPr id="22" name="직선 연결선 21">
+            <a:extLst>
+              <a:ext uri="{FF2B5EF4-FFF2-40B4-BE49-F238E27FC236}">
+                <a16:creationId xmlns:a16="http://schemas.microsoft.com/office/drawing/2014/main" id="{84CFC1E6-C61A-EE89-DA25-FFB24C8B5B19}"/>
+              </a:ext>
+            </a:extLst>
+          </p:cNvPr>
+          <p:cNvCxnSpPr>
+            <a:cxnSpLocks/>
+          </p:cNvCxnSpPr>
+          <p:nvPr/>
+        </p:nvCxnSpPr>
+        <p:spPr>
+          <a:xfrm>
+            <a:off x="3819575" y="2228426"/>
+            <a:ext cx="4552849" cy="0"/>
+          </a:xfrm>
+          <a:prstGeom prst="line">
+            <a:avLst/>
+          </a:prstGeom>
+          <a:ln w="19050" cap="rnd">
+            <a:solidFill>
+              <a:schemeClr val="bg1"/>
+            </a:solidFill>
+          </a:ln>
+        </p:spPr>
+        <p:style>
+          <a:lnRef idx="1">
+            <a:schemeClr val="accent1"/>
+          </a:lnRef>
+          <a:fillRef idx="0">
+            <a:schemeClr val="accent1"/>
+          </a:fillRef>
+          <a:effectRef idx="0">
+            <a:schemeClr val="accent1"/>
+          </a:effectRef>
+          <a:fontRef idx="minor">
+            <a:schemeClr val="tx1"/>
+          </a:fontRef>
+        </p:style>
+      </p:cxnSp>
+      <p:sp>
+        <p:nvSpPr>
+          <p:cNvPr id="25" name="TextBox 24">
+            <a:extLst>
+              <a:ext uri="{FF2B5EF4-FFF2-40B4-BE49-F238E27FC236}">
+                <a16:creationId xmlns:a16="http://schemas.microsoft.com/office/drawing/2014/main" id="{C7F9ED13-2C2D-5D20-6C06-A2EF5A425176}"/>
+              </a:ext>
+            </a:extLst>
+          </p:cNvPr>
+          <p:cNvSpPr txBox="1"/>
+          <p:nvPr/>
+        </p:nvSpPr>
+        <p:spPr>
+          <a:xfrm>
+            <a:off x="4325324" y="2086190"/>
+            <a:ext cx="3541354" cy="1569660"/>
+          </a:xfrm>
+          <a:prstGeom prst="rect">
+            <a:avLst/>
+          </a:prstGeom>
+          <a:noFill/>
+        </p:spPr>
+        <p:txBody>
+          <a:bodyPr wrap="none" rtlCol="0">
+            <a:spAutoFit/>
+          </a:bodyPr>
+          <a:lstStyle/>
+          <a:p>
+            <a:pPr algn="ctr"/>
+            <a:r>
+              <a:rPr lang="en-US" altLang="ko-KR" sz="9600" spc="-300" dirty="0">
+                <a:solidFill>
+                  <a:schemeClr val="bg1"/>
+                </a:solidFill>
+                <a:latin typeface="나눔스퀘어OTF ExtraBold" panose="020B0600000101010101" pitchFamily="34" charset="-127"/>
+                <a:ea typeface="나눔스퀘어OTF ExtraBold" panose="020B0600000101010101" pitchFamily="34" charset="-127"/>
+              </a:rPr>
+              <a:t>19:13</a:t>
+            </a:r>
+            <a:endParaRPr lang="ko-KR" altLang="en-US" sz="9600" spc="-300" dirty="0">
+              <a:solidFill>
+                <a:schemeClr val="bg1"/>
+              </a:solidFill>
+              <a:latin typeface="나눔스퀘어OTF ExtraBold" panose="020B0600000101010101" pitchFamily="34" charset="-127"/>
+              <a:ea typeface="나눔스퀘어OTF ExtraBold" panose="020B0600000101010101" pitchFamily="34" charset="-127"/>
+            </a:endParaRPr>
+          </a:p>
+        </p:txBody>
+      </p:sp>
+      <p:sp>
+        <p:nvSpPr>
+          <p:cNvPr id="26" name="TextBox 25">
+            <a:extLst>
+              <a:ext uri="{FF2B5EF4-FFF2-40B4-BE49-F238E27FC236}">
+                <a16:creationId xmlns:a16="http://schemas.microsoft.com/office/drawing/2014/main" id="{8A46ED8F-7DAC-BFF6-45C3-B7B7B3856BDA}"/>
+              </a:ext>
+            </a:extLst>
+          </p:cNvPr>
+          <p:cNvSpPr txBox="1"/>
+          <p:nvPr/>
+        </p:nvSpPr>
+        <p:spPr>
+          <a:xfrm>
+            <a:off x="5324796" y="1661179"/>
+            <a:ext cx="1542409" cy="584775"/>
+          </a:xfrm>
+          <a:prstGeom prst="rect">
+            <a:avLst/>
+          </a:prstGeom>
+          <a:noFill/>
+        </p:spPr>
+        <p:txBody>
+          <a:bodyPr wrap="none" rtlCol="0">
+            <a:spAutoFit/>
+          </a:bodyPr>
+          <a:lstStyle/>
+          <a:p>
+            <a:pPr algn="ctr"/>
+            <a:r>
+              <a:rPr lang="en-US" altLang="ko-KR" sz="3200" dirty="0">
+                <a:solidFill>
+                  <a:schemeClr val="bg1"/>
+                </a:solidFill>
+                <a:latin typeface="나눔스퀘어OTF Bold" panose="020B0600000101010101" pitchFamily="34" charset="-127"/>
+                <a:ea typeface="나눔스퀘어OTF Bold" panose="020B0600000101010101" pitchFamily="34" charset="-127"/>
+              </a:rPr>
+              <a:t>Level 6</a:t>
+            </a:r>
+            <a:endParaRPr lang="ko-KR" altLang="en-US" sz="3200" dirty="0">
+              <a:solidFill>
+                <a:schemeClr val="bg1"/>
+              </a:solidFill>
+              <a:latin typeface="나눔스퀘어OTF Bold" panose="020B0600000101010101" pitchFamily="34" charset="-127"/>
+              <a:ea typeface="나눔스퀘어OTF Bold" panose="020B0600000101010101" pitchFamily="34" charset="-127"/>
+            </a:endParaRPr>
+          </a:p>
+        </p:txBody>
+      </p:sp>
     </p:spTree>
     <p:extLst>
       <p:ext uri="{BB962C8B-B14F-4D97-AF65-F5344CB8AC3E}">

--- a/프레젠테이션1.pptx
+++ b/프레젠테이션1.pptx
@@ -261,7 +261,7 @@
           <a:p>
             <a:fld id="{70C90204-D5CC-447F-9E5C-0AEC58959EFD}" type="datetimeFigureOut">
               <a:rPr lang="ko-KR" altLang="en-US" smtClean="0"/>
-              <a:t>2024-03-27</a:t>
+              <a:t>2024-03-28</a:t>
             </a:fld>
             <a:endParaRPr lang="ko-KR" altLang="en-US"/>
           </a:p>
@@ -459,7 +459,7 @@
           <a:p>
             <a:fld id="{70C90204-D5CC-447F-9E5C-0AEC58959EFD}" type="datetimeFigureOut">
               <a:rPr lang="ko-KR" altLang="en-US" smtClean="0"/>
-              <a:t>2024-03-27</a:t>
+              <a:t>2024-03-28</a:t>
             </a:fld>
             <a:endParaRPr lang="ko-KR" altLang="en-US"/>
           </a:p>
@@ -667,7 +667,7 @@
           <a:p>
             <a:fld id="{70C90204-D5CC-447F-9E5C-0AEC58959EFD}" type="datetimeFigureOut">
               <a:rPr lang="ko-KR" altLang="en-US" smtClean="0"/>
-              <a:t>2024-03-27</a:t>
+              <a:t>2024-03-28</a:t>
             </a:fld>
             <a:endParaRPr lang="ko-KR" altLang="en-US"/>
           </a:p>
@@ -865,7 +865,7 @@
           <a:p>
             <a:fld id="{70C90204-D5CC-447F-9E5C-0AEC58959EFD}" type="datetimeFigureOut">
               <a:rPr lang="ko-KR" altLang="en-US" smtClean="0"/>
-              <a:t>2024-03-27</a:t>
+              <a:t>2024-03-28</a:t>
             </a:fld>
             <a:endParaRPr lang="ko-KR" altLang="en-US"/>
           </a:p>
@@ -1140,7 +1140,7 @@
           <a:p>
             <a:fld id="{70C90204-D5CC-447F-9E5C-0AEC58959EFD}" type="datetimeFigureOut">
               <a:rPr lang="ko-KR" altLang="en-US" smtClean="0"/>
-              <a:t>2024-03-27</a:t>
+              <a:t>2024-03-28</a:t>
             </a:fld>
             <a:endParaRPr lang="ko-KR" altLang="en-US"/>
           </a:p>
@@ -1405,7 +1405,7 @@
           <a:p>
             <a:fld id="{70C90204-D5CC-447F-9E5C-0AEC58959EFD}" type="datetimeFigureOut">
               <a:rPr lang="ko-KR" altLang="en-US" smtClean="0"/>
-              <a:t>2024-03-27</a:t>
+              <a:t>2024-03-28</a:t>
             </a:fld>
             <a:endParaRPr lang="ko-KR" altLang="en-US"/>
           </a:p>
@@ -1817,7 +1817,7 @@
           <a:p>
             <a:fld id="{70C90204-D5CC-447F-9E5C-0AEC58959EFD}" type="datetimeFigureOut">
               <a:rPr lang="ko-KR" altLang="en-US" smtClean="0"/>
-              <a:t>2024-03-27</a:t>
+              <a:t>2024-03-28</a:t>
             </a:fld>
             <a:endParaRPr lang="ko-KR" altLang="en-US"/>
           </a:p>
@@ -1958,7 +1958,7 @@
           <a:p>
             <a:fld id="{70C90204-D5CC-447F-9E5C-0AEC58959EFD}" type="datetimeFigureOut">
               <a:rPr lang="ko-KR" altLang="en-US" smtClean="0"/>
-              <a:t>2024-03-27</a:t>
+              <a:t>2024-03-28</a:t>
             </a:fld>
             <a:endParaRPr lang="ko-KR" altLang="en-US"/>
           </a:p>
@@ -2071,7 +2071,7 @@
           <a:p>
             <a:fld id="{70C90204-D5CC-447F-9E5C-0AEC58959EFD}" type="datetimeFigureOut">
               <a:rPr lang="ko-KR" altLang="en-US" smtClean="0"/>
-              <a:t>2024-03-27</a:t>
+              <a:t>2024-03-28</a:t>
             </a:fld>
             <a:endParaRPr lang="ko-KR" altLang="en-US"/>
           </a:p>
@@ -2382,7 +2382,7 @@
           <a:p>
             <a:fld id="{70C90204-D5CC-447F-9E5C-0AEC58959EFD}" type="datetimeFigureOut">
               <a:rPr lang="ko-KR" altLang="en-US" smtClean="0"/>
-              <a:t>2024-03-27</a:t>
+              <a:t>2024-03-28</a:t>
             </a:fld>
             <a:endParaRPr lang="ko-KR" altLang="en-US"/>
           </a:p>
@@ -2670,7 +2670,7 @@
           <a:p>
             <a:fld id="{70C90204-D5CC-447F-9E5C-0AEC58959EFD}" type="datetimeFigureOut">
               <a:rPr lang="ko-KR" altLang="en-US" smtClean="0"/>
-              <a:t>2024-03-27</a:t>
+              <a:t>2024-03-28</a:t>
             </a:fld>
             <a:endParaRPr lang="ko-KR" altLang="en-US"/>
           </a:p>
@@ -2911,7 +2911,7 @@
           <a:p>
             <a:fld id="{70C90204-D5CC-447F-9E5C-0AEC58959EFD}" type="datetimeFigureOut">
               <a:rPr lang="ko-KR" altLang="en-US" smtClean="0"/>
-              <a:t>2024-03-27</a:t>
+              <a:t>2024-03-28</a:t>
             </a:fld>
             <a:endParaRPr lang="ko-KR" altLang="en-US"/>
           </a:p>
@@ -5124,7 +5124,7 @@
     <p:bg>
       <p:bgPr>
         <a:solidFill>
-          <a:srgbClr val="5845F4"/>
+          <a:srgbClr val="4F45F4"/>
         </a:solidFill>
         <a:effectLst/>
       </p:bgPr>
@@ -5574,7 +5574,598 @@
         </p:nvSpPr>
         <p:spPr>
           <a:xfrm>
-            <a:off x="5324796" y="1661179"/>
+            <a:off x="1126324" y="5373880"/>
+            <a:ext cx="911724" cy="307777"/>
+          </a:xfrm>
+          <a:prstGeom prst="rect">
+            <a:avLst/>
+          </a:prstGeom>
+          <a:noFill/>
+        </p:spPr>
+        <p:txBody>
+          <a:bodyPr wrap="none" rtlCol="0">
+            <a:spAutoFit/>
+          </a:bodyPr>
+          <a:lstStyle/>
+          <a:p>
+            <a:pPr algn="ctr"/>
+            <a:r>
+              <a:rPr lang="en-US" altLang="ko-KR" sz="1400" dirty="0">
+                <a:solidFill>
+                  <a:schemeClr val="bg1"/>
+                </a:solidFill>
+                <a:latin typeface="나눔스퀘어OTF Bold" panose="020B0600000101010101" pitchFamily="34" charset="-127"/>
+                <a:ea typeface="나눔스퀘어OTF Bold" panose="020B0600000101010101" pitchFamily="34" charset="-127"/>
+              </a:rPr>
+              <a:t>Entrants</a:t>
+            </a:r>
+            <a:endParaRPr lang="ko-KR" altLang="en-US" sz="1400" dirty="0">
+              <a:solidFill>
+                <a:schemeClr val="bg1"/>
+              </a:solidFill>
+              <a:latin typeface="나눔스퀘어OTF Bold" panose="020B0600000101010101" pitchFamily="34" charset="-127"/>
+              <a:ea typeface="나눔스퀘어OTF Bold" panose="020B0600000101010101" pitchFamily="34" charset="-127"/>
+            </a:endParaRPr>
+          </a:p>
+        </p:txBody>
+      </p:sp>
+      <p:pic>
+        <p:nvPicPr>
+          <p:cNvPr id="7" name="그림 6" descr="그래픽, 그래픽 디자인, 폰트, 텍스트이(가) 표시된 사진&#10;&#10;자동 생성된 설명">
+            <a:extLst>
+              <a:ext uri="{FF2B5EF4-FFF2-40B4-BE49-F238E27FC236}">
+                <a16:creationId xmlns:a16="http://schemas.microsoft.com/office/drawing/2014/main" id="{D4468F5B-0EA0-D213-972B-13432AE9E3A7}"/>
+              </a:ext>
+            </a:extLst>
+          </p:cNvPr>
+          <p:cNvPicPr>
+            <a:picLocks noChangeAspect="1"/>
+          </p:cNvPicPr>
+          <p:nvPr/>
+        </p:nvPicPr>
+        <p:blipFill>
+          <a:blip r:embed="rId2">
+            <a:extLst>
+              <a:ext uri="{28A0092B-C50C-407E-A947-70E740481C1C}">
+                <a14:useLocalDpi xmlns:a14="http://schemas.microsoft.com/office/drawing/2010/main" val="0"/>
+              </a:ext>
+            </a:extLst>
+          </a:blip>
+          <a:stretch>
+            <a:fillRect/>
+          </a:stretch>
+        </p:blipFill>
+        <p:spPr>
+          <a:xfrm>
+            <a:off x="5739698" y="278192"/>
+            <a:ext cx="712602" cy="712602"/>
+          </a:xfrm>
+          <a:prstGeom prst="rect">
+            <a:avLst/>
+          </a:prstGeom>
+        </p:spPr>
+      </p:pic>
+      <p:cxnSp>
+        <p:nvCxnSpPr>
+          <p:cNvPr id="9" name="직선 연결선 8">
+            <a:extLst>
+              <a:ext uri="{FF2B5EF4-FFF2-40B4-BE49-F238E27FC236}">
+                <a16:creationId xmlns:a16="http://schemas.microsoft.com/office/drawing/2014/main" id="{DCCC28D6-E679-A166-DDD3-6FD69BDB334B}"/>
+              </a:ext>
+            </a:extLst>
+          </p:cNvPr>
+          <p:cNvCxnSpPr>
+            <a:cxnSpLocks/>
+          </p:cNvCxnSpPr>
+          <p:nvPr/>
+        </p:nvCxnSpPr>
+        <p:spPr>
+          <a:xfrm flipV="1">
+            <a:off x="6096000" y="3529499"/>
+            <a:ext cx="0" cy="2653969"/>
+          </a:xfrm>
+          <a:prstGeom prst="line">
+            <a:avLst/>
+          </a:prstGeom>
+          <a:ln w="19050" cap="rnd">
+            <a:solidFill>
+              <a:schemeClr val="bg1"/>
+            </a:solidFill>
+          </a:ln>
+        </p:spPr>
+        <p:style>
+          <a:lnRef idx="1">
+            <a:schemeClr val="accent1"/>
+          </a:lnRef>
+          <a:fillRef idx="0">
+            <a:schemeClr val="accent1"/>
+          </a:fillRef>
+          <a:effectRef idx="0">
+            <a:schemeClr val="accent1"/>
+          </a:effectRef>
+          <a:fontRef idx="minor">
+            <a:schemeClr val="tx1"/>
+          </a:fontRef>
+        </p:style>
+      </p:cxnSp>
+      <p:cxnSp>
+        <p:nvCxnSpPr>
+          <p:cNvPr id="13" name="직선 연결선 12">
+            <a:extLst>
+              <a:ext uri="{FF2B5EF4-FFF2-40B4-BE49-F238E27FC236}">
+                <a16:creationId xmlns:a16="http://schemas.microsoft.com/office/drawing/2014/main" id="{D8FFBC5E-4A4B-691F-ED19-E832219291BE}"/>
+              </a:ext>
+            </a:extLst>
+          </p:cNvPr>
+          <p:cNvCxnSpPr>
+            <a:cxnSpLocks/>
+          </p:cNvCxnSpPr>
+          <p:nvPr/>
+        </p:nvCxnSpPr>
+        <p:spPr>
+          <a:xfrm>
+            <a:off x="152400" y="6183468"/>
+            <a:ext cx="11887199" cy="0"/>
+          </a:xfrm>
+          <a:prstGeom prst="line">
+            <a:avLst/>
+          </a:prstGeom>
+          <a:ln w="19050" cap="rnd">
+            <a:solidFill>
+              <a:schemeClr val="bg1"/>
+            </a:solidFill>
+          </a:ln>
+        </p:spPr>
+        <p:style>
+          <a:lnRef idx="1">
+            <a:schemeClr val="accent1"/>
+          </a:lnRef>
+          <a:fillRef idx="0">
+            <a:schemeClr val="accent1"/>
+          </a:fillRef>
+          <a:effectRef idx="0">
+            <a:schemeClr val="accent1"/>
+          </a:effectRef>
+          <a:fontRef idx="minor">
+            <a:schemeClr val="tx1"/>
+          </a:fontRef>
+        </p:style>
+      </p:cxnSp>
+      <p:sp>
+        <p:nvSpPr>
+          <p:cNvPr id="18" name="TextBox 17">
+            <a:extLst>
+              <a:ext uri="{FF2B5EF4-FFF2-40B4-BE49-F238E27FC236}">
+                <a16:creationId xmlns:a16="http://schemas.microsoft.com/office/drawing/2014/main" id="{8D3F324B-71DC-C528-5572-1B29A6DCD8D1}"/>
+              </a:ext>
+            </a:extLst>
+          </p:cNvPr>
+          <p:cNvSpPr txBox="1"/>
+          <p:nvPr/>
+        </p:nvSpPr>
+        <p:spPr>
+          <a:xfrm>
+            <a:off x="821081" y="3549170"/>
+            <a:ext cx="2167580" cy="523220"/>
+          </a:xfrm>
+          <a:prstGeom prst="rect">
+            <a:avLst/>
+          </a:prstGeom>
+          <a:noFill/>
+        </p:spPr>
+        <p:txBody>
+          <a:bodyPr wrap="none" rtlCol="0">
+            <a:spAutoFit/>
+          </a:bodyPr>
+          <a:lstStyle/>
+          <a:p>
+            <a:pPr algn="r"/>
+            <a:r>
+              <a:rPr lang="en-US" altLang="ko-KR" sz="2800" dirty="0">
+                <a:solidFill>
+                  <a:schemeClr val="bg1"/>
+                </a:solidFill>
+                <a:latin typeface="나눔고딕OTF ExtraBold" panose="020D0904000000000000" pitchFamily="34" charset="-127"/>
+                <a:ea typeface="나눔고딕OTF ExtraBold" panose="020D0904000000000000" pitchFamily="34" charset="-127"/>
+              </a:rPr>
+              <a:t>Small Blind:</a:t>
+            </a:r>
+            <a:endParaRPr lang="ko-KR" altLang="en-US" sz="2800" dirty="0">
+              <a:solidFill>
+                <a:schemeClr val="bg1"/>
+              </a:solidFill>
+              <a:latin typeface="나눔고딕OTF ExtraBold" panose="020D0904000000000000" pitchFamily="34" charset="-127"/>
+              <a:ea typeface="나눔고딕OTF ExtraBold" panose="020D0904000000000000" pitchFamily="34" charset="-127"/>
+            </a:endParaRPr>
+          </a:p>
+        </p:txBody>
+      </p:sp>
+      <p:sp>
+        <p:nvSpPr>
+          <p:cNvPr id="20" name="TextBox 19">
+            <a:extLst>
+              <a:ext uri="{FF2B5EF4-FFF2-40B4-BE49-F238E27FC236}">
+                <a16:creationId xmlns:a16="http://schemas.microsoft.com/office/drawing/2014/main" id="{92A87505-9A14-3605-9432-B401E263D9A3}"/>
+              </a:ext>
+            </a:extLst>
+          </p:cNvPr>
+          <p:cNvSpPr txBox="1"/>
+          <p:nvPr/>
+        </p:nvSpPr>
+        <p:spPr>
+          <a:xfrm>
+            <a:off x="1239464" y="4056699"/>
+            <a:ext cx="1749197" cy="523220"/>
+          </a:xfrm>
+          <a:prstGeom prst="rect">
+            <a:avLst/>
+          </a:prstGeom>
+          <a:noFill/>
+        </p:spPr>
+        <p:txBody>
+          <a:bodyPr wrap="none" rtlCol="0">
+            <a:spAutoFit/>
+          </a:bodyPr>
+          <a:lstStyle/>
+          <a:p>
+            <a:pPr algn="r"/>
+            <a:r>
+              <a:rPr lang="en-US" altLang="ko-KR" sz="2800" dirty="0">
+                <a:solidFill>
+                  <a:schemeClr val="bg1"/>
+                </a:solidFill>
+                <a:latin typeface="나눔고딕OTF ExtraBold" panose="020D0904000000000000" pitchFamily="34" charset="-127"/>
+                <a:ea typeface="나눔고딕OTF ExtraBold" panose="020D0904000000000000" pitchFamily="34" charset="-127"/>
+              </a:rPr>
+              <a:t>Big Blind:</a:t>
+            </a:r>
+            <a:endParaRPr lang="ko-KR" altLang="en-US" sz="2800" dirty="0">
+              <a:solidFill>
+                <a:schemeClr val="bg1"/>
+              </a:solidFill>
+              <a:latin typeface="나눔고딕OTF ExtraBold" panose="020D0904000000000000" pitchFamily="34" charset="-127"/>
+              <a:ea typeface="나눔고딕OTF ExtraBold" panose="020D0904000000000000" pitchFamily="34" charset="-127"/>
+            </a:endParaRPr>
+          </a:p>
+        </p:txBody>
+      </p:sp>
+      <p:sp>
+        <p:nvSpPr>
+          <p:cNvPr id="21" name="TextBox 20">
+            <a:extLst>
+              <a:ext uri="{FF2B5EF4-FFF2-40B4-BE49-F238E27FC236}">
+                <a16:creationId xmlns:a16="http://schemas.microsoft.com/office/drawing/2014/main" id="{D539B009-B5F5-7342-A92C-B7A23F221FE5}"/>
+              </a:ext>
+            </a:extLst>
+          </p:cNvPr>
+          <p:cNvSpPr txBox="1"/>
+          <p:nvPr/>
+        </p:nvSpPr>
+        <p:spPr>
+          <a:xfrm>
+            <a:off x="1885473" y="4543523"/>
+            <a:ext cx="1103187" cy="523220"/>
+          </a:xfrm>
+          <a:prstGeom prst="rect">
+            <a:avLst/>
+          </a:prstGeom>
+          <a:noFill/>
+        </p:spPr>
+        <p:txBody>
+          <a:bodyPr wrap="none" rtlCol="0">
+            <a:spAutoFit/>
+          </a:bodyPr>
+          <a:lstStyle/>
+          <a:p>
+            <a:pPr algn="r"/>
+            <a:r>
+              <a:rPr lang="en-US" altLang="ko-KR" sz="2800" dirty="0">
+                <a:solidFill>
+                  <a:schemeClr val="bg1"/>
+                </a:solidFill>
+                <a:latin typeface="나눔고딕OTF ExtraBold" panose="020D0904000000000000" pitchFamily="34" charset="-127"/>
+                <a:ea typeface="나눔고딕OTF ExtraBold" panose="020D0904000000000000" pitchFamily="34" charset="-127"/>
+              </a:rPr>
+              <a:t>Ante:</a:t>
+            </a:r>
+            <a:endParaRPr lang="ko-KR" altLang="en-US" sz="2800" dirty="0">
+              <a:solidFill>
+                <a:schemeClr val="bg1"/>
+              </a:solidFill>
+              <a:latin typeface="나눔고딕OTF ExtraBold" panose="020D0904000000000000" pitchFamily="34" charset="-127"/>
+              <a:ea typeface="나눔고딕OTF ExtraBold" panose="020D0904000000000000" pitchFamily="34" charset="-127"/>
+            </a:endParaRPr>
+          </a:p>
+        </p:txBody>
+      </p:sp>
+      <p:sp>
+        <p:nvSpPr>
+          <p:cNvPr id="23" name="TextBox 22">
+            <a:extLst>
+              <a:ext uri="{FF2B5EF4-FFF2-40B4-BE49-F238E27FC236}">
+                <a16:creationId xmlns:a16="http://schemas.microsoft.com/office/drawing/2014/main" id="{82A01EA8-7945-11D1-F65A-5EE488FF2EB9}"/>
+              </a:ext>
+            </a:extLst>
+          </p:cNvPr>
+          <p:cNvSpPr txBox="1"/>
+          <p:nvPr/>
+        </p:nvSpPr>
+        <p:spPr>
+          <a:xfrm>
+            <a:off x="2910020" y="3543158"/>
+            <a:ext cx="1165704" cy="523220"/>
+          </a:xfrm>
+          <a:prstGeom prst="rect">
+            <a:avLst/>
+          </a:prstGeom>
+          <a:noFill/>
+        </p:spPr>
+        <p:txBody>
+          <a:bodyPr wrap="none" rtlCol="0">
+            <a:spAutoFit/>
+          </a:bodyPr>
+          <a:lstStyle/>
+          <a:p>
+            <a:r>
+              <a:rPr lang="en-US" altLang="ko-KR" sz="2800" dirty="0">
+                <a:solidFill>
+                  <a:schemeClr val="bg1"/>
+                </a:solidFill>
+                <a:latin typeface="나눔고딕OTF ExtraBold" panose="020D0904000000000000" pitchFamily="34" charset="-127"/>
+                <a:ea typeface="나눔고딕OTF ExtraBold" panose="020D0904000000000000" pitchFamily="34" charset="-127"/>
+              </a:rPr>
+              <a:t>6,000</a:t>
+            </a:r>
+            <a:endParaRPr lang="ko-KR" altLang="en-US" sz="2800" dirty="0">
+              <a:solidFill>
+                <a:schemeClr val="bg1"/>
+              </a:solidFill>
+              <a:latin typeface="나눔고딕OTF ExtraBold" panose="020D0904000000000000" pitchFamily="34" charset="-127"/>
+              <a:ea typeface="나눔고딕OTF ExtraBold" panose="020D0904000000000000" pitchFamily="34" charset="-127"/>
+            </a:endParaRPr>
+          </a:p>
+        </p:txBody>
+      </p:sp>
+      <p:sp>
+        <p:nvSpPr>
+          <p:cNvPr id="24" name="TextBox 23">
+            <a:extLst>
+              <a:ext uri="{FF2B5EF4-FFF2-40B4-BE49-F238E27FC236}">
+                <a16:creationId xmlns:a16="http://schemas.microsoft.com/office/drawing/2014/main" id="{A8B9826F-E08C-1B37-1114-B9DD885D1D49}"/>
+              </a:ext>
+            </a:extLst>
+          </p:cNvPr>
+          <p:cNvSpPr txBox="1"/>
+          <p:nvPr/>
+        </p:nvSpPr>
+        <p:spPr>
+          <a:xfrm>
+            <a:off x="2907541" y="4072390"/>
+            <a:ext cx="1383712" cy="523220"/>
+          </a:xfrm>
+          <a:prstGeom prst="rect">
+            <a:avLst/>
+          </a:prstGeom>
+          <a:noFill/>
+        </p:spPr>
+        <p:txBody>
+          <a:bodyPr wrap="none" rtlCol="0">
+            <a:spAutoFit/>
+          </a:bodyPr>
+          <a:lstStyle/>
+          <a:p>
+            <a:r>
+              <a:rPr lang="en-US" altLang="ko-KR" sz="2800" dirty="0">
+                <a:solidFill>
+                  <a:schemeClr val="bg1"/>
+                </a:solidFill>
+                <a:latin typeface="나눔고딕OTF ExtraBold" panose="020D0904000000000000" pitchFamily="34" charset="-127"/>
+                <a:ea typeface="나눔고딕OTF ExtraBold" panose="020D0904000000000000" pitchFamily="34" charset="-127"/>
+              </a:rPr>
+              <a:t>12,000</a:t>
+            </a:r>
+            <a:endParaRPr lang="ko-KR" altLang="en-US" sz="2800" dirty="0">
+              <a:solidFill>
+                <a:schemeClr val="bg1"/>
+              </a:solidFill>
+              <a:latin typeface="나눔고딕OTF ExtraBold" panose="020D0904000000000000" pitchFamily="34" charset="-127"/>
+              <a:ea typeface="나눔고딕OTF ExtraBold" panose="020D0904000000000000" pitchFamily="34" charset="-127"/>
+            </a:endParaRPr>
+          </a:p>
+        </p:txBody>
+      </p:sp>
+      <p:sp>
+        <p:nvSpPr>
+          <p:cNvPr id="27" name="TextBox 26">
+            <a:extLst>
+              <a:ext uri="{FF2B5EF4-FFF2-40B4-BE49-F238E27FC236}">
+                <a16:creationId xmlns:a16="http://schemas.microsoft.com/office/drawing/2014/main" id="{9AE00536-B0BC-E7DF-8562-EAE1595F11D1}"/>
+              </a:ext>
+            </a:extLst>
+          </p:cNvPr>
+          <p:cNvSpPr txBox="1"/>
+          <p:nvPr/>
+        </p:nvSpPr>
+        <p:spPr>
+          <a:xfrm>
+            <a:off x="2907541" y="4551369"/>
+            <a:ext cx="1383712" cy="523220"/>
+          </a:xfrm>
+          <a:prstGeom prst="rect">
+            <a:avLst/>
+          </a:prstGeom>
+          <a:noFill/>
+        </p:spPr>
+        <p:txBody>
+          <a:bodyPr wrap="none" rtlCol="0">
+            <a:spAutoFit/>
+          </a:bodyPr>
+          <a:lstStyle/>
+          <a:p>
+            <a:r>
+              <a:rPr lang="en-US" altLang="ko-KR" sz="2800" dirty="0">
+                <a:solidFill>
+                  <a:schemeClr val="bg1"/>
+                </a:solidFill>
+                <a:latin typeface="나눔고딕OTF ExtraBold" panose="020D0904000000000000" pitchFamily="34" charset="-127"/>
+                <a:ea typeface="나눔고딕OTF ExtraBold" panose="020D0904000000000000" pitchFamily="34" charset="-127"/>
+              </a:rPr>
+              <a:t>12,000</a:t>
+            </a:r>
+            <a:endParaRPr lang="ko-KR" altLang="en-US" sz="2800" dirty="0">
+              <a:solidFill>
+                <a:schemeClr val="bg1"/>
+              </a:solidFill>
+              <a:latin typeface="나눔고딕OTF ExtraBold" panose="020D0904000000000000" pitchFamily="34" charset="-127"/>
+              <a:ea typeface="나눔고딕OTF ExtraBold" panose="020D0904000000000000" pitchFamily="34" charset="-127"/>
+            </a:endParaRPr>
+          </a:p>
+        </p:txBody>
+      </p:sp>
+      <p:cxnSp>
+        <p:nvCxnSpPr>
+          <p:cNvPr id="28" name="직선 연결선 27">
+            <a:extLst>
+              <a:ext uri="{FF2B5EF4-FFF2-40B4-BE49-F238E27FC236}">
+                <a16:creationId xmlns:a16="http://schemas.microsoft.com/office/drawing/2014/main" id="{751B0172-F6A9-9908-A33F-2E37AD7886B1}"/>
+              </a:ext>
+            </a:extLst>
+          </p:cNvPr>
+          <p:cNvCxnSpPr>
+            <a:cxnSpLocks/>
+          </p:cNvCxnSpPr>
+          <p:nvPr/>
+        </p:nvCxnSpPr>
+        <p:spPr>
+          <a:xfrm>
+            <a:off x="152399" y="5383368"/>
+            <a:ext cx="5943600" cy="0"/>
+          </a:xfrm>
+          <a:prstGeom prst="line">
+            <a:avLst/>
+          </a:prstGeom>
+          <a:ln w="19050" cap="rnd">
+            <a:solidFill>
+              <a:schemeClr val="bg1"/>
+            </a:solidFill>
+          </a:ln>
+        </p:spPr>
+        <p:style>
+          <a:lnRef idx="1">
+            <a:schemeClr val="accent1"/>
+          </a:lnRef>
+          <a:fillRef idx="0">
+            <a:schemeClr val="accent1"/>
+          </a:fillRef>
+          <a:effectRef idx="0">
+            <a:schemeClr val="accent1"/>
+          </a:effectRef>
+          <a:fontRef idx="minor">
+            <a:schemeClr val="tx1"/>
+          </a:fontRef>
+        </p:style>
+      </p:cxnSp>
+      <p:cxnSp>
+        <p:nvCxnSpPr>
+          <p:cNvPr id="30" name="직선 연결선 29">
+            <a:extLst>
+              <a:ext uri="{FF2B5EF4-FFF2-40B4-BE49-F238E27FC236}">
+                <a16:creationId xmlns:a16="http://schemas.microsoft.com/office/drawing/2014/main" id="{ADD6C71C-0D22-401C-CF2B-AFE5C244746B}"/>
+              </a:ext>
+            </a:extLst>
+          </p:cNvPr>
+          <p:cNvCxnSpPr>
+            <a:cxnSpLocks/>
+          </p:cNvCxnSpPr>
+          <p:nvPr/>
+        </p:nvCxnSpPr>
+        <p:spPr>
+          <a:xfrm flipV="1">
+            <a:off x="3013476" y="5383368"/>
+            <a:ext cx="0" cy="800100"/>
+          </a:xfrm>
+          <a:prstGeom prst="line">
+            <a:avLst/>
+          </a:prstGeom>
+          <a:ln w="19050" cap="rnd">
+            <a:solidFill>
+              <a:schemeClr val="bg1"/>
+            </a:solidFill>
+          </a:ln>
+        </p:spPr>
+        <p:style>
+          <a:lnRef idx="1">
+            <a:schemeClr val="accent1"/>
+          </a:lnRef>
+          <a:fillRef idx="0">
+            <a:schemeClr val="accent1"/>
+          </a:fillRef>
+          <a:effectRef idx="0">
+            <a:schemeClr val="accent1"/>
+          </a:effectRef>
+          <a:fontRef idx="minor">
+            <a:schemeClr val="tx1"/>
+          </a:fontRef>
+        </p:style>
+      </p:cxnSp>
+      <p:cxnSp>
+        <p:nvCxnSpPr>
+          <p:cNvPr id="33" name="직선 연결선 32">
+            <a:extLst>
+              <a:ext uri="{FF2B5EF4-FFF2-40B4-BE49-F238E27FC236}">
+                <a16:creationId xmlns:a16="http://schemas.microsoft.com/office/drawing/2014/main" id="{98A591AF-21D7-53BB-2AFF-9C0F8B5CC78F}"/>
+              </a:ext>
+            </a:extLst>
+          </p:cNvPr>
+          <p:cNvCxnSpPr>
+            <a:cxnSpLocks/>
+          </p:cNvCxnSpPr>
+          <p:nvPr/>
+        </p:nvCxnSpPr>
+        <p:spPr>
+          <a:xfrm>
+            <a:off x="152399" y="5672928"/>
+            <a:ext cx="5943600" cy="0"/>
+          </a:xfrm>
+          <a:prstGeom prst="line">
+            <a:avLst/>
+          </a:prstGeom>
+          <a:ln w="19050" cap="rnd">
+            <a:solidFill>
+              <a:schemeClr val="bg1"/>
+            </a:solidFill>
+          </a:ln>
+        </p:spPr>
+        <p:style>
+          <a:lnRef idx="1">
+            <a:schemeClr val="accent1"/>
+          </a:lnRef>
+          <a:fillRef idx="0">
+            <a:schemeClr val="accent1"/>
+          </a:fillRef>
+          <a:effectRef idx="0">
+            <a:schemeClr val="accent1"/>
+          </a:effectRef>
+          <a:fontRef idx="minor">
+            <a:schemeClr val="tx1"/>
+          </a:fontRef>
+        </p:style>
+      </p:cxnSp>
+      <p:sp>
+        <p:nvSpPr>
+          <p:cNvPr id="34" name="TextBox 33">
+            <a:extLst>
+              <a:ext uri="{FF2B5EF4-FFF2-40B4-BE49-F238E27FC236}">
+                <a16:creationId xmlns:a16="http://schemas.microsoft.com/office/drawing/2014/main" id="{6B4D3C51-5632-2A3E-1647-AF9D9EB8977C}"/>
+              </a:ext>
+            </a:extLst>
+          </p:cNvPr>
+          <p:cNvSpPr txBox="1"/>
+          <p:nvPr/>
+        </p:nvSpPr>
+        <p:spPr>
+          <a:xfrm>
+            <a:off x="5324796" y="1645939"/>
             <a:ext cx="1542409" cy="584775"/>
           </a:xfrm>
           <a:prstGeom prst="rect">
@@ -5600,6 +6191,834 @@
               <a:t>Level 6</a:t>
             </a:r>
             <a:endParaRPr lang="ko-KR" altLang="en-US" sz="3200" dirty="0">
+              <a:solidFill>
+                <a:schemeClr val="bg1"/>
+              </a:solidFill>
+              <a:latin typeface="나눔스퀘어OTF Bold" panose="020B0600000101010101" pitchFamily="34" charset="-127"/>
+              <a:ea typeface="나눔스퀘어OTF Bold" panose="020B0600000101010101" pitchFamily="34" charset="-127"/>
+            </a:endParaRPr>
+          </a:p>
+        </p:txBody>
+      </p:sp>
+      <p:sp>
+        <p:nvSpPr>
+          <p:cNvPr id="36" name="TextBox 35">
+            <a:extLst>
+              <a:ext uri="{FF2B5EF4-FFF2-40B4-BE49-F238E27FC236}">
+                <a16:creationId xmlns:a16="http://schemas.microsoft.com/office/drawing/2014/main" id="{37A04E89-AEB2-1C4B-8AE5-97FFF8D2BE43}"/>
+              </a:ext>
+            </a:extLst>
+          </p:cNvPr>
+          <p:cNvSpPr txBox="1"/>
+          <p:nvPr/>
+        </p:nvSpPr>
+        <p:spPr>
+          <a:xfrm>
+            <a:off x="3963521" y="5372439"/>
+            <a:ext cx="1182440" cy="307777"/>
+          </a:xfrm>
+          <a:prstGeom prst="rect">
+            <a:avLst/>
+          </a:prstGeom>
+          <a:noFill/>
+        </p:spPr>
+        <p:txBody>
+          <a:bodyPr wrap="none" rtlCol="0">
+            <a:spAutoFit/>
+          </a:bodyPr>
+          <a:lstStyle/>
+          <a:p>
+            <a:pPr algn="ctr"/>
+            <a:r>
+              <a:rPr lang="en-US" altLang="ko-KR" sz="1400" dirty="0">
+                <a:solidFill>
+                  <a:schemeClr val="bg1"/>
+                </a:solidFill>
+                <a:latin typeface="나눔스퀘어OTF Bold" panose="020B0600000101010101" pitchFamily="34" charset="-127"/>
+                <a:ea typeface="나눔스퀘어OTF Bold" panose="020B0600000101010101" pitchFamily="34" charset="-127"/>
+              </a:rPr>
+              <a:t>Players Left</a:t>
+            </a:r>
+            <a:endParaRPr lang="ko-KR" altLang="en-US" sz="1400" dirty="0">
+              <a:solidFill>
+                <a:schemeClr val="bg1"/>
+              </a:solidFill>
+              <a:latin typeface="나눔스퀘어OTF Bold" panose="020B0600000101010101" pitchFamily="34" charset="-127"/>
+              <a:ea typeface="나눔스퀘어OTF Bold" panose="020B0600000101010101" pitchFamily="34" charset="-127"/>
+            </a:endParaRPr>
+          </a:p>
+        </p:txBody>
+      </p:sp>
+      <p:sp>
+        <p:nvSpPr>
+          <p:cNvPr id="37" name="TextBox 36">
+            <a:extLst>
+              <a:ext uri="{FF2B5EF4-FFF2-40B4-BE49-F238E27FC236}">
+                <a16:creationId xmlns:a16="http://schemas.microsoft.com/office/drawing/2014/main" id="{19F72DE3-D845-750B-38AA-3ABE5122B7AB}"/>
+              </a:ext>
+            </a:extLst>
+          </p:cNvPr>
+          <p:cNvSpPr txBox="1"/>
+          <p:nvPr/>
+        </p:nvSpPr>
+        <p:spPr>
+          <a:xfrm>
+            <a:off x="1303905" y="5697365"/>
+            <a:ext cx="556564" cy="461665"/>
+          </a:xfrm>
+          <a:prstGeom prst="rect">
+            <a:avLst/>
+          </a:prstGeom>
+          <a:noFill/>
+        </p:spPr>
+        <p:txBody>
+          <a:bodyPr wrap="none" rtlCol="0">
+            <a:spAutoFit/>
+          </a:bodyPr>
+          <a:lstStyle/>
+          <a:p>
+            <a:pPr algn="ctr"/>
+            <a:r>
+              <a:rPr lang="en-US" altLang="ko-KR" sz="2400" dirty="0">
+                <a:solidFill>
+                  <a:schemeClr val="bg1"/>
+                </a:solidFill>
+                <a:latin typeface="나눔고딕OTF ExtraBold" panose="020D0904000000000000" pitchFamily="34" charset="-127"/>
+                <a:ea typeface="나눔고딕OTF ExtraBold" panose="020D0904000000000000" pitchFamily="34" charset="-127"/>
+              </a:rPr>
+              <a:t>25</a:t>
+            </a:r>
+            <a:endParaRPr lang="ko-KR" altLang="en-US" sz="2400" dirty="0">
+              <a:solidFill>
+                <a:schemeClr val="bg1"/>
+              </a:solidFill>
+              <a:latin typeface="나눔고딕OTF ExtraBold" panose="020D0904000000000000" pitchFamily="34" charset="-127"/>
+              <a:ea typeface="나눔고딕OTF ExtraBold" panose="020D0904000000000000" pitchFamily="34" charset="-127"/>
+            </a:endParaRPr>
+          </a:p>
+        </p:txBody>
+      </p:sp>
+      <p:sp>
+        <p:nvSpPr>
+          <p:cNvPr id="38" name="TextBox 37">
+            <a:extLst>
+              <a:ext uri="{FF2B5EF4-FFF2-40B4-BE49-F238E27FC236}">
+                <a16:creationId xmlns:a16="http://schemas.microsoft.com/office/drawing/2014/main" id="{F2689BD5-BC81-D4FE-A1BE-AA3CD6810228}"/>
+              </a:ext>
+            </a:extLst>
+          </p:cNvPr>
+          <p:cNvSpPr txBox="1"/>
+          <p:nvPr/>
+        </p:nvSpPr>
+        <p:spPr>
+          <a:xfrm>
+            <a:off x="4368679" y="5697365"/>
+            <a:ext cx="370614" cy="461665"/>
+          </a:xfrm>
+          <a:prstGeom prst="rect">
+            <a:avLst/>
+          </a:prstGeom>
+          <a:noFill/>
+        </p:spPr>
+        <p:txBody>
+          <a:bodyPr wrap="none" rtlCol="0">
+            <a:spAutoFit/>
+          </a:bodyPr>
+          <a:lstStyle/>
+          <a:p>
+            <a:pPr algn="ctr"/>
+            <a:r>
+              <a:rPr lang="en-US" altLang="ko-KR" sz="2400" dirty="0">
+                <a:solidFill>
+                  <a:schemeClr val="bg1"/>
+                </a:solidFill>
+                <a:latin typeface="나눔고딕OTF ExtraBold" panose="020D0904000000000000" pitchFamily="34" charset="-127"/>
+                <a:ea typeface="나눔고딕OTF ExtraBold" panose="020D0904000000000000" pitchFamily="34" charset="-127"/>
+              </a:rPr>
+              <a:t>4</a:t>
+            </a:r>
+            <a:endParaRPr lang="ko-KR" altLang="en-US" sz="2400" dirty="0">
+              <a:solidFill>
+                <a:schemeClr val="bg1"/>
+              </a:solidFill>
+              <a:latin typeface="나눔고딕OTF ExtraBold" panose="020D0904000000000000" pitchFamily="34" charset="-127"/>
+              <a:ea typeface="나눔고딕OTF ExtraBold" panose="020D0904000000000000" pitchFamily="34" charset="-127"/>
+            </a:endParaRPr>
+          </a:p>
+        </p:txBody>
+      </p:sp>
+      <p:sp>
+        <p:nvSpPr>
+          <p:cNvPr id="39" name="TextBox 38">
+            <a:extLst>
+              <a:ext uri="{FF2B5EF4-FFF2-40B4-BE49-F238E27FC236}">
+                <a16:creationId xmlns:a16="http://schemas.microsoft.com/office/drawing/2014/main" id="{14FD615B-8314-6106-77CA-7AD769921229}"/>
+              </a:ext>
+            </a:extLst>
+          </p:cNvPr>
+          <p:cNvSpPr txBox="1"/>
+          <p:nvPr/>
+        </p:nvSpPr>
+        <p:spPr>
+          <a:xfrm>
+            <a:off x="6347807" y="3518518"/>
+            <a:ext cx="2217915" cy="400110"/>
+          </a:xfrm>
+          <a:prstGeom prst="rect">
+            <a:avLst/>
+          </a:prstGeom>
+          <a:noFill/>
+        </p:spPr>
+        <p:txBody>
+          <a:bodyPr wrap="none" rtlCol="0">
+            <a:spAutoFit/>
+          </a:bodyPr>
+          <a:lstStyle/>
+          <a:p>
+            <a:pPr algn="r"/>
+            <a:r>
+              <a:rPr lang="en-US" altLang="ko-KR" sz="2000" dirty="0">
+                <a:solidFill>
+                  <a:schemeClr val="bg1"/>
+                </a:solidFill>
+                <a:latin typeface="나눔스퀘어OTF Bold" panose="020B0600000101010101" pitchFamily="34" charset="-127"/>
+                <a:ea typeface="나눔스퀘어OTF Bold" panose="020B0600000101010101" pitchFamily="34" charset="-127"/>
+              </a:rPr>
+              <a:t>Next Small Blind:</a:t>
+            </a:r>
+            <a:endParaRPr lang="ko-KR" altLang="en-US" sz="2000" dirty="0">
+              <a:solidFill>
+                <a:schemeClr val="bg1"/>
+              </a:solidFill>
+              <a:latin typeface="나눔스퀘어OTF Bold" panose="020B0600000101010101" pitchFamily="34" charset="-127"/>
+              <a:ea typeface="나눔스퀘어OTF Bold" panose="020B0600000101010101" pitchFamily="34" charset="-127"/>
+            </a:endParaRPr>
+          </a:p>
+        </p:txBody>
+      </p:sp>
+      <p:sp>
+        <p:nvSpPr>
+          <p:cNvPr id="40" name="TextBox 39">
+            <a:extLst>
+              <a:ext uri="{FF2B5EF4-FFF2-40B4-BE49-F238E27FC236}">
+                <a16:creationId xmlns:a16="http://schemas.microsoft.com/office/drawing/2014/main" id="{D4626FC8-4AF2-135A-0BB5-695E9B710D01}"/>
+              </a:ext>
+            </a:extLst>
+          </p:cNvPr>
+          <p:cNvSpPr txBox="1"/>
+          <p:nvPr/>
+        </p:nvSpPr>
+        <p:spPr>
+          <a:xfrm>
+            <a:off x="6625126" y="3801689"/>
+            <a:ext cx="1940596" cy="400110"/>
+          </a:xfrm>
+          <a:prstGeom prst="rect">
+            <a:avLst/>
+          </a:prstGeom>
+          <a:noFill/>
+        </p:spPr>
+        <p:txBody>
+          <a:bodyPr wrap="none" rtlCol="0">
+            <a:spAutoFit/>
+          </a:bodyPr>
+          <a:lstStyle/>
+          <a:p>
+            <a:pPr algn="r"/>
+            <a:r>
+              <a:rPr lang="en-US" altLang="ko-KR" sz="2000" dirty="0">
+                <a:solidFill>
+                  <a:schemeClr val="bg1"/>
+                </a:solidFill>
+                <a:latin typeface="나눔스퀘어OTF Bold" panose="020B0600000101010101" pitchFamily="34" charset="-127"/>
+                <a:ea typeface="나눔스퀘어OTF Bold" panose="020B0600000101010101" pitchFamily="34" charset="-127"/>
+              </a:rPr>
+              <a:t>Next Big Blind:</a:t>
+            </a:r>
+            <a:endParaRPr lang="ko-KR" altLang="en-US" sz="2000" dirty="0">
+              <a:solidFill>
+                <a:schemeClr val="bg1"/>
+              </a:solidFill>
+              <a:latin typeface="나눔스퀘어OTF Bold" panose="020B0600000101010101" pitchFamily="34" charset="-127"/>
+              <a:ea typeface="나눔스퀘어OTF Bold" panose="020B0600000101010101" pitchFamily="34" charset="-127"/>
+            </a:endParaRPr>
+          </a:p>
+        </p:txBody>
+      </p:sp>
+      <p:sp>
+        <p:nvSpPr>
+          <p:cNvPr id="41" name="TextBox 40">
+            <a:extLst>
+              <a:ext uri="{FF2B5EF4-FFF2-40B4-BE49-F238E27FC236}">
+                <a16:creationId xmlns:a16="http://schemas.microsoft.com/office/drawing/2014/main" id="{A33BFB56-D00B-5051-7239-863D3F02EA0D}"/>
+              </a:ext>
+            </a:extLst>
+          </p:cNvPr>
+          <p:cNvSpPr txBox="1"/>
+          <p:nvPr/>
+        </p:nvSpPr>
+        <p:spPr>
+          <a:xfrm>
+            <a:off x="7099615" y="4084860"/>
+            <a:ext cx="1466107" cy="400110"/>
+          </a:xfrm>
+          <a:prstGeom prst="rect">
+            <a:avLst/>
+          </a:prstGeom>
+          <a:noFill/>
+        </p:spPr>
+        <p:txBody>
+          <a:bodyPr wrap="none" rtlCol="0">
+            <a:spAutoFit/>
+          </a:bodyPr>
+          <a:lstStyle/>
+          <a:p>
+            <a:pPr algn="r"/>
+            <a:r>
+              <a:rPr lang="en-US" altLang="ko-KR" sz="2000" dirty="0">
+                <a:solidFill>
+                  <a:schemeClr val="bg1"/>
+                </a:solidFill>
+                <a:latin typeface="나눔스퀘어OTF Bold" panose="020B0600000101010101" pitchFamily="34" charset="-127"/>
+                <a:ea typeface="나눔스퀘어OTF Bold" panose="020B0600000101010101" pitchFamily="34" charset="-127"/>
+              </a:rPr>
+              <a:t>Next Ante:</a:t>
+            </a:r>
+            <a:endParaRPr lang="ko-KR" altLang="en-US" sz="2000" dirty="0">
+              <a:solidFill>
+                <a:schemeClr val="bg1"/>
+              </a:solidFill>
+              <a:latin typeface="나눔스퀘어OTF Bold" panose="020B0600000101010101" pitchFamily="34" charset="-127"/>
+              <a:ea typeface="나눔스퀘어OTF Bold" panose="020B0600000101010101" pitchFamily="34" charset="-127"/>
+            </a:endParaRPr>
+          </a:p>
+        </p:txBody>
+      </p:sp>
+      <p:sp>
+        <p:nvSpPr>
+          <p:cNvPr id="43" name="TextBox 42">
+            <a:extLst>
+              <a:ext uri="{FF2B5EF4-FFF2-40B4-BE49-F238E27FC236}">
+                <a16:creationId xmlns:a16="http://schemas.microsoft.com/office/drawing/2014/main" id="{901EA6FF-5178-5F3D-F300-244D757D4D1D}"/>
+              </a:ext>
+            </a:extLst>
+          </p:cNvPr>
+          <p:cNvSpPr txBox="1"/>
+          <p:nvPr/>
+        </p:nvSpPr>
+        <p:spPr>
+          <a:xfrm>
+            <a:off x="6624933" y="5217546"/>
+            <a:ext cx="1940789" cy="400110"/>
+          </a:xfrm>
+          <a:prstGeom prst="rect">
+            <a:avLst/>
+          </a:prstGeom>
+          <a:noFill/>
+        </p:spPr>
+        <p:txBody>
+          <a:bodyPr wrap="none" rtlCol="0">
+            <a:spAutoFit/>
+          </a:bodyPr>
+          <a:lstStyle/>
+          <a:p>
+            <a:pPr algn="r"/>
+            <a:r>
+              <a:rPr lang="en-US" altLang="ko-KR" sz="2000" dirty="0">
+                <a:solidFill>
+                  <a:schemeClr val="bg1"/>
+                </a:solidFill>
+                <a:latin typeface="나눔스퀘어OTF Bold" panose="020B0600000101010101" pitchFamily="34" charset="-127"/>
+                <a:ea typeface="나눔스퀘어OTF Bold" panose="020B0600000101010101" pitchFamily="34" charset="-127"/>
+              </a:rPr>
+              <a:t>Time to Break:</a:t>
+            </a:r>
+            <a:endParaRPr lang="ko-KR" altLang="en-US" sz="2000" dirty="0">
+              <a:solidFill>
+                <a:schemeClr val="bg1"/>
+              </a:solidFill>
+              <a:latin typeface="나눔스퀘어OTF Bold" panose="020B0600000101010101" pitchFamily="34" charset="-127"/>
+              <a:ea typeface="나눔스퀘어OTF Bold" panose="020B0600000101010101" pitchFamily="34" charset="-127"/>
+            </a:endParaRPr>
+          </a:p>
+        </p:txBody>
+      </p:sp>
+      <p:sp>
+        <p:nvSpPr>
+          <p:cNvPr id="44" name="TextBox 43">
+            <a:extLst>
+              <a:ext uri="{FF2B5EF4-FFF2-40B4-BE49-F238E27FC236}">
+                <a16:creationId xmlns:a16="http://schemas.microsoft.com/office/drawing/2014/main" id="{290937D7-97F7-6D5C-3E6E-81A328CF0A30}"/>
+              </a:ext>
+            </a:extLst>
+          </p:cNvPr>
+          <p:cNvSpPr txBox="1"/>
+          <p:nvPr/>
+        </p:nvSpPr>
+        <p:spPr>
+          <a:xfrm>
+            <a:off x="6575818" y="4651202"/>
+            <a:ext cx="1989904" cy="400110"/>
+          </a:xfrm>
+          <a:prstGeom prst="rect">
+            <a:avLst/>
+          </a:prstGeom>
+          <a:noFill/>
+        </p:spPr>
+        <p:txBody>
+          <a:bodyPr wrap="none" rtlCol="0">
+            <a:spAutoFit/>
+          </a:bodyPr>
+          <a:lstStyle/>
+          <a:p>
+            <a:pPr algn="r"/>
+            <a:r>
+              <a:rPr lang="en-US" altLang="ko-KR" sz="2000" dirty="0">
+                <a:solidFill>
+                  <a:schemeClr val="bg1"/>
+                </a:solidFill>
+                <a:latin typeface="나눔스퀘어OTF Bold" panose="020B0600000101010101" pitchFamily="34" charset="-127"/>
+                <a:ea typeface="나눔스퀘어OTF Bold" panose="020B0600000101010101" pitchFamily="34" charset="-127"/>
+              </a:rPr>
+              <a:t>Average Chips:</a:t>
+            </a:r>
+            <a:endParaRPr lang="ko-KR" altLang="en-US" sz="2000" dirty="0">
+              <a:solidFill>
+                <a:schemeClr val="bg1"/>
+              </a:solidFill>
+              <a:latin typeface="나눔스퀘어OTF Bold" panose="020B0600000101010101" pitchFamily="34" charset="-127"/>
+              <a:ea typeface="나눔스퀘어OTF Bold" panose="020B0600000101010101" pitchFamily="34" charset="-127"/>
+            </a:endParaRPr>
+          </a:p>
+        </p:txBody>
+      </p:sp>
+      <p:sp>
+        <p:nvSpPr>
+          <p:cNvPr id="45" name="TextBox 44">
+            <a:extLst>
+              <a:ext uri="{FF2B5EF4-FFF2-40B4-BE49-F238E27FC236}">
+                <a16:creationId xmlns:a16="http://schemas.microsoft.com/office/drawing/2014/main" id="{1AF91CB4-01EF-6C0F-9128-18DE70FA8FBE}"/>
+              </a:ext>
+            </a:extLst>
+          </p:cNvPr>
+          <p:cNvSpPr txBox="1"/>
+          <p:nvPr/>
+        </p:nvSpPr>
+        <p:spPr>
+          <a:xfrm>
+            <a:off x="6974580" y="4368031"/>
+            <a:ext cx="1591141" cy="400110"/>
+          </a:xfrm>
+          <a:prstGeom prst="rect">
+            <a:avLst/>
+          </a:prstGeom>
+          <a:noFill/>
+        </p:spPr>
+        <p:txBody>
+          <a:bodyPr wrap="none" rtlCol="0">
+            <a:spAutoFit/>
+          </a:bodyPr>
+          <a:lstStyle/>
+          <a:p>
+            <a:pPr algn="r"/>
+            <a:r>
+              <a:rPr lang="en-US" altLang="ko-KR" sz="2000" dirty="0">
+                <a:solidFill>
+                  <a:schemeClr val="bg1"/>
+                </a:solidFill>
+                <a:latin typeface="나눔스퀘어OTF Bold" panose="020B0600000101010101" pitchFamily="34" charset="-127"/>
+                <a:ea typeface="나눔스퀘어OTF Bold" panose="020B0600000101010101" pitchFamily="34" charset="-127"/>
+              </a:rPr>
+              <a:t>Total Chips:</a:t>
+            </a:r>
+            <a:endParaRPr lang="ko-KR" altLang="en-US" sz="2000" dirty="0">
+              <a:solidFill>
+                <a:schemeClr val="bg1"/>
+              </a:solidFill>
+              <a:latin typeface="나눔스퀘어OTF Bold" panose="020B0600000101010101" pitchFamily="34" charset="-127"/>
+              <a:ea typeface="나눔스퀘어OTF Bold" panose="020B0600000101010101" pitchFamily="34" charset="-127"/>
+            </a:endParaRPr>
+          </a:p>
+        </p:txBody>
+      </p:sp>
+      <p:sp>
+        <p:nvSpPr>
+          <p:cNvPr id="47" name="TextBox 46">
+            <a:extLst>
+              <a:ext uri="{FF2B5EF4-FFF2-40B4-BE49-F238E27FC236}">
+                <a16:creationId xmlns:a16="http://schemas.microsoft.com/office/drawing/2014/main" id="{4E4A3AB0-92A1-65FA-A2F0-0092EE6AAFC3}"/>
+              </a:ext>
+            </a:extLst>
+          </p:cNvPr>
+          <p:cNvSpPr txBox="1"/>
+          <p:nvPr/>
+        </p:nvSpPr>
+        <p:spPr>
+          <a:xfrm>
+            <a:off x="6571906" y="4934373"/>
+            <a:ext cx="1993816" cy="400110"/>
+          </a:xfrm>
+          <a:prstGeom prst="rect">
+            <a:avLst/>
+          </a:prstGeom>
+          <a:noFill/>
+        </p:spPr>
+        <p:txBody>
+          <a:bodyPr wrap="none" rtlCol="0">
+            <a:spAutoFit/>
+          </a:bodyPr>
+          <a:lstStyle/>
+          <a:p>
+            <a:pPr algn="r"/>
+            <a:r>
+              <a:rPr lang="en-US" altLang="ko-KR" sz="2000" dirty="0">
+                <a:solidFill>
+                  <a:schemeClr val="bg1"/>
+                </a:solidFill>
+                <a:latin typeface="나눔스퀘어OTF Bold" panose="020B0600000101010101" pitchFamily="34" charset="-127"/>
+                <a:ea typeface="나눔스퀘어OTF Bold" panose="020B0600000101010101" pitchFamily="34" charset="-127"/>
+              </a:rPr>
+              <a:t>Starting Stack:</a:t>
+            </a:r>
+            <a:endParaRPr lang="ko-KR" altLang="en-US" sz="2000" dirty="0">
+              <a:solidFill>
+                <a:schemeClr val="bg1"/>
+              </a:solidFill>
+              <a:latin typeface="나눔스퀘어OTF Bold" panose="020B0600000101010101" pitchFamily="34" charset="-127"/>
+              <a:ea typeface="나눔스퀘어OTF Bold" panose="020B0600000101010101" pitchFamily="34" charset="-127"/>
+            </a:endParaRPr>
+          </a:p>
+        </p:txBody>
+      </p:sp>
+      <p:sp>
+        <p:nvSpPr>
+          <p:cNvPr id="48" name="TextBox 47">
+            <a:extLst>
+              <a:ext uri="{FF2B5EF4-FFF2-40B4-BE49-F238E27FC236}">
+                <a16:creationId xmlns:a16="http://schemas.microsoft.com/office/drawing/2014/main" id="{F475F2D7-E034-B5F3-63B5-435071B7A9F2}"/>
+              </a:ext>
+            </a:extLst>
+          </p:cNvPr>
+          <p:cNvSpPr txBox="1"/>
+          <p:nvPr/>
+        </p:nvSpPr>
+        <p:spPr>
+          <a:xfrm>
+            <a:off x="8454858" y="3518518"/>
+            <a:ext cx="888385" cy="400110"/>
+          </a:xfrm>
+          <a:prstGeom prst="rect">
+            <a:avLst/>
+          </a:prstGeom>
+          <a:noFill/>
+        </p:spPr>
+        <p:txBody>
+          <a:bodyPr wrap="none" rtlCol="0">
+            <a:spAutoFit/>
+          </a:bodyPr>
+          <a:lstStyle/>
+          <a:p>
+            <a:r>
+              <a:rPr lang="en-US" altLang="ko-KR" sz="2000" dirty="0">
+                <a:solidFill>
+                  <a:schemeClr val="bg1"/>
+                </a:solidFill>
+                <a:latin typeface="나눔스퀘어OTF Bold" panose="020B0600000101010101" pitchFamily="34" charset="-127"/>
+                <a:ea typeface="나눔스퀘어OTF Bold" panose="020B0600000101010101" pitchFamily="34" charset="-127"/>
+              </a:rPr>
+              <a:t>8,000</a:t>
+            </a:r>
+            <a:endParaRPr lang="ko-KR" altLang="en-US" sz="2000" dirty="0">
+              <a:solidFill>
+                <a:schemeClr val="bg1"/>
+              </a:solidFill>
+              <a:latin typeface="나눔스퀘어OTF Bold" panose="020B0600000101010101" pitchFamily="34" charset="-127"/>
+              <a:ea typeface="나눔스퀘어OTF Bold" panose="020B0600000101010101" pitchFamily="34" charset="-127"/>
+            </a:endParaRPr>
+          </a:p>
+        </p:txBody>
+      </p:sp>
+      <p:sp>
+        <p:nvSpPr>
+          <p:cNvPr id="49" name="TextBox 48">
+            <a:extLst>
+              <a:ext uri="{FF2B5EF4-FFF2-40B4-BE49-F238E27FC236}">
+                <a16:creationId xmlns:a16="http://schemas.microsoft.com/office/drawing/2014/main" id="{01FE5F6E-28FF-F0A8-0A62-E79030D730E6}"/>
+              </a:ext>
+            </a:extLst>
+          </p:cNvPr>
+          <p:cNvSpPr txBox="1"/>
+          <p:nvPr/>
+        </p:nvSpPr>
+        <p:spPr>
+          <a:xfrm>
+            <a:off x="8454858" y="3801689"/>
+            <a:ext cx="1045479" cy="400110"/>
+          </a:xfrm>
+          <a:prstGeom prst="rect">
+            <a:avLst/>
+          </a:prstGeom>
+          <a:noFill/>
+        </p:spPr>
+        <p:txBody>
+          <a:bodyPr wrap="none" rtlCol="0">
+            <a:spAutoFit/>
+          </a:bodyPr>
+          <a:lstStyle/>
+          <a:p>
+            <a:r>
+              <a:rPr lang="en-US" altLang="ko-KR" sz="2000" dirty="0">
+                <a:solidFill>
+                  <a:schemeClr val="bg1"/>
+                </a:solidFill>
+                <a:latin typeface="나눔스퀘어OTF Bold" panose="020B0600000101010101" pitchFamily="34" charset="-127"/>
+                <a:ea typeface="나눔스퀘어OTF Bold" panose="020B0600000101010101" pitchFamily="34" charset="-127"/>
+              </a:rPr>
+              <a:t>16,000</a:t>
+            </a:r>
+            <a:endParaRPr lang="ko-KR" altLang="en-US" sz="2000" dirty="0">
+              <a:solidFill>
+                <a:schemeClr val="bg1"/>
+              </a:solidFill>
+              <a:latin typeface="나눔스퀘어OTF Bold" panose="020B0600000101010101" pitchFamily="34" charset="-127"/>
+              <a:ea typeface="나눔스퀘어OTF Bold" panose="020B0600000101010101" pitchFamily="34" charset="-127"/>
+            </a:endParaRPr>
+          </a:p>
+        </p:txBody>
+      </p:sp>
+      <p:sp>
+        <p:nvSpPr>
+          <p:cNvPr id="50" name="TextBox 49">
+            <a:extLst>
+              <a:ext uri="{FF2B5EF4-FFF2-40B4-BE49-F238E27FC236}">
+                <a16:creationId xmlns:a16="http://schemas.microsoft.com/office/drawing/2014/main" id="{7915AAE3-5ABE-8295-7C62-1B737AA6201C}"/>
+              </a:ext>
+            </a:extLst>
+          </p:cNvPr>
+          <p:cNvSpPr txBox="1"/>
+          <p:nvPr/>
+        </p:nvSpPr>
+        <p:spPr>
+          <a:xfrm>
+            <a:off x="8454858" y="4084860"/>
+            <a:ext cx="1045479" cy="400110"/>
+          </a:xfrm>
+          <a:prstGeom prst="rect">
+            <a:avLst/>
+          </a:prstGeom>
+          <a:noFill/>
+        </p:spPr>
+        <p:txBody>
+          <a:bodyPr wrap="none" rtlCol="0">
+            <a:spAutoFit/>
+          </a:bodyPr>
+          <a:lstStyle/>
+          <a:p>
+            <a:r>
+              <a:rPr lang="en-US" altLang="ko-KR" sz="2000" dirty="0">
+                <a:solidFill>
+                  <a:schemeClr val="bg1"/>
+                </a:solidFill>
+                <a:latin typeface="나눔스퀘어OTF Bold" panose="020B0600000101010101" pitchFamily="34" charset="-127"/>
+                <a:ea typeface="나눔스퀘어OTF Bold" panose="020B0600000101010101" pitchFamily="34" charset="-127"/>
+              </a:rPr>
+              <a:t>16,000</a:t>
+            </a:r>
+            <a:endParaRPr lang="ko-KR" altLang="en-US" sz="2000" dirty="0">
+              <a:solidFill>
+                <a:schemeClr val="bg1"/>
+              </a:solidFill>
+              <a:latin typeface="나눔스퀘어OTF Bold" panose="020B0600000101010101" pitchFamily="34" charset="-127"/>
+              <a:ea typeface="나눔스퀘어OTF Bold" panose="020B0600000101010101" pitchFamily="34" charset="-127"/>
+            </a:endParaRPr>
+          </a:p>
+        </p:txBody>
+      </p:sp>
+      <p:sp>
+        <p:nvSpPr>
+          <p:cNvPr id="51" name="TextBox 50">
+            <a:extLst>
+              <a:ext uri="{FF2B5EF4-FFF2-40B4-BE49-F238E27FC236}">
+                <a16:creationId xmlns:a16="http://schemas.microsoft.com/office/drawing/2014/main" id="{643CD4C8-031C-5A89-24F5-8CDF7E249689}"/>
+              </a:ext>
+            </a:extLst>
+          </p:cNvPr>
+          <p:cNvSpPr txBox="1"/>
+          <p:nvPr/>
+        </p:nvSpPr>
+        <p:spPr>
+          <a:xfrm>
+            <a:off x="8454858" y="4368031"/>
+            <a:ext cx="1435008" cy="400110"/>
+          </a:xfrm>
+          <a:prstGeom prst="rect">
+            <a:avLst/>
+          </a:prstGeom>
+          <a:noFill/>
+        </p:spPr>
+        <p:txBody>
+          <a:bodyPr wrap="none" rtlCol="0">
+            <a:spAutoFit/>
+          </a:bodyPr>
+          <a:lstStyle/>
+          <a:p>
+            <a:r>
+              <a:rPr lang="en-US" altLang="ko-KR" sz="2000" dirty="0">
+                <a:solidFill>
+                  <a:schemeClr val="bg1"/>
+                </a:solidFill>
+                <a:latin typeface="나눔스퀘어OTF Bold" panose="020B0600000101010101" pitchFamily="34" charset="-127"/>
+                <a:ea typeface="나눔스퀘어OTF Bold" panose="020B0600000101010101" pitchFamily="34" charset="-127"/>
+              </a:rPr>
+              <a:t>2,500,000</a:t>
+            </a:r>
+            <a:endParaRPr lang="ko-KR" altLang="en-US" sz="2000" dirty="0">
+              <a:solidFill>
+                <a:schemeClr val="bg1"/>
+              </a:solidFill>
+              <a:latin typeface="나눔스퀘어OTF Bold" panose="020B0600000101010101" pitchFamily="34" charset="-127"/>
+              <a:ea typeface="나눔스퀘어OTF Bold" panose="020B0600000101010101" pitchFamily="34" charset="-127"/>
+            </a:endParaRPr>
+          </a:p>
+        </p:txBody>
+      </p:sp>
+      <p:sp>
+        <p:nvSpPr>
+          <p:cNvPr id="52" name="TextBox 51">
+            <a:extLst>
+              <a:ext uri="{FF2B5EF4-FFF2-40B4-BE49-F238E27FC236}">
+                <a16:creationId xmlns:a16="http://schemas.microsoft.com/office/drawing/2014/main" id="{C3780481-0977-603B-7F6E-2A5A331A4977}"/>
+              </a:ext>
+            </a:extLst>
+          </p:cNvPr>
+          <p:cNvSpPr txBox="1"/>
+          <p:nvPr/>
+        </p:nvSpPr>
+        <p:spPr>
+          <a:xfrm>
+            <a:off x="8454858" y="4651202"/>
+            <a:ext cx="1202573" cy="707886"/>
+          </a:xfrm>
+          <a:prstGeom prst="rect">
+            <a:avLst/>
+          </a:prstGeom>
+          <a:noFill/>
+        </p:spPr>
+        <p:txBody>
+          <a:bodyPr wrap="none" rtlCol="0">
+            <a:spAutoFit/>
+          </a:bodyPr>
+          <a:lstStyle/>
+          <a:p>
+            <a:r>
+              <a:rPr lang="en-US" altLang="ko-KR" sz="2000" dirty="0">
+                <a:solidFill>
+                  <a:schemeClr val="bg1"/>
+                </a:solidFill>
+                <a:latin typeface="나눔스퀘어OTF Bold" panose="020B0600000101010101" pitchFamily="34" charset="-127"/>
+                <a:ea typeface="나눔스퀘어OTF Bold" panose="020B0600000101010101" pitchFamily="34" charset="-127"/>
+              </a:rPr>
+              <a:t>625,000</a:t>
+            </a:r>
+          </a:p>
+          <a:p>
+            <a:endParaRPr lang="ko-KR" altLang="en-US" sz="2000" dirty="0">
+              <a:solidFill>
+                <a:schemeClr val="bg1"/>
+              </a:solidFill>
+              <a:latin typeface="나눔스퀘어OTF Bold" panose="020B0600000101010101" pitchFamily="34" charset="-127"/>
+              <a:ea typeface="나눔스퀘어OTF Bold" panose="020B0600000101010101" pitchFamily="34" charset="-127"/>
+            </a:endParaRPr>
+          </a:p>
+        </p:txBody>
+      </p:sp>
+      <p:sp>
+        <p:nvSpPr>
+          <p:cNvPr id="53" name="TextBox 52">
+            <a:extLst>
+              <a:ext uri="{FF2B5EF4-FFF2-40B4-BE49-F238E27FC236}">
+                <a16:creationId xmlns:a16="http://schemas.microsoft.com/office/drawing/2014/main" id="{0B69FA40-EAE0-BA20-C3BA-DA40FAF3B768}"/>
+              </a:ext>
+            </a:extLst>
+          </p:cNvPr>
+          <p:cNvSpPr txBox="1"/>
+          <p:nvPr/>
+        </p:nvSpPr>
+        <p:spPr>
+          <a:xfrm>
+            <a:off x="8454858" y="4934373"/>
+            <a:ext cx="1202573" cy="400110"/>
+          </a:xfrm>
+          <a:prstGeom prst="rect">
+            <a:avLst/>
+          </a:prstGeom>
+          <a:noFill/>
+        </p:spPr>
+        <p:txBody>
+          <a:bodyPr wrap="none" rtlCol="0">
+            <a:spAutoFit/>
+          </a:bodyPr>
+          <a:lstStyle/>
+          <a:p>
+            <a:r>
+              <a:rPr lang="en-US" altLang="ko-KR" sz="2000" dirty="0">
+                <a:solidFill>
+                  <a:schemeClr val="bg1"/>
+                </a:solidFill>
+                <a:latin typeface="나눔스퀘어OTF Bold" panose="020B0600000101010101" pitchFamily="34" charset="-127"/>
+                <a:ea typeface="나눔스퀘어OTF Bold" panose="020B0600000101010101" pitchFamily="34" charset="-127"/>
+              </a:rPr>
+              <a:t>100,000</a:t>
+            </a:r>
+            <a:endParaRPr lang="ko-KR" altLang="en-US" sz="2000" dirty="0">
+              <a:solidFill>
+                <a:schemeClr val="bg1"/>
+              </a:solidFill>
+              <a:latin typeface="나눔스퀘어OTF Bold" panose="020B0600000101010101" pitchFamily="34" charset="-127"/>
+              <a:ea typeface="나눔스퀘어OTF Bold" panose="020B0600000101010101" pitchFamily="34" charset="-127"/>
+            </a:endParaRPr>
+          </a:p>
+        </p:txBody>
+      </p:sp>
+      <p:sp>
+        <p:nvSpPr>
+          <p:cNvPr id="54" name="TextBox 53">
+            <a:extLst>
+              <a:ext uri="{FF2B5EF4-FFF2-40B4-BE49-F238E27FC236}">
+                <a16:creationId xmlns:a16="http://schemas.microsoft.com/office/drawing/2014/main" id="{A5063533-A414-56B6-03A8-4C9DF1D16C49}"/>
+              </a:ext>
+            </a:extLst>
+          </p:cNvPr>
+          <p:cNvSpPr txBox="1"/>
+          <p:nvPr/>
+        </p:nvSpPr>
+        <p:spPr>
+          <a:xfrm>
+            <a:off x="8454858" y="5217546"/>
+            <a:ext cx="904415" cy="400110"/>
+          </a:xfrm>
+          <a:prstGeom prst="rect">
+            <a:avLst/>
+          </a:prstGeom>
+          <a:noFill/>
+        </p:spPr>
+        <p:txBody>
+          <a:bodyPr wrap="none" rtlCol="0">
+            <a:spAutoFit/>
+          </a:bodyPr>
+          <a:lstStyle/>
+          <a:p>
+            <a:r>
+              <a:rPr lang="en-US" altLang="ko-KR" sz="2000" dirty="0">
+                <a:solidFill>
+                  <a:schemeClr val="bg1"/>
+                </a:solidFill>
+                <a:latin typeface="나눔스퀘어OTF Bold" panose="020B0600000101010101" pitchFamily="34" charset="-127"/>
+                <a:ea typeface="나눔스퀘어OTF Bold" panose="020B0600000101010101" pitchFamily="34" charset="-127"/>
+              </a:rPr>
+              <a:t>25:50</a:t>
+            </a:r>
+            <a:endParaRPr lang="ko-KR" altLang="en-US" sz="2000" dirty="0">
               <a:solidFill>
                 <a:schemeClr val="bg1"/>
               </a:solidFill>

--- a/프레젠테이션1.pptx
+++ b/프레젠테이션1.pptx
@@ -7028,6 +7028,84 @@
           </a:p>
         </p:txBody>
       </p:sp>
+      <p:cxnSp>
+        <p:nvCxnSpPr>
+          <p:cNvPr id="4" name="직선 화살표 연결선 3">
+            <a:extLst>
+              <a:ext uri="{FF2B5EF4-FFF2-40B4-BE49-F238E27FC236}">
+                <a16:creationId xmlns:a16="http://schemas.microsoft.com/office/drawing/2014/main" id="{536E616D-904E-EA17-4D95-C5BCF4344AFC}"/>
+              </a:ext>
+            </a:extLst>
+          </p:cNvPr>
+          <p:cNvCxnSpPr/>
+          <p:nvPr/>
+        </p:nvCxnSpPr>
+        <p:spPr>
+          <a:xfrm flipH="1" flipV="1">
+            <a:off x="252249" y="258799"/>
+            <a:ext cx="409903" cy="226305"/>
+          </a:xfrm>
+          <a:prstGeom prst="straightConnector1">
+            <a:avLst/>
+          </a:prstGeom>
+          <a:ln>
+            <a:solidFill>
+              <a:srgbClr val="FF0000"/>
+            </a:solidFill>
+            <a:tailEnd type="triangle"/>
+          </a:ln>
+        </p:spPr>
+        <p:style>
+          <a:lnRef idx="1">
+            <a:schemeClr val="accent1"/>
+          </a:lnRef>
+          <a:fillRef idx="0">
+            <a:schemeClr val="accent1"/>
+          </a:fillRef>
+          <a:effectRef idx="0">
+            <a:schemeClr val="accent1"/>
+          </a:effectRef>
+          <a:fontRef idx="minor">
+            <a:schemeClr val="tx1"/>
+          </a:fontRef>
+        </p:style>
+      </p:cxnSp>
+      <p:sp>
+        <p:nvSpPr>
+          <p:cNvPr id="6" name="TextBox 5">
+            <a:extLst>
+              <a:ext uri="{FF2B5EF4-FFF2-40B4-BE49-F238E27FC236}">
+                <a16:creationId xmlns:a16="http://schemas.microsoft.com/office/drawing/2014/main" id="{FB61CFD9-7F5A-6D59-D9CD-F99574D0EE04}"/>
+              </a:ext>
+            </a:extLst>
+          </p:cNvPr>
+          <p:cNvSpPr txBox="1"/>
+          <p:nvPr/>
+        </p:nvSpPr>
+        <p:spPr>
+          <a:xfrm>
+            <a:off x="575139" y="433995"/>
+            <a:ext cx="883575" cy="369332"/>
+          </a:xfrm>
+          <a:prstGeom prst="rect">
+            <a:avLst/>
+          </a:prstGeom>
+          <a:noFill/>
+        </p:spPr>
+        <p:txBody>
+          <a:bodyPr wrap="none" rtlCol="0">
+            <a:spAutoFit/>
+          </a:bodyPr>
+          <a:lstStyle/>
+          <a:p>
+            <a:r>
+              <a:rPr lang="en-US" altLang="ko-KR" dirty="0"/>
+              <a:t>(26,28)</a:t>
+            </a:r>
+            <a:endParaRPr lang="ko-KR" altLang="en-US" dirty="0"/>
+          </a:p>
+        </p:txBody>
+      </p:sp>
     </p:spTree>
     <p:extLst>
       <p:ext uri="{BB962C8B-B14F-4D97-AF65-F5344CB8AC3E}">

--- a/프레젠테이션1.pptx
+++ b/프레젠테이션1.pptx
@@ -261,7 +261,7 @@
           <a:p>
             <a:fld id="{70C90204-D5CC-447F-9E5C-0AEC58959EFD}" type="datetimeFigureOut">
               <a:rPr lang="ko-KR" altLang="en-US" smtClean="0"/>
-              <a:t>2024-03-28</a:t>
+              <a:t>2024-03-29</a:t>
             </a:fld>
             <a:endParaRPr lang="ko-KR" altLang="en-US"/>
           </a:p>
@@ -459,7 +459,7 @@
           <a:p>
             <a:fld id="{70C90204-D5CC-447F-9E5C-0AEC58959EFD}" type="datetimeFigureOut">
               <a:rPr lang="ko-KR" altLang="en-US" smtClean="0"/>
-              <a:t>2024-03-28</a:t>
+              <a:t>2024-03-29</a:t>
             </a:fld>
             <a:endParaRPr lang="ko-KR" altLang="en-US"/>
           </a:p>
@@ -667,7 +667,7 @@
           <a:p>
             <a:fld id="{70C90204-D5CC-447F-9E5C-0AEC58959EFD}" type="datetimeFigureOut">
               <a:rPr lang="ko-KR" altLang="en-US" smtClean="0"/>
-              <a:t>2024-03-28</a:t>
+              <a:t>2024-03-29</a:t>
             </a:fld>
             <a:endParaRPr lang="ko-KR" altLang="en-US"/>
           </a:p>
@@ -865,7 +865,7 @@
           <a:p>
             <a:fld id="{70C90204-D5CC-447F-9E5C-0AEC58959EFD}" type="datetimeFigureOut">
               <a:rPr lang="ko-KR" altLang="en-US" smtClean="0"/>
-              <a:t>2024-03-28</a:t>
+              <a:t>2024-03-29</a:t>
             </a:fld>
             <a:endParaRPr lang="ko-KR" altLang="en-US"/>
           </a:p>
@@ -1140,7 +1140,7 @@
           <a:p>
             <a:fld id="{70C90204-D5CC-447F-9E5C-0AEC58959EFD}" type="datetimeFigureOut">
               <a:rPr lang="ko-KR" altLang="en-US" smtClean="0"/>
-              <a:t>2024-03-28</a:t>
+              <a:t>2024-03-29</a:t>
             </a:fld>
             <a:endParaRPr lang="ko-KR" altLang="en-US"/>
           </a:p>
@@ -1405,7 +1405,7 @@
           <a:p>
             <a:fld id="{70C90204-D5CC-447F-9E5C-0AEC58959EFD}" type="datetimeFigureOut">
               <a:rPr lang="ko-KR" altLang="en-US" smtClean="0"/>
-              <a:t>2024-03-28</a:t>
+              <a:t>2024-03-29</a:t>
             </a:fld>
             <a:endParaRPr lang="ko-KR" altLang="en-US"/>
           </a:p>
@@ -1817,7 +1817,7 @@
           <a:p>
             <a:fld id="{70C90204-D5CC-447F-9E5C-0AEC58959EFD}" type="datetimeFigureOut">
               <a:rPr lang="ko-KR" altLang="en-US" smtClean="0"/>
-              <a:t>2024-03-28</a:t>
+              <a:t>2024-03-29</a:t>
             </a:fld>
             <a:endParaRPr lang="ko-KR" altLang="en-US"/>
           </a:p>
@@ -1958,7 +1958,7 @@
           <a:p>
             <a:fld id="{70C90204-D5CC-447F-9E5C-0AEC58959EFD}" type="datetimeFigureOut">
               <a:rPr lang="ko-KR" altLang="en-US" smtClean="0"/>
-              <a:t>2024-03-28</a:t>
+              <a:t>2024-03-29</a:t>
             </a:fld>
             <a:endParaRPr lang="ko-KR" altLang="en-US"/>
           </a:p>
@@ -2071,7 +2071,7 @@
           <a:p>
             <a:fld id="{70C90204-D5CC-447F-9E5C-0AEC58959EFD}" type="datetimeFigureOut">
               <a:rPr lang="ko-KR" altLang="en-US" smtClean="0"/>
-              <a:t>2024-03-28</a:t>
+              <a:t>2024-03-29</a:t>
             </a:fld>
             <a:endParaRPr lang="ko-KR" altLang="en-US"/>
           </a:p>
@@ -2382,7 +2382,7 @@
           <a:p>
             <a:fld id="{70C90204-D5CC-447F-9E5C-0AEC58959EFD}" type="datetimeFigureOut">
               <a:rPr lang="ko-KR" altLang="en-US" smtClean="0"/>
-              <a:t>2024-03-28</a:t>
+              <a:t>2024-03-29</a:t>
             </a:fld>
             <a:endParaRPr lang="ko-KR" altLang="en-US"/>
           </a:p>
@@ -2670,7 +2670,7 @@
           <a:p>
             <a:fld id="{70C90204-D5CC-447F-9E5C-0AEC58959EFD}" type="datetimeFigureOut">
               <a:rPr lang="ko-KR" altLang="en-US" smtClean="0"/>
-              <a:t>2024-03-28</a:t>
+              <a:t>2024-03-29</a:t>
             </a:fld>
             <a:endParaRPr lang="ko-KR" altLang="en-US"/>
           </a:p>
@@ -2911,7 +2911,7 @@
           <a:p>
             <a:fld id="{70C90204-D5CC-447F-9E5C-0AEC58959EFD}" type="datetimeFigureOut">
               <a:rPr lang="ko-KR" altLang="en-US" smtClean="0"/>
-              <a:t>2024-03-28</a:t>
+              <a:t>2024-03-29</a:t>
             </a:fld>
             <a:endParaRPr lang="ko-KR" altLang="en-US"/>
           </a:p>
@@ -7106,6 +7106,358 @@
           </a:p>
         </p:txBody>
       </p:sp>
+      <p:sp>
+        <p:nvSpPr>
+          <p:cNvPr id="3" name="TextBox 2">
+            <a:extLst>
+              <a:ext uri="{FF2B5EF4-FFF2-40B4-BE49-F238E27FC236}">
+                <a16:creationId xmlns:a16="http://schemas.microsoft.com/office/drawing/2014/main" id="{23957F56-D711-58F9-72AE-49114CE30C8C}"/>
+              </a:ext>
+            </a:extLst>
+          </p:cNvPr>
+          <p:cNvSpPr txBox="1"/>
+          <p:nvPr/>
+        </p:nvSpPr>
+        <p:spPr>
+          <a:xfrm>
+            <a:off x="1966633" y="846196"/>
+            <a:ext cx="564578" cy="369332"/>
+          </a:xfrm>
+          <a:prstGeom prst="rect">
+            <a:avLst/>
+          </a:prstGeom>
+          <a:noFill/>
+        </p:spPr>
+        <p:txBody>
+          <a:bodyPr wrap="none" rtlCol="0">
+            <a:spAutoFit/>
+          </a:bodyPr>
+          <a:lstStyle/>
+          <a:p>
+            <a:r>
+              <a:rPr lang="en-US" altLang="ko-KR" dirty="0">
+                <a:solidFill>
+                  <a:srgbClr val="FF0000"/>
+                </a:solidFill>
+              </a:rPr>
+              <a:t>176</a:t>
+            </a:r>
+            <a:endParaRPr lang="ko-KR" altLang="en-US" dirty="0">
+              <a:solidFill>
+                <a:srgbClr val="FF0000"/>
+              </a:solidFill>
+            </a:endParaRPr>
+          </a:p>
+        </p:txBody>
+      </p:sp>
+      <p:sp>
+        <p:nvSpPr>
+          <p:cNvPr id="12" name="TextBox 11">
+            <a:extLst>
+              <a:ext uri="{FF2B5EF4-FFF2-40B4-BE49-F238E27FC236}">
+                <a16:creationId xmlns:a16="http://schemas.microsoft.com/office/drawing/2014/main" id="{B38A303C-A346-7027-6A21-8B166BF81284}"/>
+              </a:ext>
+            </a:extLst>
+          </p:cNvPr>
+          <p:cNvSpPr txBox="1"/>
+          <p:nvPr/>
+        </p:nvSpPr>
+        <p:spPr>
+          <a:xfrm>
+            <a:off x="2029259" y="1412008"/>
+            <a:ext cx="564578" cy="369332"/>
+          </a:xfrm>
+          <a:prstGeom prst="rect">
+            <a:avLst/>
+          </a:prstGeom>
+          <a:noFill/>
+        </p:spPr>
+        <p:txBody>
+          <a:bodyPr wrap="none" rtlCol="0">
+            <a:spAutoFit/>
+          </a:bodyPr>
+          <a:lstStyle/>
+          <a:p>
+            <a:r>
+              <a:rPr lang="en-US" altLang="ko-KR" dirty="0">
+                <a:solidFill>
+                  <a:srgbClr val="FF0000"/>
+                </a:solidFill>
+              </a:rPr>
+              <a:t>276</a:t>
+            </a:r>
+            <a:endParaRPr lang="ko-KR" altLang="en-US" dirty="0">
+              <a:solidFill>
+                <a:srgbClr val="FF0000"/>
+              </a:solidFill>
+            </a:endParaRPr>
+          </a:p>
+        </p:txBody>
+      </p:sp>
+      <p:sp>
+        <p:nvSpPr>
+          <p:cNvPr id="15" name="TextBox 14">
+            <a:extLst>
+              <a:ext uri="{FF2B5EF4-FFF2-40B4-BE49-F238E27FC236}">
+                <a16:creationId xmlns:a16="http://schemas.microsoft.com/office/drawing/2014/main" id="{4CACE60D-684D-07AF-DB43-AB7B41C3DB8E}"/>
+              </a:ext>
+            </a:extLst>
+          </p:cNvPr>
+          <p:cNvSpPr txBox="1"/>
+          <p:nvPr/>
+        </p:nvSpPr>
+        <p:spPr>
+          <a:xfrm>
+            <a:off x="734637" y="3393054"/>
+            <a:ext cx="564578" cy="369332"/>
+          </a:xfrm>
+          <a:prstGeom prst="rect">
+            <a:avLst/>
+          </a:prstGeom>
+          <a:noFill/>
+        </p:spPr>
+        <p:txBody>
+          <a:bodyPr wrap="none" rtlCol="0">
+            <a:spAutoFit/>
+          </a:bodyPr>
+          <a:lstStyle/>
+          <a:p>
+            <a:r>
+              <a:rPr lang="en-US" altLang="ko-KR" dirty="0">
+                <a:solidFill>
+                  <a:srgbClr val="FF0000"/>
+                </a:solidFill>
+              </a:rPr>
+              <a:t>590</a:t>
+            </a:r>
+            <a:endParaRPr lang="ko-KR" altLang="en-US" dirty="0">
+              <a:solidFill>
+                <a:srgbClr val="FF0000"/>
+              </a:solidFill>
+            </a:endParaRPr>
+          </a:p>
+        </p:txBody>
+      </p:sp>
+      <p:sp>
+        <p:nvSpPr>
+          <p:cNvPr id="17" name="TextBox 16">
+            <a:extLst>
+              <a:ext uri="{FF2B5EF4-FFF2-40B4-BE49-F238E27FC236}">
+                <a16:creationId xmlns:a16="http://schemas.microsoft.com/office/drawing/2014/main" id="{ABD55C11-1474-4D7A-25E2-A309E1545F70}"/>
+              </a:ext>
+            </a:extLst>
+          </p:cNvPr>
+          <p:cNvSpPr txBox="1"/>
+          <p:nvPr/>
+        </p:nvSpPr>
+        <p:spPr>
+          <a:xfrm>
+            <a:off x="4037024" y="2084003"/>
+            <a:ext cx="564578" cy="369332"/>
+          </a:xfrm>
+          <a:prstGeom prst="rect">
+            <a:avLst/>
+          </a:prstGeom>
+          <a:noFill/>
+        </p:spPr>
+        <p:txBody>
+          <a:bodyPr wrap="none" rtlCol="0">
+            <a:spAutoFit/>
+          </a:bodyPr>
+          <a:lstStyle/>
+          <a:p>
+            <a:r>
+              <a:rPr lang="en-US" altLang="ko-KR" dirty="0">
+                <a:solidFill>
+                  <a:srgbClr val="FF0000"/>
+                </a:solidFill>
+              </a:rPr>
+              <a:t>375</a:t>
+            </a:r>
+            <a:endParaRPr lang="ko-KR" altLang="en-US" dirty="0">
+              <a:solidFill>
+                <a:srgbClr val="FF0000"/>
+              </a:solidFill>
+            </a:endParaRPr>
+          </a:p>
+        </p:txBody>
+      </p:sp>
+      <p:sp>
+        <p:nvSpPr>
+          <p:cNvPr id="19" name="TextBox 18">
+            <a:extLst>
+              <a:ext uri="{FF2B5EF4-FFF2-40B4-BE49-F238E27FC236}">
+                <a16:creationId xmlns:a16="http://schemas.microsoft.com/office/drawing/2014/main" id="{33773DA8-E1A1-08E4-DB06-D632880AEED3}"/>
+              </a:ext>
+            </a:extLst>
+          </p:cNvPr>
+          <p:cNvSpPr txBox="1"/>
+          <p:nvPr/>
+        </p:nvSpPr>
+        <p:spPr>
+          <a:xfrm>
+            <a:off x="5198988" y="5507482"/>
+            <a:ext cx="564578" cy="369332"/>
+          </a:xfrm>
+          <a:prstGeom prst="rect">
+            <a:avLst/>
+          </a:prstGeom>
+          <a:noFill/>
+        </p:spPr>
+        <p:txBody>
+          <a:bodyPr wrap="none" rtlCol="0">
+            <a:spAutoFit/>
+          </a:bodyPr>
+          <a:lstStyle/>
+          <a:p>
+            <a:r>
+              <a:rPr lang="en-US" altLang="ko-KR" dirty="0">
+                <a:solidFill>
+                  <a:srgbClr val="FF0000"/>
+                </a:solidFill>
+              </a:rPr>
+              <a:t>955</a:t>
+            </a:r>
+            <a:endParaRPr lang="ko-KR" altLang="en-US" dirty="0">
+              <a:solidFill>
+                <a:srgbClr val="FF0000"/>
+              </a:solidFill>
+            </a:endParaRPr>
+          </a:p>
+        </p:txBody>
+      </p:sp>
+      <p:sp>
+        <p:nvSpPr>
+          <p:cNvPr id="29" name="TextBox 28">
+            <a:extLst>
+              <a:ext uri="{FF2B5EF4-FFF2-40B4-BE49-F238E27FC236}">
+                <a16:creationId xmlns:a16="http://schemas.microsoft.com/office/drawing/2014/main" id="{0D9B95A7-338D-E6CC-A727-18D422C36757}"/>
+              </a:ext>
+            </a:extLst>
+          </p:cNvPr>
+          <p:cNvSpPr txBox="1"/>
+          <p:nvPr/>
+        </p:nvSpPr>
+        <p:spPr>
+          <a:xfrm>
+            <a:off x="4271697" y="5211043"/>
+            <a:ext cx="564578" cy="369332"/>
+          </a:xfrm>
+          <a:prstGeom prst="rect">
+            <a:avLst/>
+          </a:prstGeom>
+          <a:noFill/>
+        </p:spPr>
+        <p:txBody>
+          <a:bodyPr wrap="none" rtlCol="0">
+            <a:spAutoFit/>
+          </a:bodyPr>
+          <a:lstStyle/>
+          <a:p>
+            <a:r>
+              <a:rPr lang="en-US" altLang="ko-KR" dirty="0">
+                <a:solidFill>
+                  <a:srgbClr val="FF0000"/>
+                </a:solidFill>
+              </a:rPr>
+              <a:t>905</a:t>
+            </a:r>
+            <a:endParaRPr lang="ko-KR" altLang="en-US" dirty="0">
+              <a:solidFill>
+                <a:srgbClr val="FF0000"/>
+              </a:solidFill>
+            </a:endParaRPr>
+          </a:p>
+        </p:txBody>
+      </p:sp>
+      <p:sp>
+        <p:nvSpPr>
+          <p:cNvPr id="32" name="TextBox 31">
+            <a:extLst>
+              <a:ext uri="{FF2B5EF4-FFF2-40B4-BE49-F238E27FC236}">
+                <a16:creationId xmlns:a16="http://schemas.microsoft.com/office/drawing/2014/main" id="{6EED6C96-0B3E-C3AB-5F76-60F5FD3EAF54}"/>
+              </a:ext>
+            </a:extLst>
+          </p:cNvPr>
+          <p:cNvSpPr txBox="1"/>
+          <p:nvPr/>
+        </p:nvSpPr>
+        <p:spPr>
+          <a:xfrm>
+            <a:off x="3344405" y="6031926"/>
+            <a:ext cx="691215" cy="369332"/>
+          </a:xfrm>
+          <a:prstGeom prst="rect">
+            <a:avLst/>
+          </a:prstGeom>
+          <a:noFill/>
+        </p:spPr>
+        <p:txBody>
+          <a:bodyPr wrap="none" rtlCol="0">
+            <a:spAutoFit/>
+          </a:bodyPr>
+          <a:lstStyle/>
+          <a:p>
+            <a:r>
+              <a:rPr lang="en-US" altLang="ko-KR" dirty="0">
+                <a:solidFill>
+                  <a:srgbClr val="FF0000"/>
+                </a:solidFill>
+              </a:rPr>
+              <a:t>1040</a:t>
+            </a:r>
+            <a:endParaRPr lang="ko-KR" altLang="en-US" dirty="0">
+              <a:solidFill>
+                <a:srgbClr val="FF0000"/>
+              </a:solidFill>
+            </a:endParaRPr>
+          </a:p>
+        </p:txBody>
+      </p:sp>
+      <p:sp>
+        <p:nvSpPr>
+          <p:cNvPr id="42" name="TextBox 41">
+            <a:extLst>
+              <a:ext uri="{FF2B5EF4-FFF2-40B4-BE49-F238E27FC236}">
+                <a16:creationId xmlns:a16="http://schemas.microsoft.com/office/drawing/2014/main" id="{43F589CE-42C6-B145-AFC7-45401D070D35}"/>
+              </a:ext>
+            </a:extLst>
+          </p:cNvPr>
+          <p:cNvSpPr txBox="1"/>
+          <p:nvPr/>
+        </p:nvSpPr>
+        <p:spPr>
+          <a:xfrm>
+            <a:off x="2432984" y="6460728"/>
+            <a:ext cx="691215" cy="369332"/>
+          </a:xfrm>
+          <a:prstGeom prst="rect">
+            <a:avLst/>
+          </a:prstGeom>
+          <a:noFill/>
+        </p:spPr>
+        <p:txBody>
+          <a:bodyPr wrap="none" rtlCol="0">
+            <a:spAutoFit/>
+          </a:bodyPr>
+          <a:lstStyle/>
+          <a:p>
+            <a:r>
+              <a:rPr lang="en-US" altLang="ko-KR" dirty="0">
+                <a:solidFill>
+                  <a:srgbClr val="FF0000"/>
+                </a:solidFill>
+              </a:rPr>
+              <a:t>1124</a:t>
+            </a:r>
+            <a:endParaRPr lang="ko-KR" altLang="en-US" dirty="0">
+              <a:solidFill>
+                <a:srgbClr val="FF0000"/>
+              </a:solidFill>
+            </a:endParaRPr>
+          </a:p>
+        </p:txBody>
+      </p:sp>
     </p:spTree>
     <p:extLst>
       <p:ext uri="{BB962C8B-B14F-4D97-AF65-F5344CB8AC3E}">

--- a/프레젠테이션1.pptx
+++ b/프레젠테이션1.pptx
@@ -5688,49 +5688,6 @@
           </a:fontRef>
         </p:style>
       </p:cxnSp>
-      <p:cxnSp>
-        <p:nvCxnSpPr>
-          <p:cNvPr id="13" name="직선 연결선 12">
-            <a:extLst>
-              <a:ext uri="{FF2B5EF4-FFF2-40B4-BE49-F238E27FC236}">
-                <a16:creationId xmlns:a16="http://schemas.microsoft.com/office/drawing/2014/main" id="{D8FFBC5E-4A4B-691F-ED19-E832219291BE}"/>
-              </a:ext>
-            </a:extLst>
-          </p:cNvPr>
-          <p:cNvCxnSpPr>
-            <a:cxnSpLocks/>
-          </p:cNvCxnSpPr>
-          <p:nvPr/>
-        </p:nvCxnSpPr>
-        <p:spPr>
-          <a:xfrm>
-            <a:off x="152400" y="6183468"/>
-            <a:ext cx="11887199" cy="0"/>
-          </a:xfrm>
-          <a:prstGeom prst="line">
-            <a:avLst/>
-          </a:prstGeom>
-          <a:ln w="19050" cap="rnd">
-            <a:solidFill>
-              <a:schemeClr val="bg1"/>
-            </a:solidFill>
-          </a:ln>
-        </p:spPr>
-        <p:style>
-          <a:lnRef idx="1">
-            <a:schemeClr val="accent1"/>
-          </a:lnRef>
-          <a:fillRef idx="0">
-            <a:schemeClr val="accent1"/>
-          </a:fillRef>
-          <a:effectRef idx="0">
-            <a:schemeClr val="accent1"/>
-          </a:effectRef>
-          <a:fontRef idx="minor">
-            <a:schemeClr val="tx1"/>
-          </a:fontRef>
-        </p:style>
-      </p:cxnSp>
       <p:sp>
         <p:nvSpPr>
           <p:cNvPr id="18" name="TextBox 17">
@@ -6410,7 +6367,7 @@
         </p:nvSpPr>
         <p:spPr>
           <a:xfrm>
-            <a:off x="6625126" y="3801689"/>
+            <a:off x="6625126" y="3813250"/>
             <a:ext cx="1940596" cy="400110"/>
           </a:xfrm>
           <a:prstGeom prst="rect">
@@ -6459,7 +6416,7 @@
         </p:nvSpPr>
         <p:spPr>
           <a:xfrm>
-            <a:off x="7099615" y="4084860"/>
+            <a:off x="7099615" y="4107982"/>
             <a:ext cx="1466107" cy="400110"/>
           </a:xfrm>
           <a:prstGeom prst="rect">
@@ -6508,7 +6465,7 @@
         </p:nvSpPr>
         <p:spPr>
           <a:xfrm>
-            <a:off x="6624933" y="5217546"/>
+            <a:off x="6624933" y="5286912"/>
             <a:ext cx="1940789" cy="400110"/>
           </a:xfrm>
           <a:prstGeom prst="rect">
@@ -6557,7 +6514,7 @@
         </p:nvSpPr>
         <p:spPr>
           <a:xfrm>
-            <a:off x="6575818" y="4651202"/>
+            <a:off x="6575818" y="4402714"/>
             <a:ext cx="1989904" cy="400110"/>
           </a:xfrm>
           <a:prstGeom prst="rect">
@@ -6606,7 +6563,7 @@
         </p:nvSpPr>
         <p:spPr>
           <a:xfrm>
-            <a:off x="6974580" y="4368031"/>
+            <a:off x="6974581" y="4697446"/>
             <a:ext cx="1591141" cy="400110"/>
           </a:xfrm>
           <a:prstGeom prst="rect">
@@ -6655,7 +6612,7 @@
         </p:nvSpPr>
         <p:spPr>
           <a:xfrm>
-            <a:off x="6571906" y="4934373"/>
+            <a:off x="6571906" y="4992178"/>
             <a:ext cx="1993816" cy="400110"/>
           </a:xfrm>
           <a:prstGeom prst="rect">
@@ -6704,7 +6661,7 @@
         </p:nvSpPr>
         <p:spPr>
           <a:xfrm>
-            <a:off x="8454858" y="3518518"/>
+            <a:off x="8429746" y="3528080"/>
             <a:ext cx="888385" cy="400110"/>
           </a:xfrm>
           <a:prstGeom prst="rect">
@@ -6752,7 +6709,7 @@
         </p:nvSpPr>
         <p:spPr>
           <a:xfrm>
-            <a:off x="8454858" y="3801689"/>
+            <a:off x="8429746" y="3822812"/>
             <a:ext cx="1045479" cy="400110"/>
           </a:xfrm>
           <a:prstGeom prst="rect">
@@ -6800,7 +6757,7 @@
         </p:nvSpPr>
         <p:spPr>
           <a:xfrm>
-            <a:off x="8454858" y="4084860"/>
+            <a:off x="8429746" y="4117544"/>
             <a:ext cx="1045479" cy="400110"/>
           </a:xfrm>
           <a:prstGeom prst="rect">
@@ -6848,7 +6805,7 @@
         </p:nvSpPr>
         <p:spPr>
           <a:xfrm>
-            <a:off x="8454858" y="4368031"/>
+            <a:off x="8429746" y="4412276"/>
             <a:ext cx="1435008" cy="400110"/>
           </a:xfrm>
           <a:prstGeom prst="rect">
@@ -6896,8 +6853,8 @@
         </p:nvSpPr>
         <p:spPr>
           <a:xfrm>
-            <a:off x="8454858" y="4651202"/>
-            <a:ext cx="1202573" cy="707886"/>
+            <a:off x="8429746" y="4707008"/>
+            <a:ext cx="1202573" cy="400110"/>
           </a:xfrm>
           <a:prstGeom prst="rect">
             <a:avLst/>
@@ -6921,15 +6878,6 @@
               <a:t>625,000</a:t>
             </a:r>
           </a:p>
-          <a:p>
-            <a:endParaRPr lang="ko-KR" altLang="en-US" sz="2000" dirty="0">
-              <a:solidFill>
-                <a:schemeClr val="bg1"/>
-              </a:solidFill>
-              <a:latin typeface="나눔스퀘어OTF Bold" panose="020B0600000101010101" pitchFamily="34" charset="-127"/>
-              <a:ea typeface="나눔스퀘어OTF Bold" panose="020B0600000101010101" pitchFamily="34" charset="-127"/>
-            </a:endParaRPr>
-          </a:p>
         </p:txBody>
       </p:sp>
       <p:sp>
@@ -6946,7 +6894,7 @@
         </p:nvSpPr>
         <p:spPr>
           <a:xfrm>
-            <a:off x="8454858" y="4934373"/>
+            <a:off x="8429746" y="5001740"/>
             <a:ext cx="1202573" cy="400110"/>
           </a:xfrm>
           <a:prstGeom prst="rect">
@@ -6994,7 +6942,7 @@
         </p:nvSpPr>
         <p:spPr>
           <a:xfrm>
-            <a:off x="8454858" y="5217546"/>
+            <a:off x="8429746" y="5296474"/>
             <a:ext cx="904415" cy="400110"/>
           </a:xfrm>
           <a:prstGeom prst="rect">
@@ -7458,6 +7406,307 @@
           </a:p>
         </p:txBody>
       </p:sp>
+      <p:cxnSp>
+        <p:nvCxnSpPr>
+          <p:cNvPr id="13" name="직선 연결선 12">
+            <a:extLst>
+              <a:ext uri="{FF2B5EF4-FFF2-40B4-BE49-F238E27FC236}">
+                <a16:creationId xmlns:a16="http://schemas.microsoft.com/office/drawing/2014/main" id="{D8FFBC5E-4A4B-691F-ED19-E832219291BE}"/>
+              </a:ext>
+            </a:extLst>
+          </p:cNvPr>
+          <p:cNvCxnSpPr>
+            <a:cxnSpLocks/>
+          </p:cNvCxnSpPr>
+          <p:nvPr/>
+        </p:nvCxnSpPr>
+        <p:spPr>
+          <a:xfrm>
+            <a:off x="152400" y="6183468"/>
+            <a:ext cx="11887199" cy="0"/>
+          </a:xfrm>
+          <a:prstGeom prst="line">
+            <a:avLst/>
+          </a:prstGeom>
+          <a:ln w="19050" cap="rnd">
+            <a:solidFill>
+              <a:schemeClr val="bg1"/>
+            </a:solidFill>
+          </a:ln>
+        </p:spPr>
+        <p:style>
+          <a:lnRef idx="1">
+            <a:schemeClr val="accent1"/>
+          </a:lnRef>
+          <a:fillRef idx="0">
+            <a:schemeClr val="accent1"/>
+          </a:fillRef>
+          <a:effectRef idx="0">
+            <a:schemeClr val="accent1"/>
+          </a:effectRef>
+          <a:fontRef idx="minor">
+            <a:schemeClr val="tx1"/>
+          </a:fontRef>
+        </p:style>
+      </p:cxnSp>
+      <p:grpSp>
+        <p:nvGrpSpPr>
+          <p:cNvPr id="58" name="그룹 57">
+            <a:extLst>
+              <a:ext uri="{FF2B5EF4-FFF2-40B4-BE49-F238E27FC236}">
+                <a16:creationId xmlns:a16="http://schemas.microsoft.com/office/drawing/2014/main" id="{D14F4C01-E8D6-3933-DA3E-565B9550B447}"/>
+              </a:ext>
+            </a:extLst>
+          </p:cNvPr>
+          <p:cNvGrpSpPr/>
+          <p:nvPr/>
+        </p:nvGrpSpPr>
+        <p:grpSpPr>
+          <a:xfrm>
+            <a:off x="2603629" y="5747108"/>
+            <a:ext cx="360000" cy="362180"/>
+            <a:chOff x="2603629" y="5747108"/>
+            <a:chExt cx="360000" cy="362180"/>
+          </a:xfrm>
+        </p:grpSpPr>
+        <p:sp>
+          <p:nvSpPr>
+            <p:cNvPr id="31" name="이등변 삼각형 30">
+              <a:extLst>
+                <a:ext uri="{FF2B5EF4-FFF2-40B4-BE49-F238E27FC236}">
+                  <a16:creationId xmlns:a16="http://schemas.microsoft.com/office/drawing/2014/main" id="{E4DD3667-8C9E-B38F-3387-C9AFD65F3016}"/>
+                </a:ext>
+              </a:extLst>
+            </p:cNvPr>
+            <p:cNvSpPr/>
+            <p:nvPr/>
+          </p:nvSpPr>
+          <p:spPr>
+            <a:xfrm>
+              <a:off x="2603629" y="5747108"/>
+              <a:ext cx="360000" cy="144000"/>
+            </a:xfrm>
+            <a:prstGeom prst="triangle">
+              <a:avLst/>
+            </a:prstGeom>
+            <a:solidFill>
+              <a:schemeClr val="bg1">
+                <a:lumMod val="85000"/>
+              </a:schemeClr>
+            </a:solidFill>
+            <a:ln>
+              <a:noFill/>
+            </a:ln>
+          </p:spPr>
+          <p:style>
+            <a:lnRef idx="2">
+              <a:schemeClr val="accent1">
+                <a:shade val="15000"/>
+              </a:schemeClr>
+            </a:lnRef>
+            <a:fillRef idx="1">
+              <a:schemeClr val="accent1"/>
+            </a:fillRef>
+            <a:effectRef idx="0">
+              <a:schemeClr val="accent1"/>
+            </a:effectRef>
+            <a:fontRef idx="minor">
+              <a:schemeClr val="lt1"/>
+            </a:fontRef>
+          </p:style>
+          <p:txBody>
+            <a:bodyPr rtlCol="0" anchor="ctr"/>
+            <a:lstStyle/>
+            <a:p>
+              <a:pPr algn="ctr"/>
+              <a:endParaRPr lang="ko-KR" altLang="en-US"/>
+            </a:p>
+          </p:txBody>
+        </p:sp>
+        <p:sp>
+          <p:nvSpPr>
+            <p:cNvPr id="35" name="이등변 삼각형 34">
+              <a:extLst>
+                <a:ext uri="{FF2B5EF4-FFF2-40B4-BE49-F238E27FC236}">
+                  <a16:creationId xmlns:a16="http://schemas.microsoft.com/office/drawing/2014/main" id="{80CCCDCD-1028-CD26-1548-8A74ACAF4FC8}"/>
+                </a:ext>
+              </a:extLst>
+            </p:cNvPr>
+            <p:cNvSpPr/>
+            <p:nvPr/>
+          </p:nvSpPr>
+          <p:spPr>
+            <a:xfrm rot="10800000">
+              <a:off x="2603629" y="5965288"/>
+              <a:ext cx="360000" cy="144000"/>
+            </a:xfrm>
+            <a:prstGeom prst="triangle">
+              <a:avLst/>
+            </a:prstGeom>
+            <a:solidFill>
+              <a:schemeClr val="bg1">
+                <a:lumMod val="85000"/>
+              </a:schemeClr>
+            </a:solidFill>
+            <a:ln>
+              <a:noFill/>
+            </a:ln>
+          </p:spPr>
+          <p:style>
+            <a:lnRef idx="2">
+              <a:schemeClr val="accent1">
+                <a:shade val="15000"/>
+              </a:schemeClr>
+            </a:lnRef>
+            <a:fillRef idx="1">
+              <a:schemeClr val="accent1"/>
+            </a:fillRef>
+            <a:effectRef idx="0">
+              <a:schemeClr val="accent1"/>
+            </a:effectRef>
+            <a:fontRef idx="minor">
+              <a:schemeClr val="lt1"/>
+            </a:fontRef>
+          </p:style>
+          <p:txBody>
+            <a:bodyPr rtlCol="0" anchor="ctr"/>
+            <a:lstStyle/>
+            <a:p>
+              <a:pPr algn="ctr"/>
+              <a:endParaRPr lang="ko-KR" altLang="en-US"/>
+            </a:p>
+          </p:txBody>
+        </p:sp>
+      </p:grpSp>
+      <p:grpSp>
+        <p:nvGrpSpPr>
+          <p:cNvPr id="57" name="그룹 56">
+            <a:extLst>
+              <a:ext uri="{FF2B5EF4-FFF2-40B4-BE49-F238E27FC236}">
+                <a16:creationId xmlns:a16="http://schemas.microsoft.com/office/drawing/2014/main" id="{14C1C74A-1C9B-5399-81C1-7C0C5B074AD8}"/>
+              </a:ext>
+            </a:extLst>
+          </p:cNvPr>
+          <p:cNvGrpSpPr/>
+          <p:nvPr/>
+        </p:nvGrpSpPr>
+        <p:grpSpPr>
+          <a:xfrm>
+            <a:off x="5668032" y="5747108"/>
+            <a:ext cx="360000" cy="362180"/>
+            <a:chOff x="5668032" y="5736852"/>
+            <a:chExt cx="360000" cy="362180"/>
+          </a:xfrm>
+        </p:grpSpPr>
+        <p:sp>
+          <p:nvSpPr>
+            <p:cNvPr id="46" name="이등변 삼각형 45">
+              <a:extLst>
+                <a:ext uri="{FF2B5EF4-FFF2-40B4-BE49-F238E27FC236}">
+                  <a16:creationId xmlns:a16="http://schemas.microsoft.com/office/drawing/2014/main" id="{C70AEB23-288A-30C4-B56C-41203D9583CB}"/>
+                </a:ext>
+              </a:extLst>
+            </p:cNvPr>
+            <p:cNvSpPr/>
+            <p:nvPr/>
+          </p:nvSpPr>
+          <p:spPr>
+            <a:xfrm>
+              <a:off x="5668032" y="5736852"/>
+              <a:ext cx="360000" cy="144000"/>
+            </a:xfrm>
+            <a:prstGeom prst="triangle">
+              <a:avLst/>
+            </a:prstGeom>
+            <a:solidFill>
+              <a:schemeClr val="bg1">
+                <a:lumMod val="85000"/>
+              </a:schemeClr>
+            </a:solidFill>
+            <a:ln>
+              <a:noFill/>
+            </a:ln>
+          </p:spPr>
+          <p:style>
+            <a:lnRef idx="2">
+              <a:schemeClr val="accent1">
+                <a:shade val="15000"/>
+              </a:schemeClr>
+            </a:lnRef>
+            <a:fillRef idx="1">
+              <a:schemeClr val="accent1"/>
+            </a:fillRef>
+            <a:effectRef idx="0">
+              <a:schemeClr val="accent1"/>
+            </a:effectRef>
+            <a:fontRef idx="minor">
+              <a:schemeClr val="lt1"/>
+            </a:fontRef>
+          </p:style>
+          <p:txBody>
+            <a:bodyPr rtlCol="0" anchor="ctr"/>
+            <a:lstStyle/>
+            <a:p>
+              <a:pPr algn="ctr"/>
+              <a:endParaRPr lang="ko-KR" altLang="en-US"/>
+            </a:p>
+          </p:txBody>
+        </p:sp>
+        <p:sp>
+          <p:nvSpPr>
+            <p:cNvPr id="55" name="이등변 삼각형 54">
+              <a:extLst>
+                <a:ext uri="{FF2B5EF4-FFF2-40B4-BE49-F238E27FC236}">
+                  <a16:creationId xmlns:a16="http://schemas.microsoft.com/office/drawing/2014/main" id="{047D21F6-C3E0-8A07-A27F-5B15682A0B40}"/>
+                </a:ext>
+              </a:extLst>
+            </p:cNvPr>
+            <p:cNvSpPr/>
+            <p:nvPr/>
+          </p:nvSpPr>
+          <p:spPr>
+            <a:xfrm rot="10800000">
+              <a:off x="5668032" y="5955032"/>
+              <a:ext cx="360000" cy="144000"/>
+            </a:xfrm>
+            <a:prstGeom prst="triangle">
+              <a:avLst/>
+            </a:prstGeom>
+            <a:solidFill>
+              <a:schemeClr val="bg1">
+                <a:lumMod val="85000"/>
+              </a:schemeClr>
+            </a:solidFill>
+            <a:ln>
+              <a:noFill/>
+            </a:ln>
+          </p:spPr>
+          <p:style>
+            <a:lnRef idx="2">
+              <a:schemeClr val="accent1">
+                <a:shade val="15000"/>
+              </a:schemeClr>
+            </a:lnRef>
+            <a:fillRef idx="1">
+              <a:schemeClr val="accent1"/>
+            </a:fillRef>
+            <a:effectRef idx="0">
+              <a:schemeClr val="accent1"/>
+            </a:effectRef>
+            <a:fontRef idx="minor">
+              <a:schemeClr val="lt1"/>
+            </a:fontRef>
+          </p:style>
+          <p:txBody>
+            <a:bodyPr rtlCol="0" anchor="ctr"/>
+            <a:lstStyle/>
+            <a:p>
+              <a:pPr algn="ctr"/>
+              <a:endParaRPr lang="ko-KR" altLang="en-US"/>
+            </a:p>
+          </p:txBody>
+        </p:sp>
+      </p:grpSp>
     </p:spTree>
     <p:extLst>
       <p:ext uri="{BB962C8B-B14F-4D97-AF65-F5344CB8AC3E}">

--- a/프레젠테이션1.pptx
+++ b/프레젠테이션1.pptx
@@ -8,6 +8,7 @@
     <p:sldId id="256" r:id="rId2"/>
     <p:sldId id="257" r:id="rId3"/>
     <p:sldId id="258" r:id="rId4"/>
+    <p:sldId id="259" r:id="rId5"/>
   </p:sldIdLst>
   <p:sldSz cx="12192000" cy="6858000"/>
   <p:notesSz cx="6858000" cy="9144000"/>
@@ -261,7 +262,7 @@
           <a:p>
             <a:fld id="{70C90204-D5CC-447F-9E5C-0AEC58959EFD}" type="datetimeFigureOut">
               <a:rPr lang="ko-KR" altLang="en-US" smtClean="0"/>
-              <a:t>2024-03-29</a:t>
+              <a:t>2024-03-30</a:t>
             </a:fld>
             <a:endParaRPr lang="ko-KR" altLang="en-US"/>
           </a:p>
@@ -459,7 +460,7 @@
           <a:p>
             <a:fld id="{70C90204-D5CC-447F-9E5C-0AEC58959EFD}" type="datetimeFigureOut">
               <a:rPr lang="ko-KR" altLang="en-US" smtClean="0"/>
-              <a:t>2024-03-29</a:t>
+              <a:t>2024-03-30</a:t>
             </a:fld>
             <a:endParaRPr lang="ko-KR" altLang="en-US"/>
           </a:p>
@@ -667,7 +668,7 @@
           <a:p>
             <a:fld id="{70C90204-D5CC-447F-9E5C-0AEC58959EFD}" type="datetimeFigureOut">
               <a:rPr lang="ko-KR" altLang="en-US" smtClean="0"/>
-              <a:t>2024-03-29</a:t>
+              <a:t>2024-03-30</a:t>
             </a:fld>
             <a:endParaRPr lang="ko-KR" altLang="en-US"/>
           </a:p>
@@ -865,7 +866,7 @@
           <a:p>
             <a:fld id="{70C90204-D5CC-447F-9E5C-0AEC58959EFD}" type="datetimeFigureOut">
               <a:rPr lang="ko-KR" altLang="en-US" smtClean="0"/>
-              <a:t>2024-03-29</a:t>
+              <a:t>2024-03-30</a:t>
             </a:fld>
             <a:endParaRPr lang="ko-KR" altLang="en-US"/>
           </a:p>
@@ -1140,7 +1141,7 @@
           <a:p>
             <a:fld id="{70C90204-D5CC-447F-9E5C-0AEC58959EFD}" type="datetimeFigureOut">
               <a:rPr lang="ko-KR" altLang="en-US" smtClean="0"/>
-              <a:t>2024-03-29</a:t>
+              <a:t>2024-03-30</a:t>
             </a:fld>
             <a:endParaRPr lang="ko-KR" altLang="en-US"/>
           </a:p>
@@ -1405,7 +1406,7 @@
           <a:p>
             <a:fld id="{70C90204-D5CC-447F-9E5C-0AEC58959EFD}" type="datetimeFigureOut">
               <a:rPr lang="ko-KR" altLang="en-US" smtClean="0"/>
-              <a:t>2024-03-29</a:t>
+              <a:t>2024-03-30</a:t>
             </a:fld>
             <a:endParaRPr lang="ko-KR" altLang="en-US"/>
           </a:p>
@@ -1817,7 +1818,7 @@
           <a:p>
             <a:fld id="{70C90204-D5CC-447F-9E5C-0AEC58959EFD}" type="datetimeFigureOut">
               <a:rPr lang="ko-KR" altLang="en-US" smtClean="0"/>
-              <a:t>2024-03-29</a:t>
+              <a:t>2024-03-30</a:t>
             </a:fld>
             <a:endParaRPr lang="ko-KR" altLang="en-US"/>
           </a:p>
@@ -1958,7 +1959,7 @@
           <a:p>
             <a:fld id="{70C90204-D5CC-447F-9E5C-0AEC58959EFD}" type="datetimeFigureOut">
               <a:rPr lang="ko-KR" altLang="en-US" smtClean="0"/>
-              <a:t>2024-03-29</a:t>
+              <a:t>2024-03-30</a:t>
             </a:fld>
             <a:endParaRPr lang="ko-KR" altLang="en-US"/>
           </a:p>
@@ -2071,7 +2072,7 @@
           <a:p>
             <a:fld id="{70C90204-D5CC-447F-9E5C-0AEC58959EFD}" type="datetimeFigureOut">
               <a:rPr lang="ko-KR" altLang="en-US" smtClean="0"/>
-              <a:t>2024-03-29</a:t>
+              <a:t>2024-03-30</a:t>
             </a:fld>
             <a:endParaRPr lang="ko-KR" altLang="en-US"/>
           </a:p>
@@ -2382,7 +2383,7 @@
           <a:p>
             <a:fld id="{70C90204-D5CC-447F-9E5C-0AEC58959EFD}" type="datetimeFigureOut">
               <a:rPr lang="ko-KR" altLang="en-US" smtClean="0"/>
-              <a:t>2024-03-29</a:t>
+              <a:t>2024-03-30</a:t>
             </a:fld>
             <a:endParaRPr lang="ko-KR" altLang="en-US"/>
           </a:p>
@@ -2670,7 +2671,7 @@
           <a:p>
             <a:fld id="{70C90204-D5CC-447F-9E5C-0AEC58959EFD}" type="datetimeFigureOut">
               <a:rPr lang="ko-KR" altLang="en-US" smtClean="0"/>
-              <a:t>2024-03-29</a:t>
+              <a:t>2024-03-30</a:t>
             </a:fld>
             <a:endParaRPr lang="ko-KR" altLang="en-US"/>
           </a:p>
@@ -2911,7 +2912,7 @@
           <a:p>
             <a:fld id="{70C90204-D5CC-447F-9E5C-0AEC58959EFD}" type="datetimeFigureOut">
               <a:rPr lang="ko-KR" altLang="en-US" smtClean="0"/>
-              <a:t>2024-03-29</a:t>
+              <a:t>2024-03-30</a:t>
             </a:fld>
             <a:endParaRPr lang="ko-KR" altLang="en-US"/>
           </a:p>
@@ -7707,10 +7708,1260 @@
           </p:txBody>
         </p:sp>
       </p:grpSp>
+      <p:grpSp>
+        <p:nvGrpSpPr>
+          <p:cNvPr id="61" name="그룹 60">
+            <a:extLst>
+              <a:ext uri="{FF2B5EF4-FFF2-40B4-BE49-F238E27FC236}">
+                <a16:creationId xmlns:a16="http://schemas.microsoft.com/office/drawing/2014/main" id="{A2F45A92-090D-2E51-FD52-88F62DB3B747}"/>
+              </a:ext>
+            </a:extLst>
+          </p:cNvPr>
+          <p:cNvGrpSpPr/>
+          <p:nvPr/>
+        </p:nvGrpSpPr>
+        <p:grpSpPr>
+          <a:xfrm>
+            <a:off x="5933999" y="6271193"/>
+            <a:ext cx="324000" cy="324000"/>
+            <a:chOff x="5933999" y="6271193"/>
+            <a:chExt cx="324000" cy="324000"/>
+          </a:xfrm>
+        </p:grpSpPr>
+        <p:sp>
+          <p:nvSpPr>
+            <p:cNvPr id="56" name="타원 55">
+              <a:extLst>
+                <a:ext uri="{FF2B5EF4-FFF2-40B4-BE49-F238E27FC236}">
+                  <a16:creationId xmlns:a16="http://schemas.microsoft.com/office/drawing/2014/main" id="{62FDA7A1-48E4-5A96-009E-517BAFF34A4F}"/>
+                </a:ext>
+              </a:extLst>
+            </p:cNvPr>
+            <p:cNvSpPr/>
+            <p:nvPr/>
+          </p:nvSpPr>
+          <p:spPr>
+            <a:xfrm>
+              <a:off x="5933999" y="6271193"/>
+              <a:ext cx="324000" cy="324000"/>
+            </a:xfrm>
+            <a:prstGeom prst="ellipse">
+              <a:avLst/>
+            </a:prstGeom>
+            <a:gradFill>
+              <a:gsLst>
+                <a:gs pos="0">
+                  <a:schemeClr val="accent1">
+                    <a:lumMod val="5000"/>
+                    <a:lumOff val="95000"/>
+                  </a:schemeClr>
+                </a:gs>
+                <a:gs pos="50000">
+                  <a:srgbClr val="322E8A"/>
+                </a:gs>
+                <a:gs pos="21000">
+                  <a:srgbClr val="3E45F4"/>
+                </a:gs>
+                <a:gs pos="70000">
+                  <a:srgbClr val="3E45F4"/>
+                </a:gs>
+                <a:gs pos="100000">
+                  <a:schemeClr val="bg1"/>
+                </a:gs>
+              </a:gsLst>
+              <a:lin ang="5400000" scaled="1"/>
+            </a:gradFill>
+            <a:ln>
+              <a:noFill/>
+            </a:ln>
+          </p:spPr>
+          <p:style>
+            <a:lnRef idx="2">
+              <a:schemeClr val="accent1">
+                <a:shade val="15000"/>
+              </a:schemeClr>
+            </a:lnRef>
+            <a:fillRef idx="1">
+              <a:schemeClr val="accent1"/>
+            </a:fillRef>
+            <a:effectRef idx="0">
+              <a:schemeClr val="accent1"/>
+            </a:effectRef>
+            <a:fontRef idx="minor">
+              <a:schemeClr val="lt1"/>
+            </a:fontRef>
+          </p:style>
+          <p:txBody>
+            <a:bodyPr rtlCol="0" anchor="ctr"/>
+            <a:lstStyle/>
+            <a:p>
+              <a:pPr algn="ctr"/>
+              <a:endParaRPr lang="ko-KR" altLang="en-US"/>
+            </a:p>
+          </p:txBody>
+        </p:sp>
+        <p:sp>
+          <p:nvSpPr>
+            <p:cNvPr id="59" name="직사각형 58">
+              <a:extLst>
+                <a:ext uri="{FF2B5EF4-FFF2-40B4-BE49-F238E27FC236}">
+                  <a16:creationId xmlns:a16="http://schemas.microsoft.com/office/drawing/2014/main" id="{F65C50DC-FF80-0C86-D9AD-7821D2277E07}"/>
+                </a:ext>
+              </a:extLst>
+            </p:cNvPr>
+            <p:cNvSpPr/>
+            <p:nvPr/>
+          </p:nvSpPr>
+          <p:spPr>
+            <a:xfrm>
+              <a:off x="6016271" y="6344374"/>
+              <a:ext cx="54000" cy="180000"/>
+            </a:xfrm>
+            <a:prstGeom prst="rect">
+              <a:avLst/>
+            </a:prstGeom>
+            <a:solidFill>
+              <a:schemeClr val="bg1"/>
+            </a:solidFill>
+            <a:ln>
+              <a:noFill/>
+            </a:ln>
+          </p:spPr>
+          <p:style>
+            <a:lnRef idx="2">
+              <a:schemeClr val="accent1">
+                <a:shade val="15000"/>
+              </a:schemeClr>
+            </a:lnRef>
+            <a:fillRef idx="1">
+              <a:schemeClr val="accent1"/>
+            </a:fillRef>
+            <a:effectRef idx="0">
+              <a:schemeClr val="accent1"/>
+            </a:effectRef>
+            <a:fontRef idx="minor">
+              <a:schemeClr val="lt1"/>
+            </a:fontRef>
+          </p:style>
+          <p:txBody>
+            <a:bodyPr rtlCol="0" anchor="ctr"/>
+            <a:lstStyle/>
+            <a:p>
+              <a:pPr algn="ctr"/>
+              <a:endParaRPr lang="ko-KR" altLang="en-US"/>
+            </a:p>
+          </p:txBody>
+        </p:sp>
+        <p:sp>
+          <p:nvSpPr>
+            <p:cNvPr id="60" name="직사각형 59">
+              <a:extLst>
+                <a:ext uri="{FF2B5EF4-FFF2-40B4-BE49-F238E27FC236}">
+                  <a16:creationId xmlns:a16="http://schemas.microsoft.com/office/drawing/2014/main" id="{E8EB7A04-66B9-CD20-52AD-9A7CAD2FDC01}"/>
+                </a:ext>
+              </a:extLst>
+            </p:cNvPr>
+            <p:cNvSpPr/>
+            <p:nvPr/>
+          </p:nvSpPr>
+          <p:spPr>
+            <a:xfrm>
+              <a:off x="6121730" y="6344382"/>
+              <a:ext cx="54000" cy="180000"/>
+            </a:xfrm>
+            <a:prstGeom prst="rect">
+              <a:avLst/>
+            </a:prstGeom>
+            <a:solidFill>
+              <a:schemeClr val="bg1"/>
+            </a:solidFill>
+            <a:ln>
+              <a:noFill/>
+            </a:ln>
+          </p:spPr>
+          <p:style>
+            <a:lnRef idx="2">
+              <a:schemeClr val="accent1">
+                <a:shade val="15000"/>
+              </a:schemeClr>
+            </a:lnRef>
+            <a:fillRef idx="1">
+              <a:schemeClr val="accent1"/>
+            </a:fillRef>
+            <a:effectRef idx="0">
+              <a:schemeClr val="accent1"/>
+            </a:effectRef>
+            <a:fontRef idx="minor">
+              <a:schemeClr val="lt1"/>
+            </a:fontRef>
+          </p:style>
+          <p:txBody>
+            <a:bodyPr rtlCol="0" anchor="ctr"/>
+            <a:lstStyle/>
+            <a:p>
+              <a:pPr algn="ctr"/>
+              <a:endParaRPr lang="ko-KR" altLang="en-US"/>
+            </a:p>
+          </p:txBody>
+        </p:sp>
+      </p:grpSp>
+      <p:grpSp>
+        <p:nvGrpSpPr>
+          <p:cNvPr id="62" name="그룹 61">
+            <a:extLst>
+              <a:ext uri="{FF2B5EF4-FFF2-40B4-BE49-F238E27FC236}">
+                <a16:creationId xmlns:a16="http://schemas.microsoft.com/office/drawing/2014/main" id="{401AB533-1BE0-7FF2-5527-FD441C3B691E}"/>
+              </a:ext>
+            </a:extLst>
+          </p:cNvPr>
+          <p:cNvGrpSpPr/>
+          <p:nvPr/>
+        </p:nvGrpSpPr>
+        <p:grpSpPr>
+          <a:xfrm>
+            <a:off x="6347807" y="6261814"/>
+            <a:ext cx="324000" cy="324000"/>
+            <a:chOff x="5354936" y="5628823"/>
+            <a:chExt cx="324000" cy="324000"/>
+          </a:xfrm>
+        </p:grpSpPr>
+        <p:sp>
+          <p:nvSpPr>
+            <p:cNvPr id="63" name="타원 62">
+              <a:extLst>
+                <a:ext uri="{FF2B5EF4-FFF2-40B4-BE49-F238E27FC236}">
+                  <a16:creationId xmlns:a16="http://schemas.microsoft.com/office/drawing/2014/main" id="{783CDD95-BDFA-C99F-5A2D-4C93F0D425D5}"/>
+                </a:ext>
+              </a:extLst>
+            </p:cNvPr>
+            <p:cNvSpPr/>
+            <p:nvPr/>
+          </p:nvSpPr>
+          <p:spPr>
+            <a:xfrm>
+              <a:off x="5354936" y="5628823"/>
+              <a:ext cx="324000" cy="324000"/>
+            </a:xfrm>
+            <a:prstGeom prst="ellipse">
+              <a:avLst/>
+            </a:prstGeom>
+            <a:gradFill>
+              <a:gsLst>
+                <a:gs pos="0">
+                  <a:schemeClr val="accent1">
+                    <a:lumMod val="5000"/>
+                    <a:lumOff val="95000"/>
+                  </a:schemeClr>
+                </a:gs>
+                <a:gs pos="50000">
+                  <a:srgbClr val="322E8A"/>
+                </a:gs>
+                <a:gs pos="21000">
+                  <a:srgbClr val="3E45F4"/>
+                </a:gs>
+                <a:gs pos="70000">
+                  <a:srgbClr val="3E45F4"/>
+                </a:gs>
+                <a:gs pos="100000">
+                  <a:schemeClr val="bg1"/>
+                </a:gs>
+              </a:gsLst>
+              <a:lin ang="5400000" scaled="1"/>
+            </a:gradFill>
+            <a:ln>
+              <a:noFill/>
+            </a:ln>
+          </p:spPr>
+          <p:style>
+            <a:lnRef idx="2">
+              <a:schemeClr val="accent1">
+                <a:shade val="15000"/>
+              </a:schemeClr>
+            </a:lnRef>
+            <a:fillRef idx="1">
+              <a:schemeClr val="accent1"/>
+            </a:fillRef>
+            <a:effectRef idx="0">
+              <a:schemeClr val="accent1"/>
+            </a:effectRef>
+            <a:fontRef idx="minor">
+              <a:schemeClr val="lt1"/>
+            </a:fontRef>
+          </p:style>
+          <p:txBody>
+            <a:bodyPr rtlCol="0" anchor="ctr"/>
+            <a:lstStyle/>
+            <a:p>
+              <a:pPr algn="ctr"/>
+              <a:endParaRPr lang="ko-KR" altLang="en-US"/>
+            </a:p>
+          </p:txBody>
+        </p:sp>
+        <p:sp>
+          <p:nvSpPr>
+            <p:cNvPr id="64" name="이등변 삼각형 63">
+              <a:extLst>
+                <a:ext uri="{FF2B5EF4-FFF2-40B4-BE49-F238E27FC236}">
+                  <a16:creationId xmlns:a16="http://schemas.microsoft.com/office/drawing/2014/main" id="{EC5E8B5B-B644-53E8-4B03-0956270078C7}"/>
+                </a:ext>
+              </a:extLst>
+            </p:cNvPr>
+            <p:cNvSpPr/>
+            <p:nvPr/>
+          </p:nvSpPr>
+          <p:spPr>
+            <a:xfrm rot="5400000">
+              <a:off x="5413942" y="5718823"/>
+              <a:ext cx="180000" cy="144000"/>
+            </a:xfrm>
+            <a:prstGeom prst="triangle">
+              <a:avLst>
+                <a:gd name="adj" fmla="val 49038"/>
+              </a:avLst>
+            </a:prstGeom>
+            <a:solidFill>
+              <a:schemeClr val="bg1"/>
+            </a:solidFill>
+            <a:ln>
+              <a:noFill/>
+            </a:ln>
+          </p:spPr>
+          <p:style>
+            <a:lnRef idx="2">
+              <a:schemeClr val="accent1">
+                <a:shade val="15000"/>
+              </a:schemeClr>
+            </a:lnRef>
+            <a:fillRef idx="1">
+              <a:schemeClr val="accent1"/>
+            </a:fillRef>
+            <a:effectRef idx="0">
+              <a:schemeClr val="accent1"/>
+            </a:effectRef>
+            <a:fontRef idx="minor">
+              <a:schemeClr val="lt1"/>
+            </a:fontRef>
+          </p:style>
+          <p:txBody>
+            <a:bodyPr rtlCol="0" anchor="ctr"/>
+            <a:lstStyle/>
+            <a:p>
+              <a:pPr algn="ctr"/>
+              <a:endParaRPr lang="ko-KR" altLang="en-US"/>
+            </a:p>
+          </p:txBody>
+        </p:sp>
+        <p:sp>
+          <p:nvSpPr>
+            <p:cNvPr id="65" name="이등변 삼각형 64">
+              <a:extLst>
+                <a:ext uri="{FF2B5EF4-FFF2-40B4-BE49-F238E27FC236}">
+                  <a16:creationId xmlns:a16="http://schemas.microsoft.com/office/drawing/2014/main" id="{7638B000-7644-C356-F294-CB3EBBEB33B6}"/>
+                </a:ext>
+              </a:extLst>
+            </p:cNvPr>
+            <p:cNvSpPr/>
+            <p:nvPr/>
+          </p:nvSpPr>
+          <p:spPr>
+            <a:xfrm rot="5400000">
+              <a:off x="5483061" y="5718823"/>
+              <a:ext cx="180000" cy="144000"/>
+            </a:xfrm>
+            <a:prstGeom prst="triangle">
+              <a:avLst>
+                <a:gd name="adj" fmla="val 49038"/>
+              </a:avLst>
+            </a:prstGeom>
+            <a:solidFill>
+              <a:schemeClr val="bg1"/>
+            </a:solidFill>
+            <a:ln>
+              <a:noFill/>
+            </a:ln>
+          </p:spPr>
+          <p:style>
+            <a:lnRef idx="2">
+              <a:schemeClr val="accent1">
+                <a:shade val="15000"/>
+              </a:schemeClr>
+            </a:lnRef>
+            <a:fillRef idx="1">
+              <a:schemeClr val="accent1"/>
+            </a:fillRef>
+            <a:effectRef idx="0">
+              <a:schemeClr val="accent1"/>
+            </a:effectRef>
+            <a:fontRef idx="minor">
+              <a:schemeClr val="lt1"/>
+            </a:fontRef>
+          </p:style>
+          <p:txBody>
+            <a:bodyPr rtlCol="0" anchor="ctr"/>
+            <a:lstStyle/>
+            <a:p>
+              <a:pPr algn="ctr"/>
+              <a:endParaRPr lang="ko-KR" altLang="en-US"/>
+            </a:p>
+          </p:txBody>
+        </p:sp>
+      </p:grpSp>
+      <p:grpSp>
+        <p:nvGrpSpPr>
+          <p:cNvPr id="66" name="그룹 65">
+            <a:extLst>
+              <a:ext uri="{FF2B5EF4-FFF2-40B4-BE49-F238E27FC236}">
+                <a16:creationId xmlns:a16="http://schemas.microsoft.com/office/drawing/2014/main" id="{6F013A2C-BC70-7EEB-ACFA-7795DEBDDBC3}"/>
+              </a:ext>
+            </a:extLst>
+          </p:cNvPr>
+          <p:cNvGrpSpPr/>
+          <p:nvPr/>
+        </p:nvGrpSpPr>
+        <p:grpSpPr>
+          <a:xfrm>
+            <a:off x="5536712" y="6271193"/>
+            <a:ext cx="324000" cy="324000"/>
+            <a:chOff x="6264256" y="5718823"/>
+            <a:chExt cx="324000" cy="324000"/>
+          </a:xfrm>
+        </p:grpSpPr>
+        <p:sp>
+          <p:nvSpPr>
+            <p:cNvPr id="67" name="타원 66">
+              <a:extLst>
+                <a:ext uri="{FF2B5EF4-FFF2-40B4-BE49-F238E27FC236}">
+                  <a16:creationId xmlns:a16="http://schemas.microsoft.com/office/drawing/2014/main" id="{566BF961-3793-8B8C-0C3C-9B3AAF24B2B3}"/>
+                </a:ext>
+              </a:extLst>
+            </p:cNvPr>
+            <p:cNvSpPr/>
+            <p:nvPr/>
+          </p:nvSpPr>
+          <p:spPr>
+            <a:xfrm>
+              <a:off x="6264256" y="5718823"/>
+              <a:ext cx="324000" cy="324000"/>
+            </a:xfrm>
+            <a:prstGeom prst="ellipse">
+              <a:avLst/>
+            </a:prstGeom>
+            <a:gradFill>
+              <a:gsLst>
+                <a:gs pos="0">
+                  <a:schemeClr val="accent1">
+                    <a:lumMod val="5000"/>
+                    <a:lumOff val="95000"/>
+                  </a:schemeClr>
+                </a:gs>
+                <a:gs pos="50000">
+                  <a:srgbClr val="322E8A"/>
+                </a:gs>
+                <a:gs pos="21000">
+                  <a:srgbClr val="3E45F4"/>
+                </a:gs>
+                <a:gs pos="70000">
+                  <a:srgbClr val="3E45F4"/>
+                </a:gs>
+                <a:gs pos="100000">
+                  <a:schemeClr val="bg1"/>
+                </a:gs>
+              </a:gsLst>
+              <a:lin ang="5400000" scaled="1"/>
+            </a:gradFill>
+            <a:ln>
+              <a:noFill/>
+            </a:ln>
+          </p:spPr>
+          <p:style>
+            <a:lnRef idx="2">
+              <a:schemeClr val="accent1">
+                <a:shade val="15000"/>
+              </a:schemeClr>
+            </a:lnRef>
+            <a:fillRef idx="1">
+              <a:schemeClr val="accent1"/>
+            </a:fillRef>
+            <a:effectRef idx="0">
+              <a:schemeClr val="accent1"/>
+            </a:effectRef>
+            <a:fontRef idx="minor">
+              <a:schemeClr val="lt1"/>
+            </a:fontRef>
+          </p:style>
+          <p:txBody>
+            <a:bodyPr rtlCol="0" anchor="ctr"/>
+            <a:lstStyle/>
+            <a:p>
+              <a:pPr algn="ctr"/>
+              <a:endParaRPr lang="ko-KR" altLang="en-US"/>
+            </a:p>
+          </p:txBody>
+        </p:sp>
+        <p:sp>
+          <p:nvSpPr>
+            <p:cNvPr id="68" name="이등변 삼각형 67">
+              <a:extLst>
+                <a:ext uri="{FF2B5EF4-FFF2-40B4-BE49-F238E27FC236}">
+                  <a16:creationId xmlns:a16="http://schemas.microsoft.com/office/drawing/2014/main" id="{5FB6B236-C124-1BB6-9072-ACFE34F62A4E}"/>
+                </a:ext>
+              </a:extLst>
+            </p:cNvPr>
+            <p:cNvSpPr/>
+            <p:nvPr/>
+          </p:nvSpPr>
+          <p:spPr>
+            <a:xfrm rot="16200000">
+              <a:off x="6282622" y="5808823"/>
+              <a:ext cx="180000" cy="144000"/>
+            </a:xfrm>
+            <a:prstGeom prst="triangle">
+              <a:avLst>
+                <a:gd name="adj" fmla="val 49038"/>
+              </a:avLst>
+            </a:prstGeom>
+            <a:solidFill>
+              <a:schemeClr val="bg1"/>
+            </a:solidFill>
+            <a:ln>
+              <a:noFill/>
+            </a:ln>
+          </p:spPr>
+          <p:style>
+            <a:lnRef idx="2">
+              <a:schemeClr val="accent1">
+                <a:shade val="15000"/>
+              </a:schemeClr>
+            </a:lnRef>
+            <a:fillRef idx="1">
+              <a:schemeClr val="accent1"/>
+            </a:fillRef>
+            <a:effectRef idx="0">
+              <a:schemeClr val="accent1"/>
+            </a:effectRef>
+            <a:fontRef idx="minor">
+              <a:schemeClr val="lt1"/>
+            </a:fontRef>
+          </p:style>
+          <p:txBody>
+            <a:bodyPr rtlCol="0" anchor="ctr"/>
+            <a:lstStyle/>
+            <a:p>
+              <a:pPr algn="ctr"/>
+              <a:endParaRPr lang="ko-KR" altLang="en-US"/>
+            </a:p>
+          </p:txBody>
+        </p:sp>
+        <p:sp>
+          <p:nvSpPr>
+            <p:cNvPr id="69" name="이등변 삼각형 68">
+              <a:extLst>
+                <a:ext uri="{FF2B5EF4-FFF2-40B4-BE49-F238E27FC236}">
+                  <a16:creationId xmlns:a16="http://schemas.microsoft.com/office/drawing/2014/main" id="{A0D32EA1-2FAD-7C8C-E40B-ADFDD147E9A9}"/>
+                </a:ext>
+              </a:extLst>
+            </p:cNvPr>
+            <p:cNvSpPr/>
+            <p:nvPr/>
+          </p:nvSpPr>
+          <p:spPr>
+            <a:xfrm rot="16200000">
+              <a:off x="6351741" y="5808823"/>
+              <a:ext cx="180000" cy="144000"/>
+            </a:xfrm>
+            <a:prstGeom prst="triangle">
+              <a:avLst>
+                <a:gd name="adj" fmla="val 49038"/>
+              </a:avLst>
+            </a:prstGeom>
+            <a:solidFill>
+              <a:schemeClr val="bg1"/>
+            </a:solidFill>
+            <a:ln>
+              <a:noFill/>
+            </a:ln>
+          </p:spPr>
+          <p:style>
+            <a:lnRef idx="2">
+              <a:schemeClr val="accent1">
+                <a:shade val="15000"/>
+              </a:schemeClr>
+            </a:lnRef>
+            <a:fillRef idx="1">
+              <a:schemeClr val="accent1"/>
+            </a:fillRef>
+            <a:effectRef idx="0">
+              <a:schemeClr val="accent1"/>
+            </a:effectRef>
+            <a:fontRef idx="minor">
+              <a:schemeClr val="lt1"/>
+            </a:fontRef>
+          </p:style>
+          <p:txBody>
+            <a:bodyPr rtlCol="0" anchor="ctr"/>
+            <a:lstStyle/>
+            <a:p>
+              <a:pPr algn="ctr"/>
+              <a:endParaRPr lang="ko-KR" altLang="en-US"/>
+            </a:p>
+          </p:txBody>
+        </p:sp>
+      </p:grpSp>
     </p:spTree>
     <p:extLst>
       <p:ext uri="{BB962C8B-B14F-4D97-AF65-F5344CB8AC3E}">
         <p14:creationId xmlns:p14="http://schemas.microsoft.com/office/powerpoint/2010/main" val="1745778352"/>
+      </p:ext>
+    </p:extLst>
+  </p:cSld>
+  <p:clrMapOvr>
+    <a:masterClrMapping/>
+  </p:clrMapOvr>
+</p:sld>
+</file>
+
+<file path=ppt/slides/slide4.xml><?xml version="1.0" encoding="utf-8"?>
+<p:sld xmlns:a="http://schemas.openxmlformats.org/drawingml/2006/main" xmlns:r="http://schemas.openxmlformats.org/officeDocument/2006/relationships" xmlns:p="http://schemas.openxmlformats.org/presentationml/2006/main">
+  <p:cSld>
+    <p:spTree>
+      <p:nvGrpSpPr>
+        <p:cNvPr id="1" name=""/>
+        <p:cNvGrpSpPr/>
+        <p:nvPr/>
+      </p:nvGrpSpPr>
+      <p:grpSpPr>
+        <a:xfrm>
+          <a:off x="0" y="0"/>
+          <a:ext cx="0" cy="0"/>
+          <a:chOff x="0" y="0"/>
+          <a:chExt cx="0" cy="0"/>
+        </a:xfrm>
+      </p:grpSpPr>
+      <p:grpSp>
+        <p:nvGrpSpPr>
+          <p:cNvPr id="4" name="그룹 3">
+            <a:extLst>
+              <a:ext uri="{FF2B5EF4-FFF2-40B4-BE49-F238E27FC236}">
+                <a16:creationId xmlns:a16="http://schemas.microsoft.com/office/drawing/2014/main" id="{AF064688-2B49-3937-8FE4-A6E74C0CA795}"/>
+              </a:ext>
+            </a:extLst>
+          </p:cNvPr>
+          <p:cNvGrpSpPr/>
+          <p:nvPr/>
+        </p:nvGrpSpPr>
+        <p:grpSpPr>
+          <a:xfrm>
+            <a:off x="4470691" y="4670358"/>
+            <a:ext cx="324000" cy="324000"/>
+            <a:chOff x="5240311" y="5203758"/>
+            <a:chExt cx="324000" cy="324000"/>
+          </a:xfrm>
+        </p:grpSpPr>
+        <p:sp>
+          <p:nvSpPr>
+            <p:cNvPr id="63" name="타원 62">
+              <a:extLst>
+                <a:ext uri="{FF2B5EF4-FFF2-40B4-BE49-F238E27FC236}">
+                  <a16:creationId xmlns:a16="http://schemas.microsoft.com/office/drawing/2014/main" id="{FFAEE7FB-B54B-C0F7-3860-8B7680C131C1}"/>
+                </a:ext>
+              </a:extLst>
+            </p:cNvPr>
+            <p:cNvSpPr/>
+            <p:nvPr/>
+          </p:nvSpPr>
+          <p:spPr>
+            <a:xfrm>
+              <a:off x="5240311" y="5203758"/>
+              <a:ext cx="324000" cy="324000"/>
+            </a:xfrm>
+            <a:prstGeom prst="ellipse">
+              <a:avLst/>
+            </a:prstGeom>
+            <a:gradFill>
+              <a:gsLst>
+                <a:gs pos="0">
+                  <a:schemeClr val="accent1">
+                    <a:lumMod val="5000"/>
+                    <a:lumOff val="95000"/>
+                  </a:schemeClr>
+                </a:gs>
+                <a:gs pos="50000">
+                  <a:srgbClr val="322E8A"/>
+                </a:gs>
+                <a:gs pos="21000">
+                  <a:srgbClr val="3E45F4"/>
+                </a:gs>
+                <a:gs pos="70000">
+                  <a:srgbClr val="3E45F4"/>
+                </a:gs>
+                <a:gs pos="100000">
+                  <a:schemeClr val="bg1"/>
+                </a:gs>
+              </a:gsLst>
+              <a:lin ang="5400000" scaled="1"/>
+            </a:gradFill>
+            <a:ln>
+              <a:noFill/>
+            </a:ln>
+          </p:spPr>
+          <p:style>
+            <a:lnRef idx="2">
+              <a:schemeClr val="accent1">
+                <a:shade val="15000"/>
+              </a:schemeClr>
+            </a:lnRef>
+            <a:fillRef idx="1">
+              <a:schemeClr val="accent1"/>
+            </a:fillRef>
+            <a:effectRef idx="0">
+              <a:schemeClr val="accent1"/>
+            </a:effectRef>
+            <a:fontRef idx="minor">
+              <a:schemeClr val="lt1"/>
+            </a:fontRef>
+          </p:style>
+          <p:txBody>
+            <a:bodyPr rtlCol="0" anchor="ctr"/>
+            <a:lstStyle/>
+            <a:p>
+              <a:pPr algn="ctr"/>
+              <a:endParaRPr lang="ko-KR" altLang="en-US"/>
+            </a:p>
+          </p:txBody>
+        </p:sp>
+        <p:sp>
+          <p:nvSpPr>
+            <p:cNvPr id="67" name="이등변 삼각형 66">
+              <a:extLst>
+                <a:ext uri="{FF2B5EF4-FFF2-40B4-BE49-F238E27FC236}">
+                  <a16:creationId xmlns:a16="http://schemas.microsoft.com/office/drawing/2014/main" id="{1DAB29B1-3CB1-C42E-A5BB-4A135475325F}"/>
+                </a:ext>
+              </a:extLst>
+            </p:cNvPr>
+            <p:cNvSpPr/>
+            <p:nvPr/>
+          </p:nvSpPr>
+          <p:spPr>
+            <a:xfrm rot="5400000">
+              <a:off x="5322645" y="5281736"/>
+              <a:ext cx="193623" cy="168044"/>
+            </a:xfrm>
+            <a:prstGeom prst="triangle">
+              <a:avLst>
+                <a:gd name="adj" fmla="val 49038"/>
+              </a:avLst>
+            </a:prstGeom>
+            <a:solidFill>
+              <a:schemeClr val="bg1"/>
+            </a:solidFill>
+            <a:ln>
+              <a:noFill/>
+            </a:ln>
+          </p:spPr>
+          <p:style>
+            <a:lnRef idx="2">
+              <a:schemeClr val="accent1">
+                <a:shade val="15000"/>
+              </a:schemeClr>
+            </a:lnRef>
+            <a:fillRef idx="1">
+              <a:schemeClr val="accent1"/>
+            </a:fillRef>
+            <a:effectRef idx="0">
+              <a:schemeClr val="accent1"/>
+            </a:effectRef>
+            <a:fontRef idx="minor">
+              <a:schemeClr val="lt1"/>
+            </a:fontRef>
+          </p:style>
+          <p:txBody>
+            <a:bodyPr rtlCol="0" anchor="ctr"/>
+            <a:lstStyle/>
+            <a:p>
+              <a:pPr algn="ctr"/>
+              <a:endParaRPr lang="ko-KR" altLang="en-US"/>
+            </a:p>
+          </p:txBody>
+        </p:sp>
+      </p:grpSp>
+      <p:sp>
+        <p:nvSpPr>
+          <p:cNvPr id="5" name="타원 4">
+            <a:extLst>
+              <a:ext uri="{FF2B5EF4-FFF2-40B4-BE49-F238E27FC236}">
+                <a16:creationId xmlns:a16="http://schemas.microsoft.com/office/drawing/2014/main" id="{A5B59396-17DF-0980-EEAB-CAE7FC8966D3}"/>
+              </a:ext>
+            </a:extLst>
+          </p:cNvPr>
+          <p:cNvSpPr/>
+          <p:nvPr/>
+        </p:nvSpPr>
+        <p:spPr>
+          <a:xfrm>
+            <a:off x="6871066" y="3655243"/>
+            <a:ext cx="324000" cy="324000"/>
+          </a:xfrm>
+          <a:prstGeom prst="ellipse">
+            <a:avLst/>
+          </a:prstGeom>
+          <a:gradFill>
+            <a:gsLst>
+              <a:gs pos="0">
+                <a:schemeClr val="accent1">
+                  <a:lumMod val="5000"/>
+                  <a:lumOff val="95000"/>
+                </a:schemeClr>
+              </a:gs>
+              <a:gs pos="50000">
+                <a:srgbClr val="322E8A"/>
+              </a:gs>
+              <a:gs pos="21000">
+                <a:srgbClr val="3E45F4"/>
+              </a:gs>
+              <a:gs pos="70000">
+                <a:srgbClr val="3E45F4"/>
+              </a:gs>
+              <a:gs pos="100000">
+                <a:schemeClr val="bg1"/>
+              </a:gs>
+            </a:gsLst>
+            <a:lin ang="5400000" scaled="1"/>
+          </a:gradFill>
+          <a:ln>
+            <a:noFill/>
+          </a:ln>
+        </p:spPr>
+        <p:style>
+          <a:lnRef idx="2">
+            <a:schemeClr val="accent1">
+              <a:shade val="15000"/>
+            </a:schemeClr>
+          </a:lnRef>
+          <a:fillRef idx="1">
+            <a:schemeClr val="accent1"/>
+          </a:fillRef>
+          <a:effectRef idx="0">
+            <a:schemeClr val="accent1"/>
+          </a:effectRef>
+          <a:fontRef idx="minor">
+            <a:schemeClr val="lt1"/>
+          </a:fontRef>
+        </p:style>
+        <p:txBody>
+          <a:bodyPr rtlCol="0" anchor="ctr"/>
+          <a:lstStyle/>
+          <a:p>
+            <a:pPr algn="ctr"/>
+            <a:endParaRPr lang="ko-KR" altLang="en-US"/>
+          </a:p>
+        </p:txBody>
+      </p:sp>
+      <p:grpSp>
+        <p:nvGrpSpPr>
+          <p:cNvPr id="8" name="그룹 7">
+            <a:extLst>
+              <a:ext uri="{FF2B5EF4-FFF2-40B4-BE49-F238E27FC236}">
+                <a16:creationId xmlns:a16="http://schemas.microsoft.com/office/drawing/2014/main" id="{5F6BAE34-F69D-4856-36DE-A9D65901F445}"/>
+              </a:ext>
+            </a:extLst>
+          </p:cNvPr>
+          <p:cNvGrpSpPr/>
+          <p:nvPr/>
+        </p:nvGrpSpPr>
+        <p:grpSpPr>
+          <a:xfrm>
+            <a:off x="5354936" y="5628823"/>
+            <a:ext cx="324000" cy="324000"/>
+            <a:chOff x="5354936" y="5628823"/>
+            <a:chExt cx="324000" cy="324000"/>
+          </a:xfrm>
+        </p:grpSpPr>
+        <p:sp>
+          <p:nvSpPr>
+            <p:cNvPr id="66" name="타원 65">
+              <a:extLst>
+                <a:ext uri="{FF2B5EF4-FFF2-40B4-BE49-F238E27FC236}">
+                  <a16:creationId xmlns:a16="http://schemas.microsoft.com/office/drawing/2014/main" id="{C2021B7E-8D96-212F-B2E5-AF10240861A5}"/>
+                </a:ext>
+              </a:extLst>
+            </p:cNvPr>
+            <p:cNvSpPr/>
+            <p:nvPr/>
+          </p:nvSpPr>
+          <p:spPr>
+            <a:xfrm>
+              <a:off x="5354936" y="5628823"/>
+              <a:ext cx="324000" cy="324000"/>
+            </a:xfrm>
+            <a:prstGeom prst="ellipse">
+              <a:avLst/>
+            </a:prstGeom>
+            <a:gradFill>
+              <a:gsLst>
+                <a:gs pos="0">
+                  <a:schemeClr val="accent1">
+                    <a:lumMod val="5000"/>
+                    <a:lumOff val="95000"/>
+                  </a:schemeClr>
+                </a:gs>
+                <a:gs pos="50000">
+                  <a:srgbClr val="322E8A"/>
+                </a:gs>
+                <a:gs pos="21000">
+                  <a:srgbClr val="3E45F4"/>
+                </a:gs>
+                <a:gs pos="70000">
+                  <a:srgbClr val="3E45F4"/>
+                </a:gs>
+                <a:gs pos="100000">
+                  <a:schemeClr val="bg1"/>
+                </a:gs>
+              </a:gsLst>
+              <a:lin ang="5400000" scaled="1"/>
+            </a:gradFill>
+            <a:ln>
+              <a:noFill/>
+            </a:ln>
+          </p:spPr>
+          <p:style>
+            <a:lnRef idx="2">
+              <a:schemeClr val="accent1">
+                <a:shade val="15000"/>
+              </a:schemeClr>
+            </a:lnRef>
+            <a:fillRef idx="1">
+              <a:schemeClr val="accent1"/>
+            </a:fillRef>
+            <a:effectRef idx="0">
+              <a:schemeClr val="accent1"/>
+            </a:effectRef>
+            <a:fontRef idx="minor">
+              <a:schemeClr val="lt1"/>
+            </a:fontRef>
+          </p:style>
+          <p:txBody>
+            <a:bodyPr rtlCol="0" anchor="ctr"/>
+            <a:lstStyle/>
+            <a:p>
+              <a:pPr algn="ctr"/>
+              <a:endParaRPr lang="ko-KR" altLang="en-US"/>
+            </a:p>
+          </p:txBody>
+        </p:sp>
+        <p:sp>
+          <p:nvSpPr>
+            <p:cNvPr id="6" name="이등변 삼각형 5">
+              <a:extLst>
+                <a:ext uri="{FF2B5EF4-FFF2-40B4-BE49-F238E27FC236}">
+                  <a16:creationId xmlns:a16="http://schemas.microsoft.com/office/drawing/2014/main" id="{04E11BAB-B1F8-3520-4A0F-5A2022EA2478}"/>
+                </a:ext>
+              </a:extLst>
+            </p:cNvPr>
+            <p:cNvSpPr/>
+            <p:nvPr/>
+          </p:nvSpPr>
+          <p:spPr>
+            <a:xfrm rot="5400000">
+              <a:off x="5413942" y="5718823"/>
+              <a:ext cx="180000" cy="144000"/>
+            </a:xfrm>
+            <a:prstGeom prst="triangle">
+              <a:avLst>
+                <a:gd name="adj" fmla="val 49038"/>
+              </a:avLst>
+            </a:prstGeom>
+            <a:solidFill>
+              <a:schemeClr val="bg1"/>
+            </a:solidFill>
+            <a:ln>
+              <a:noFill/>
+            </a:ln>
+          </p:spPr>
+          <p:style>
+            <a:lnRef idx="2">
+              <a:schemeClr val="accent1">
+                <a:shade val="15000"/>
+              </a:schemeClr>
+            </a:lnRef>
+            <a:fillRef idx="1">
+              <a:schemeClr val="accent1"/>
+            </a:fillRef>
+            <a:effectRef idx="0">
+              <a:schemeClr val="accent1"/>
+            </a:effectRef>
+            <a:fontRef idx="minor">
+              <a:schemeClr val="lt1"/>
+            </a:fontRef>
+          </p:style>
+          <p:txBody>
+            <a:bodyPr rtlCol="0" anchor="ctr"/>
+            <a:lstStyle/>
+            <a:p>
+              <a:pPr algn="ctr"/>
+              <a:endParaRPr lang="ko-KR" altLang="en-US"/>
+            </a:p>
+          </p:txBody>
+        </p:sp>
+        <p:sp>
+          <p:nvSpPr>
+            <p:cNvPr id="7" name="이등변 삼각형 6">
+              <a:extLst>
+                <a:ext uri="{FF2B5EF4-FFF2-40B4-BE49-F238E27FC236}">
+                  <a16:creationId xmlns:a16="http://schemas.microsoft.com/office/drawing/2014/main" id="{C3BE9DD0-B31E-7657-281F-A00945565B97}"/>
+                </a:ext>
+              </a:extLst>
+            </p:cNvPr>
+            <p:cNvSpPr/>
+            <p:nvPr/>
+          </p:nvSpPr>
+          <p:spPr>
+            <a:xfrm rot="5400000">
+              <a:off x="5483061" y="5718823"/>
+              <a:ext cx="180000" cy="144000"/>
+            </a:xfrm>
+            <a:prstGeom prst="triangle">
+              <a:avLst>
+                <a:gd name="adj" fmla="val 49038"/>
+              </a:avLst>
+            </a:prstGeom>
+            <a:solidFill>
+              <a:schemeClr val="bg1"/>
+            </a:solidFill>
+            <a:ln>
+              <a:noFill/>
+            </a:ln>
+          </p:spPr>
+          <p:style>
+            <a:lnRef idx="2">
+              <a:schemeClr val="accent1">
+                <a:shade val="15000"/>
+              </a:schemeClr>
+            </a:lnRef>
+            <a:fillRef idx="1">
+              <a:schemeClr val="accent1"/>
+            </a:fillRef>
+            <a:effectRef idx="0">
+              <a:schemeClr val="accent1"/>
+            </a:effectRef>
+            <a:fontRef idx="minor">
+              <a:schemeClr val="lt1"/>
+            </a:fontRef>
+          </p:style>
+          <p:txBody>
+            <a:bodyPr rtlCol="0" anchor="ctr"/>
+            <a:lstStyle/>
+            <a:p>
+              <a:pPr algn="ctr"/>
+              <a:endParaRPr lang="ko-KR" altLang="en-US"/>
+            </a:p>
+          </p:txBody>
+        </p:sp>
+      </p:grpSp>
+      <p:grpSp>
+        <p:nvGrpSpPr>
+          <p:cNvPr id="13" name="그룹 12">
+            <a:extLst>
+              <a:ext uri="{FF2B5EF4-FFF2-40B4-BE49-F238E27FC236}">
+                <a16:creationId xmlns:a16="http://schemas.microsoft.com/office/drawing/2014/main" id="{790E3E11-864B-565F-A5D0-8732C62933E3}"/>
+              </a:ext>
+            </a:extLst>
+          </p:cNvPr>
+          <p:cNvGrpSpPr/>
+          <p:nvPr/>
+        </p:nvGrpSpPr>
+        <p:grpSpPr>
+          <a:xfrm>
+            <a:off x="6264256" y="5718823"/>
+            <a:ext cx="324000" cy="324000"/>
+            <a:chOff x="6264256" y="5718823"/>
+            <a:chExt cx="324000" cy="324000"/>
+          </a:xfrm>
+        </p:grpSpPr>
+        <p:sp>
+          <p:nvSpPr>
+            <p:cNvPr id="10" name="타원 9">
+              <a:extLst>
+                <a:ext uri="{FF2B5EF4-FFF2-40B4-BE49-F238E27FC236}">
+                  <a16:creationId xmlns:a16="http://schemas.microsoft.com/office/drawing/2014/main" id="{9010FBED-F40A-9AF4-6D67-371FA3976531}"/>
+                </a:ext>
+              </a:extLst>
+            </p:cNvPr>
+            <p:cNvSpPr/>
+            <p:nvPr/>
+          </p:nvSpPr>
+          <p:spPr>
+            <a:xfrm>
+              <a:off x="6264256" y="5718823"/>
+              <a:ext cx="324000" cy="324000"/>
+            </a:xfrm>
+            <a:prstGeom prst="ellipse">
+              <a:avLst/>
+            </a:prstGeom>
+            <a:gradFill>
+              <a:gsLst>
+                <a:gs pos="0">
+                  <a:schemeClr val="accent1">
+                    <a:lumMod val="5000"/>
+                    <a:lumOff val="95000"/>
+                  </a:schemeClr>
+                </a:gs>
+                <a:gs pos="50000">
+                  <a:srgbClr val="322E8A"/>
+                </a:gs>
+                <a:gs pos="21000">
+                  <a:srgbClr val="3E45F4"/>
+                </a:gs>
+                <a:gs pos="70000">
+                  <a:srgbClr val="3E45F4"/>
+                </a:gs>
+                <a:gs pos="100000">
+                  <a:schemeClr val="bg1"/>
+                </a:gs>
+              </a:gsLst>
+              <a:lin ang="5400000" scaled="1"/>
+            </a:gradFill>
+            <a:ln>
+              <a:noFill/>
+            </a:ln>
+          </p:spPr>
+          <p:style>
+            <a:lnRef idx="2">
+              <a:schemeClr val="accent1">
+                <a:shade val="15000"/>
+              </a:schemeClr>
+            </a:lnRef>
+            <a:fillRef idx="1">
+              <a:schemeClr val="accent1"/>
+            </a:fillRef>
+            <a:effectRef idx="0">
+              <a:schemeClr val="accent1"/>
+            </a:effectRef>
+            <a:fontRef idx="minor">
+              <a:schemeClr val="lt1"/>
+            </a:fontRef>
+          </p:style>
+          <p:txBody>
+            <a:bodyPr rtlCol="0" anchor="ctr"/>
+            <a:lstStyle/>
+            <a:p>
+              <a:pPr algn="ctr"/>
+              <a:endParaRPr lang="ko-KR" altLang="en-US"/>
+            </a:p>
+          </p:txBody>
+        </p:sp>
+        <p:sp>
+          <p:nvSpPr>
+            <p:cNvPr id="11" name="이등변 삼각형 10">
+              <a:extLst>
+                <a:ext uri="{FF2B5EF4-FFF2-40B4-BE49-F238E27FC236}">
+                  <a16:creationId xmlns:a16="http://schemas.microsoft.com/office/drawing/2014/main" id="{094C5F00-B9D7-4A29-6958-1F6071D2082B}"/>
+                </a:ext>
+              </a:extLst>
+            </p:cNvPr>
+            <p:cNvSpPr/>
+            <p:nvPr/>
+          </p:nvSpPr>
+          <p:spPr>
+            <a:xfrm rot="16200000">
+              <a:off x="6282622" y="5808823"/>
+              <a:ext cx="180000" cy="144000"/>
+            </a:xfrm>
+            <a:prstGeom prst="triangle">
+              <a:avLst>
+                <a:gd name="adj" fmla="val 49038"/>
+              </a:avLst>
+            </a:prstGeom>
+            <a:solidFill>
+              <a:schemeClr val="bg1"/>
+            </a:solidFill>
+            <a:ln>
+              <a:noFill/>
+            </a:ln>
+          </p:spPr>
+          <p:style>
+            <a:lnRef idx="2">
+              <a:schemeClr val="accent1">
+                <a:shade val="15000"/>
+              </a:schemeClr>
+            </a:lnRef>
+            <a:fillRef idx="1">
+              <a:schemeClr val="accent1"/>
+            </a:fillRef>
+            <a:effectRef idx="0">
+              <a:schemeClr val="accent1"/>
+            </a:effectRef>
+            <a:fontRef idx="minor">
+              <a:schemeClr val="lt1"/>
+            </a:fontRef>
+          </p:style>
+          <p:txBody>
+            <a:bodyPr rtlCol="0" anchor="ctr"/>
+            <a:lstStyle/>
+            <a:p>
+              <a:pPr algn="ctr"/>
+              <a:endParaRPr lang="ko-KR" altLang="en-US"/>
+            </a:p>
+          </p:txBody>
+        </p:sp>
+        <p:sp>
+          <p:nvSpPr>
+            <p:cNvPr id="12" name="이등변 삼각형 11">
+              <a:extLst>
+                <a:ext uri="{FF2B5EF4-FFF2-40B4-BE49-F238E27FC236}">
+                  <a16:creationId xmlns:a16="http://schemas.microsoft.com/office/drawing/2014/main" id="{B104763A-FD3A-274E-7249-EFBB53B9B355}"/>
+                </a:ext>
+              </a:extLst>
+            </p:cNvPr>
+            <p:cNvSpPr/>
+            <p:nvPr/>
+          </p:nvSpPr>
+          <p:spPr>
+            <a:xfrm rot="16200000">
+              <a:off x="6351741" y="5808823"/>
+              <a:ext cx="180000" cy="144000"/>
+            </a:xfrm>
+            <a:prstGeom prst="triangle">
+              <a:avLst>
+                <a:gd name="adj" fmla="val 49038"/>
+              </a:avLst>
+            </a:prstGeom>
+            <a:solidFill>
+              <a:schemeClr val="bg1"/>
+            </a:solidFill>
+            <a:ln>
+              <a:noFill/>
+            </a:ln>
+          </p:spPr>
+          <p:style>
+            <a:lnRef idx="2">
+              <a:schemeClr val="accent1">
+                <a:shade val="15000"/>
+              </a:schemeClr>
+            </a:lnRef>
+            <a:fillRef idx="1">
+              <a:schemeClr val="accent1"/>
+            </a:fillRef>
+            <a:effectRef idx="0">
+              <a:schemeClr val="accent1"/>
+            </a:effectRef>
+            <a:fontRef idx="minor">
+              <a:schemeClr val="lt1"/>
+            </a:fontRef>
+          </p:style>
+          <p:txBody>
+            <a:bodyPr rtlCol="0" anchor="ctr"/>
+            <a:lstStyle/>
+            <a:p>
+              <a:pPr algn="ctr"/>
+              <a:endParaRPr lang="ko-KR" altLang="en-US"/>
+            </a:p>
+          </p:txBody>
+        </p:sp>
+      </p:grpSp>
+    </p:spTree>
+    <p:extLst>
+      <p:ext uri="{BB962C8B-B14F-4D97-AF65-F5344CB8AC3E}">
+        <p14:creationId xmlns:p14="http://schemas.microsoft.com/office/powerpoint/2010/main" val="976390516"/>
       </p:ext>
     </p:extLst>
   </p:cSld>

--- a/프레젠테이션1.pptx
+++ b/프레젠테이션1.pptx
@@ -262,7 +262,7 @@
           <a:p>
             <a:fld id="{70C90204-D5CC-447F-9E5C-0AEC58959EFD}" type="datetimeFigureOut">
               <a:rPr lang="ko-KR" altLang="en-US" smtClean="0"/>
-              <a:t>2024-03-30</a:t>
+              <a:t>2024-03-31</a:t>
             </a:fld>
             <a:endParaRPr lang="ko-KR" altLang="en-US"/>
           </a:p>
@@ -460,7 +460,7 @@
           <a:p>
             <a:fld id="{70C90204-D5CC-447F-9E5C-0AEC58959EFD}" type="datetimeFigureOut">
               <a:rPr lang="ko-KR" altLang="en-US" smtClean="0"/>
-              <a:t>2024-03-30</a:t>
+              <a:t>2024-03-31</a:t>
             </a:fld>
             <a:endParaRPr lang="ko-KR" altLang="en-US"/>
           </a:p>
@@ -668,7 +668,7 @@
           <a:p>
             <a:fld id="{70C90204-D5CC-447F-9E5C-0AEC58959EFD}" type="datetimeFigureOut">
               <a:rPr lang="ko-KR" altLang="en-US" smtClean="0"/>
-              <a:t>2024-03-30</a:t>
+              <a:t>2024-03-31</a:t>
             </a:fld>
             <a:endParaRPr lang="ko-KR" altLang="en-US"/>
           </a:p>
@@ -866,7 +866,7 @@
           <a:p>
             <a:fld id="{70C90204-D5CC-447F-9E5C-0AEC58959EFD}" type="datetimeFigureOut">
               <a:rPr lang="ko-KR" altLang="en-US" smtClean="0"/>
-              <a:t>2024-03-30</a:t>
+              <a:t>2024-03-31</a:t>
             </a:fld>
             <a:endParaRPr lang="ko-KR" altLang="en-US"/>
           </a:p>
@@ -1141,7 +1141,7 @@
           <a:p>
             <a:fld id="{70C90204-D5CC-447F-9E5C-0AEC58959EFD}" type="datetimeFigureOut">
               <a:rPr lang="ko-KR" altLang="en-US" smtClean="0"/>
-              <a:t>2024-03-30</a:t>
+              <a:t>2024-03-31</a:t>
             </a:fld>
             <a:endParaRPr lang="ko-KR" altLang="en-US"/>
           </a:p>
@@ -1406,7 +1406,7 @@
           <a:p>
             <a:fld id="{70C90204-D5CC-447F-9E5C-0AEC58959EFD}" type="datetimeFigureOut">
               <a:rPr lang="ko-KR" altLang="en-US" smtClean="0"/>
-              <a:t>2024-03-30</a:t>
+              <a:t>2024-03-31</a:t>
             </a:fld>
             <a:endParaRPr lang="ko-KR" altLang="en-US"/>
           </a:p>
@@ -1818,7 +1818,7 @@
           <a:p>
             <a:fld id="{70C90204-D5CC-447F-9E5C-0AEC58959EFD}" type="datetimeFigureOut">
               <a:rPr lang="ko-KR" altLang="en-US" smtClean="0"/>
-              <a:t>2024-03-30</a:t>
+              <a:t>2024-03-31</a:t>
             </a:fld>
             <a:endParaRPr lang="ko-KR" altLang="en-US"/>
           </a:p>
@@ -1959,7 +1959,7 @@
           <a:p>
             <a:fld id="{70C90204-D5CC-447F-9E5C-0AEC58959EFD}" type="datetimeFigureOut">
               <a:rPr lang="ko-KR" altLang="en-US" smtClean="0"/>
-              <a:t>2024-03-30</a:t>
+              <a:t>2024-03-31</a:t>
             </a:fld>
             <a:endParaRPr lang="ko-KR" altLang="en-US"/>
           </a:p>
@@ -2072,7 +2072,7 @@
           <a:p>
             <a:fld id="{70C90204-D5CC-447F-9E5C-0AEC58959EFD}" type="datetimeFigureOut">
               <a:rPr lang="ko-KR" altLang="en-US" smtClean="0"/>
-              <a:t>2024-03-30</a:t>
+              <a:t>2024-03-31</a:t>
             </a:fld>
             <a:endParaRPr lang="ko-KR" altLang="en-US"/>
           </a:p>
@@ -2383,7 +2383,7 @@
           <a:p>
             <a:fld id="{70C90204-D5CC-447F-9E5C-0AEC58959EFD}" type="datetimeFigureOut">
               <a:rPr lang="ko-KR" altLang="en-US" smtClean="0"/>
-              <a:t>2024-03-30</a:t>
+              <a:t>2024-03-31</a:t>
             </a:fld>
             <a:endParaRPr lang="ko-KR" altLang="en-US"/>
           </a:p>
@@ -2671,7 +2671,7 @@
           <a:p>
             <a:fld id="{70C90204-D5CC-447F-9E5C-0AEC58959EFD}" type="datetimeFigureOut">
               <a:rPr lang="ko-KR" altLang="en-US" smtClean="0"/>
-              <a:t>2024-03-30</a:t>
+              <a:t>2024-03-31</a:t>
             </a:fld>
             <a:endParaRPr lang="ko-KR" altLang="en-US"/>
           </a:p>
@@ -2912,7 +2912,7 @@
           <a:p>
             <a:fld id="{70C90204-D5CC-447F-9E5C-0AEC58959EFD}" type="datetimeFigureOut">
               <a:rPr lang="ko-KR" altLang="en-US" smtClean="0"/>
-              <a:t>2024-03-30</a:t>
+              <a:t>2024-03-31</a:t>
             </a:fld>
             <a:endParaRPr lang="ko-KR" altLang="en-US"/>
           </a:p>
@@ -8484,78 +8484,6 @@
           </p:txBody>
         </p:sp>
       </p:grpSp>
-      <p:sp>
-        <p:nvSpPr>
-          <p:cNvPr id="5" name="타원 4">
-            <a:extLst>
-              <a:ext uri="{FF2B5EF4-FFF2-40B4-BE49-F238E27FC236}">
-                <a16:creationId xmlns:a16="http://schemas.microsoft.com/office/drawing/2014/main" id="{A5B59396-17DF-0980-EEAB-CAE7FC8966D3}"/>
-              </a:ext>
-            </a:extLst>
-          </p:cNvPr>
-          <p:cNvSpPr/>
-          <p:nvPr/>
-        </p:nvSpPr>
-        <p:spPr>
-          <a:xfrm>
-            <a:off x="6871066" y="3655243"/>
-            <a:ext cx="324000" cy="324000"/>
-          </a:xfrm>
-          <a:prstGeom prst="ellipse">
-            <a:avLst/>
-          </a:prstGeom>
-          <a:gradFill>
-            <a:gsLst>
-              <a:gs pos="0">
-                <a:schemeClr val="accent1">
-                  <a:lumMod val="5000"/>
-                  <a:lumOff val="95000"/>
-                </a:schemeClr>
-              </a:gs>
-              <a:gs pos="50000">
-                <a:srgbClr val="322E8A"/>
-              </a:gs>
-              <a:gs pos="21000">
-                <a:srgbClr val="3E45F4"/>
-              </a:gs>
-              <a:gs pos="70000">
-                <a:srgbClr val="3E45F4"/>
-              </a:gs>
-              <a:gs pos="100000">
-                <a:schemeClr val="bg1"/>
-              </a:gs>
-            </a:gsLst>
-            <a:lin ang="5400000" scaled="1"/>
-          </a:gradFill>
-          <a:ln>
-            <a:noFill/>
-          </a:ln>
-        </p:spPr>
-        <p:style>
-          <a:lnRef idx="2">
-            <a:schemeClr val="accent1">
-              <a:shade val="15000"/>
-            </a:schemeClr>
-          </a:lnRef>
-          <a:fillRef idx="1">
-            <a:schemeClr val="accent1"/>
-          </a:fillRef>
-          <a:effectRef idx="0">
-            <a:schemeClr val="accent1"/>
-          </a:effectRef>
-          <a:fontRef idx="minor">
-            <a:schemeClr val="lt1"/>
-          </a:fontRef>
-        </p:style>
-        <p:txBody>
-          <a:bodyPr rtlCol="0" anchor="ctr"/>
-          <a:lstStyle/>
-          <a:p>
-            <a:pPr algn="ctr"/>
-            <a:endParaRPr lang="ko-KR" altLang="en-US"/>
-          </a:p>
-        </p:txBody>
-      </p:sp>
       <p:grpSp>
         <p:nvGrpSpPr>
           <p:cNvPr id="8" name="그룹 7">
@@ -8954,6 +8882,467 @@
             <a:p>
               <a:pPr algn="ctr"/>
               <a:endParaRPr lang="ko-KR" altLang="en-US"/>
+            </a:p>
+          </p:txBody>
+        </p:sp>
+      </p:grpSp>
+      <p:sp>
+        <p:nvSpPr>
+          <p:cNvPr id="14" name="타원 13">
+            <a:extLst>
+              <a:ext uri="{FF2B5EF4-FFF2-40B4-BE49-F238E27FC236}">
+                <a16:creationId xmlns:a16="http://schemas.microsoft.com/office/drawing/2014/main" id="{72C7A7C0-8F27-CF03-0B0C-88C9EB89DE58}"/>
+              </a:ext>
+            </a:extLst>
+          </p:cNvPr>
+          <p:cNvSpPr/>
+          <p:nvPr/>
+        </p:nvSpPr>
+        <p:spPr>
+          <a:xfrm>
+            <a:off x="2564767" y="4735546"/>
+            <a:ext cx="324000" cy="324000"/>
+          </a:xfrm>
+          <a:prstGeom prst="ellipse">
+            <a:avLst/>
+          </a:prstGeom>
+          <a:gradFill>
+            <a:gsLst>
+              <a:gs pos="0">
+                <a:schemeClr val="accent1">
+                  <a:lumMod val="5000"/>
+                  <a:lumOff val="95000"/>
+                </a:schemeClr>
+              </a:gs>
+              <a:gs pos="50000">
+                <a:srgbClr val="322E8A"/>
+              </a:gs>
+              <a:gs pos="21000">
+                <a:srgbClr val="3E45F4"/>
+              </a:gs>
+              <a:gs pos="70000">
+                <a:srgbClr val="3E45F4"/>
+              </a:gs>
+              <a:gs pos="100000">
+                <a:schemeClr val="bg1"/>
+              </a:gs>
+            </a:gsLst>
+            <a:lin ang="5400000" scaled="1"/>
+          </a:gradFill>
+          <a:ln>
+            <a:noFill/>
+          </a:ln>
+        </p:spPr>
+        <p:style>
+          <a:lnRef idx="2">
+            <a:schemeClr val="accent1">
+              <a:shade val="15000"/>
+            </a:schemeClr>
+          </a:lnRef>
+          <a:fillRef idx="1">
+            <a:schemeClr val="accent1"/>
+          </a:fillRef>
+          <a:effectRef idx="0">
+            <a:schemeClr val="accent1"/>
+          </a:effectRef>
+          <a:fontRef idx="minor">
+            <a:schemeClr val="lt1"/>
+          </a:fontRef>
+        </p:style>
+        <p:txBody>
+          <a:bodyPr rtlCol="0" anchor="ctr"/>
+          <a:lstStyle/>
+          <a:p>
+            <a:pPr algn="ctr"/>
+            <a:endParaRPr lang="ko-KR" altLang="en-US" dirty="0"/>
+          </a:p>
+        </p:txBody>
+      </p:sp>
+      <p:grpSp>
+        <p:nvGrpSpPr>
+          <p:cNvPr id="24" name="그룹 23">
+            <a:extLst>
+              <a:ext uri="{FF2B5EF4-FFF2-40B4-BE49-F238E27FC236}">
+                <a16:creationId xmlns:a16="http://schemas.microsoft.com/office/drawing/2014/main" id="{CAC665CB-1E63-E9A7-7B2D-9C99E3ED83AF}"/>
+              </a:ext>
+            </a:extLst>
+          </p:cNvPr>
+          <p:cNvGrpSpPr/>
+          <p:nvPr/>
+        </p:nvGrpSpPr>
+        <p:grpSpPr>
+          <a:xfrm>
+            <a:off x="3313782" y="5249716"/>
+            <a:ext cx="351379" cy="324000"/>
+            <a:chOff x="3313782" y="5249716"/>
+            <a:chExt cx="351379" cy="324000"/>
+          </a:xfrm>
+        </p:grpSpPr>
+        <p:sp>
+          <p:nvSpPr>
+            <p:cNvPr id="5" name="타원 4">
+              <a:extLst>
+                <a:ext uri="{FF2B5EF4-FFF2-40B4-BE49-F238E27FC236}">
+                  <a16:creationId xmlns:a16="http://schemas.microsoft.com/office/drawing/2014/main" id="{A5B59396-17DF-0980-EEAB-CAE7FC8966D3}"/>
+                </a:ext>
+              </a:extLst>
+            </p:cNvPr>
+            <p:cNvSpPr/>
+            <p:nvPr/>
+          </p:nvSpPr>
+          <p:spPr>
+            <a:xfrm>
+              <a:off x="3327471" y="5249716"/>
+              <a:ext cx="324000" cy="324000"/>
+            </a:xfrm>
+            <a:prstGeom prst="ellipse">
+              <a:avLst/>
+            </a:prstGeom>
+            <a:gradFill>
+              <a:gsLst>
+                <a:gs pos="0">
+                  <a:schemeClr val="accent1">
+                    <a:lumMod val="5000"/>
+                    <a:lumOff val="95000"/>
+                  </a:schemeClr>
+                </a:gs>
+                <a:gs pos="50000">
+                  <a:srgbClr val="322E8A"/>
+                </a:gs>
+                <a:gs pos="21000">
+                  <a:srgbClr val="3E45F4"/>
+                </a:gs>
+                <a:gs pos="70000">
+                  <a:srgbClr val="3E45F4"/>
+                </a:gs>
+                <a:gs pos="100000">
+                  <a:schemeClr val="bg1"/>
+                </a:gs>
+              </a:gsLst>
+              <a:lin ang="5400000" scaled="1"/>
+            </a:gradFill>
+            <a:ln>
+              <a:noFill/>
+            </a:ln>
+          </p:spPr>
+          <p:style>
+            <a:lnRef idx="2">
+              <a:schemeClr val="accent1">
+                <a:shade val="15000"/>
+              </a:schemeClr>
+            </a:lnRef>
+            <a:fillRef idx="1">
+              <a:schemeClr val="accent1"/>
+            </a:fillRef>
+            <a:effectRef idx="0">
+              <a:schemeClr val="accent1"/>
+            </a:effectRef>
+            <a:fontRef idx="minor">
+              <a:schemeClr val="lt1"/>
+            </a:fontRef>
+          </p:style>
+          <p:txBody>
+            <a:bodyPr rtlCol="0" anchor="ctr"/>
+            <a:lstStyle/>
+            <a:p>
+              <a:pPr algn="ctr"/>
+              <a:endParaRPr lang="ko-KR" altLang="en-US" dirty="0"/>
+            </a:p>
+          </p:txBody>
+        </p:sp>
+        <p:pic>
+          <p:nvPicPr>
+            <p:cNvPr id="19" name="그림 18" descr="상징, 그래픽, 로고, 폰트이(가) 표시된 사진&#10;&#10;자동 생성된 설명">
+              <a:extLst>
+                <a:ext uri="{FF2B5EF4-FFF2-40B4-BE49-F238E27FC236}">
+                  <a16:creationId xmlns:a16="http://schemas.microsoft.com/office/drawing/2014/main" id="{0EC1F193-20CB-ADE7-4B8F-5618B39C69AE}"/>
+                </a:ext>
+              </a:extLst>
+            </p:cNvPr>
+            <p:cNvPicPr>
+              <a:picLocks noChangeAspect="1"/>
+            </p:cNvPicPr>
+            <p:nvPr/>
+          </p:nvPicPr>
+          <p:blipFill rotWithShape="1">
+            <a:blip r:embed="rId2">
+              <a:extLst>
+                <a:ext uri="{28A0092B-C50C-407E-A947-70E740481C1C}">
+                  <a14:useLocalDpi xmlns:a14="http://schemas.microsoft.com/office/drawing/2010/main" val="0"/>
+                </a:ext>
+              </a:extLst>
+            </a:blip>
+            <a:srcRect l="10038" r="13129" b="12741"/>
+            <a:stretch/>
+          </p:blipFill>
+          <p:spPr>
+            <a:xfrm>
+              <a:off x="3356350" y="5253990"/>
+              <a:ext cx="258961" cy="294096"/>
+            </a:xfrm>
+            <a:prstGeom prst="rect">
+              <a:avLst/>
+            </a:prstGeom>
+          </p:spPr>
+        </p:pic>
+        <p:sp>
+          <p:nvSpPr>
+            <p:cNvPr id="15" name="TextBox 14">
+              <a:extLst>
+                <a:ext uri="{FF2B5EF4-FFF2-40B4-BE49-F238E27FC236}">
+                  <a16:creationId xmlns:a16="http://schemas.microsoft.com/office/drawing/2014/main" id="{B58639A9-BF50-AF06-9A3E-A97C79FDB8CF}"/>
+                </a:ext>
+              </a:extLst>
+            </p:cNvPr>
+            <p:cNvSpPr txBox="1"/>
+            <p:nvPr/>
+          </p:nvSpPr>
+          <p:spPr>
+            <a:xfrm>
+              <a:off x="3313782" y="5288568"/>
+              <a:ext cx="351379" cy="253916"/>
+            </a:xfrm>
+            <a:prstGeom prst="rect">
+              <a:avLst/>
+            </a:prstGeom>
+            <a:noFill/>
+          </p:spPr>
+          <p:txBody>
+            <a:bodyPr wrap="none" rtlCol="0">
+              <a:spAutoFit/>
+            </a:bodyPr>
+            <a:lstStyle/>
+            <a:p>
+              <a:pPr algn="ctr"/>
+              <a:r>
+                <a:rPr lang="en-US" altLang="ko-KR" sz="1000" dirty="0">
+                  <a:solidFill>
+                    <a:schemeClr val="bg1"/>
+                  </a:solidFill>
+                  <a:latin typeface="나눔스퀘어OTF ExtraBold" panose="020B0600000101010101" pitchFamily="34" charset="-127"/>
+                  <a:ea typeface="나눔스퀘어OTF ExtraBold" panose="020B0600000101010101" pitchFamily="34" charset="-127"/>
+                </a:rPr>
+                <a:t>60</a:t>
+              </a:r>
+              <a:endParaRPr lang="ko-KR" altLang="en-US" sz="1000" dirty="0">
+                <a:solidFill>
+                  <a:schemeClr val="bg1"/>
+                </a:solidFill>
+                <a:latin typeface="나눔스퀘어OTF ExtraBold" panose="020B0600000101010101" pitchFamily="34" charset="-127"/>
+                <a:ea typeface="나눔스퀘어OTF ExtraBold" panose="020B0600000101010101" pitchFamily="34" charset="-127"/>
+              </a:endParaRPr>
+            </a:p>
+          </p:txBody>
+        </p:sp>
+      </p:grpSp>
+      <p:pic>
+        <p:nvPicPr>
+          <p:cNvPr id="20" name="그림 19" descr="상징, 그래픽, 로고, 폰트이(가) 표시된 사진&#10;&#10;자동 생성된 설명">
+            <a:extLst>
+              <a:ext uri="{FF2B5EF4-FFF2-40B4-BE49-F238E27FC236}">
+                <a16:creationId xmlns:a16="http://schemas.microsoft.com/office/drawing/2014/main" id="{3DF79882-9BEC-24D2-1F96-B96313454F85}"/>
+              </a:ext>
+            </a:extLst>
+          </p:cNvPr>
+          <p:cNvPicPr>
+            <a:picLocks noChangeAspect="1"/>
+          </p:cNvPicPr>
+          <p:nvPr/>
+        </p:nvPicPr>
+        <p:blipFill rotWithShape="1">
+          <a:blip r:embed="rId2">
+            <a:extLst>
+              <a:ext uri="{28A0092B-C50C-407E-A947-70E740481C1C}">
+                <a14:useLocalDpi xmlns:a14="http://schemas.microsoft.com/office/drawing/2010/main" val="0"/>
+              </a:ext>
+            </a:extLst>
+          </a:blip>
+          <a:srcRect l="10038" r="13129" b="12741"/>
+          <a:stretch/>
+        </p:blipFill>
+        <p:spPr>
+          <a:xfrm>
+            <a:off x="2630545" y="5067513"/>
+            <a:ext cx="285292" cy="324000"/>
+          </a:xfrm>
+          <a:prstGeom prst="rect">
+            <a:avLst/>
+          </a:prstGeom>
+        </p:spPr>
+      </p:pic>
+      <p:grpSp>
+        <p:nvGrpSpPr>
+          <p:cNvPr id="25" name="그룹 24">
+            <a:extLst>
+              <a:ext uri="{FF2B5EF4-FFF2-40B4-BE49-F238E27FC236}">
+                <a16:creationId xmlns:a16="http://schemas.microsoft.com/office/drawing/2014/main" id="{0F88D01D-6EE7-DABE-E02C-8181E47D2B84}"/>
+              </a:ext>
+            </a:extLst>
+          </p:cNvPr>
+          <p:cNvGrpSpPr/>
+          <p:nvPr/>
+        </p:nvGrpSpPr>
+        <p:grpSpPr>
+          <a:xfrm>
+            <a:off x="2630035" y="5624549"/>
+            <a:ext cx="351379" cy="324000"/>
+            <a:chOff x="2630035" y="5624549"/>
+            <a:chExt cx="351379" cy="324000"/>
+          </a:xfrm>
+        </p:grpSpPr>
+        <p:sp>
+          <p:nvSpPr>
+            <p:cNvPr id="21" name="타원 20">
+              <a:extLst>
+                <a:ext uri="{FF2B5EF4-FFF2-40B4-BE49-F238E27FC236}">
+                  <a16:creationId xmlns:a16="http://schemas.microsoft.com/office/drawing/2014/main" id="{04DF3828-B0D7-1DDD-82B1-875A61CB0D97}"/>
+                </a:ext>
+              </a:extLst>
+            </p:cNvPr>
+            <p:cNvSpPr/>
+            <p:nvPr/>
+          </p:nvSpPr>
+          <p:spPr>
+            <a:xfrm>
+              <a:off x="2643724" y="5624549"/>
+              <a:ext cx="324000" cy="324000"/>
+            </a:xfrm>
+            <a:prstGeom prst="ellipse">
+              <a:avLst/>
+            </a:prstGeom>
+            <a:gradFill>
+              <a:gsLst>
+                <a:gs pos="0">
+                  <a:schemeClr val="accent1">
+                    <a:lumMod val="5000"/>
+                    <a:lumOff val="95000"/>
+                  </a:schemeClr>
+                </a:gs>
+                <a:gs pos="50000">
+                  <a:srgbClr val="322E8A"/>
+                </a:gs>
+                <a:gs pos="21000">
+                  <a:srgbClr val="3E45F4"/>
+                </a:gs>
+                <a:gs pos="70000">
+                  <a:srgbClr val="3E45F4"/>
+                </a:gs>
+                <a:gs pos="100000">
+                  <a:schemeClr val="bg1"/>
+                </a:gs>
+              </a:gsLst>
+              <a:lin ang="5400000" scaled="1"/>
+            </a:gradFill>
+            <a:ln>
+              <a:noFill/>
+            </a:ln>
+          </p:spPr>
+          <p:style>
+            <a:lnRef idx="2">
+              <a:schemeClr val="accent1">
+                <a:shade val="15000"/>
+              </a:schemeClr>
+            </a:lnRef>
+            <a:fillRef idx="1">
+              <a:schemeClr val="accent1"/>
+            </a:fillRef>
+            <a:effectRef idx="0">
+              <a:schemeClr val="accent1"/>
+            </a:effectRef>
+            <a:fontRef idx="minor">
+              <a:schemeClr val="lt1"/>
+            </a:fontRef>
+          </p:style>
+          <p:txBody>
+            <a:bodyPr rtlCol="0" anchor="ctr"/>
+            <a:lstStyle/>
+            <a:p>
+              <a:pPr algn="ctr"/>
+              <a:endParaRPr lang="ko-KR" altLang="en-US" dirty="0"/>
+            </a:p>
+          </p:txBody>
+        </p:sp>
+        <p:pic>
+          <p:nvPicPr>
+            <p:cNvPr id="22" name="그림 21" descr="상징, 그래픽, 로고, 폰트이(가) 표시된 사진&#10;&#10;자동 생성된 설명">
+              <a:extLst>
+                <a:ext uri="{FF2B5EF4-FFF2-40B4-BE49-F238E27FC236}">
+                  <a16:creationId xmlns:a16="http://schemas.microsoft.com/office/drawing/2014/main" id="{EE721D1B-FC2C-32EB-2F3F-F6F24B8F2695}"/>
+                </a:ext>
+              </a:extLst>
+            </p:cNvPr>
+            <p:cNvPicPr>
+              <a:picLocks noChangeAspect="1"/>
+            </p:cNvPicPr>
+            <p:nvPr/>
+          </p:nvPicPr>
+          <p:blipFill rotWithShape="1">
+            <a:blip r:embed="rId2">
+              <a:extLst>
+                <a:ext uri="{28A0092B-C50C-407E-A947-70E740481C1C}">
+                  <a14:useLocalDpi xmlns:a14="http://schemas.microsoft.com/office/drawing/2010/main" val="0"/>
+                </a:ext>
+              </a:extLst>
+            </a:blip>
+            <a:srcRect l="10038" r="13129" b="12741"/>
+            <a:stretch/>
+          </p:blipFill>
+          <p:spPr>
+            <a:xfrm flipH="1">
+              <a:off x="2672603" y="5628823"/>
+              <a:ext cx="258961" cy="294096"/>
+            </a:xfrm>
+            <a:prstGeom prst="rect">
+              <a:avLst/>
+            </a:prstGeom>
+          </p:spPr>
+        </p:pic>
+        <p:sp>
+          <p:nvSpPr>
+            <p:cNvPr id="23" name="TextBox 22">
+              <a:extLst>
+                <a:ext uri="{FF2B5EF4-FFF2-40B4-BE49-F238E27FC236}">
+                  <a16:creationId xmlns:a16="http://schemas.microsoft.com/office/drawing/2014/main" id="{3E144173-36A9-468B-42CD-A21AA3361A77}"/>
+                </a:ext>
+              </a:extLst>
+            </p:cNvPr>
+            <p:cNvSpPr txBox="1"/>
+            <p:nvPr/>
+          </p:nvSpPr>
+          <p:spPr>
+            <a:xfrm>
+              <a:off x="2630035" y="5663401"/>
+              <a:ext cx="351379" cy="253916"/>
+            </a:xfrm>
+            <a:prstGeom prst="rect">
+              <a:avLst/>
+            </a:prstGeom>
+            <a:noFill/>
+          </p:spPr>
+          <p:txBody>
+            <a:bodyPr wrap="none" rtlCol="0">
+              <a:spAutoFit/>
+            </a:bodyPr>
+            <a:lstStyle/>
+            <a:p>
+              <a:pPr algn="ctr"/>
+              <a:r>
+                <a:rPr lang="en-US" altLang="ko-KR" sz="1000" dirty="0">
+                  <a:solidFill>
+                    <a:schemeClr val="bg1"/>
+                  </a:solidFill>
+                  <a:latin typeface="나눔스퀘어OTF ExtraBold" panose="020B0600000101010101" pitchFamily="34" charset="-127"/>
+                  <a:ea typeface="나눔스퀘어OTF ExtraBold" panose="020B0600000101010101" pitchFamily="34" charset="-127"/>
+                </a:rPr>
+                <a:t>60</a:t>
+              </a:r>
+              <a:endParaRPr lang="ko-KR" altLang="en-US" sz="1000" dirty="0">
+                <a:solidFill>
+                  <a:schemeClr val="bg1"/>
+                </a:solidFill>
+                <a:latin typeface="나눔스퀘어OTF ExtraBold" panose="020B0600000101010101" pitchFamily="34" charset="-127"/>
+                <a:ea typeface="나눔스퀘어OTF ExtraBold" panose="020B0600000101010101" pitchFamily="34" charset="-127"/>
+              </a:endParaRPr>
             </a:p>
           </p:txBody>
         </p:sp>

--- a/프레젠테이션1.pptx
+++ b/프레젠테이션1.pptx
@@ -5023,8 +5023,8 @@
         </p:nvSpPr>
         <p:spPr>
           <a:xfrm>
-            <a:off x="1236017" y="1015299"/>
-            <a:ext cx="170267" cy="397291"/>
+            <a:off x="2799956" y="3031709"/>
+            <a:ext cx="180000" cy="360000"/>
           </a:xfrm>
           <a:prstGeom prst="rect">
             <a:avLst/>
@@ -5035,8 +5035,10 @@
               <a:lumOff val="40000"/>
             </a:schemeClr>
           </a:solidFill>
-          <a:ln>
-            <a:noFill/>
+          <a:ln w="28575">
+            <a:solidFill>
+              <a:schemeClr val="bg1"/>
+            </a:solidFill>
           </a:ln>
         </p:spPr>
         <p:style>
@@ -5106,6 +5108,168 @@
           </a:prstGeom>
         </p:spPr>
       </p:pic>
+      <p:sp>
+        <p:nvSpPr>
+          <p:cNvPr id="6" name="직사각형 5">
+            <a:extLst>
+              <a:ext uri="{FF2B5EF4-FFF2-40B4-BE49-F238E27FC236}">
+                <a16:creationId xmlns:a16="http://schemas.microsoft.com/office/drawing/2014/main" id="{935BFBF6-7C61-1961-16B4-07EC7380FC42}"/>
+              </a:ext>
+            </a:extLst>
+          </p:cNvPr>
+          <p:cNvSpPr/>
+          <p:nvPr/>
+        </p:nvSpPr>
+        <p:spPr>
+          <a:xfrm>
+            <a:off x="1903709" y="2815709"/>
+            <a:ext cx="108000" cy="216000"/>
+          </a:xfrm>
+          <a:prstGeom prst="rect">
+            <a:avLst/>
+          </a:prstGeom>
+          <a:solidFill>
+            <a:srgbClr val="FF0000"/>
+          </a:solidFill>
+          <a:ln w="12700">
+            <a:solidFill>
+              <a:schemeClr val="bg1"/>
+            </a:solidFill>
+          </a:ln>
+        </p:spPr>
+        <p:style>
+          <a:lnRef idx="2">
+            <a:schemeClr val="accent1">
+              <a:shade val="15000"/>
+            </a:schemeClr>
+          </a:lnRef>
+          <a:fillRef idx="1">
+            <a:schemeClr val="accent1"/>
+          </a:fillRef>
+          <a:effectRef idx="0">
+            <a:schemeClr val="accent1"/>
+          </a:effectRef>
+          <a:fontRef idx="minor">
+            <a:schemeClr val="lt1"/>
+          </a:fontRef>
+        </p:style>
+        <p:txBody>
+          <a:bodyPr rtlCol="0" anchor="ctr"/>
+          <a:lstStyle/>
+          <a:p>
+            <a:pPr algn="ctr"/>
+            <a:endParaRPr lang="ko-KR" altLang="en-US"/>
+          </a:p>
+        </p:txBody>
+      </p:sp>
+      <p:sp>
+        <p:nvSpPr>
+          <p:cNvPr id="7" name="직사각형 6">
+            <a:extLst>
+              <a:ext uri="{FF2B5EF4-FFF2-40B4-BE49-F238E27FC236}">
+                <a16:creationId xmlns:a16="http://schemas.microsoft.com/office/drawing/2014/main" id="{D1E6598B-46C4-AEEB-B5E5-63DB5A6BC32A}"/>
+              </a:ext>
+            </a:extLst>
+          </p:cNvPr>
+          <p:cNvSpPr/>
+          <p:nvPr/>
+        </p:nvSpPr>
+        <p:spPr>
+          <a:xfrm>
+            <a:off x="2056109" y="2968109"/>
+            <a:ext cx="108000" cy="216000"/>
+          </a:xfrm>
+          <a:prstGeom prst="rect">
+            <a:avLst/>
+          </a:prstGeom>
+          <a:solidFill>
+            <a:srgbClr val="00FF00"/>
+          </a:solidFill>
+          <a:ln w="12700">
+            <a:solidFill>
+              <a:schemeClr val="bg1"/>
+            </a:solidFill>
+          </a:ln>
+        </p:spPr>
+        <p:style>
+          <a:lnRef idx="2">
+            <a:schemeClr val="accent1">
+              <a:shade val="15000"/>
+            </a:schemeClr>
+          </a:lnRef>
+          <a:fillRef idx="1">
+            <a:schemeClr val="accent1"/>
+          </a:fillRef>
+          <a:effectRef idx="0">
+            <a:schemeClr val="accent1"/>
+          </a:effectRef>
+          <a:fontRef idx="minor">
+            <a:schemeClr val="lt1"/>
+          </a:fontRef>
+        </p:style>
+        <p:txBody>
+          <a:bodyPr rtlCol="0" anchor="ctr"/>
+          <a:lstStyle/>
+          <a:p>
+            <a:pPr algn="ctr"/>
+            <a:endParaRPr lang="ko-KR" altLang="en-US"/>
+          </a:p>
+        </p:txBody>
+      </p:sp>
+      <p:sp>
+        <p:nvSpPr>
+          <p:cNvPr id="8" name="직사각형 7">
+            <a:extLst>
+              <a:ext uri="{FF2B5EF4-FFF2-40B4-BE49-F238E27FC236}">
+                <a16:creationId xmlns:a16="http://schemas.microsoft.com/office/drawing/2014/main" id="{90670A42-BF4B-78F3-9762-F657F3B30D67}"/>
+              </a:ext>
+            </a:extLst>
+          </p:cNvPr>
+          <p:cNvSpPr/>
+          <p:nvPr/>
+        </p:nvSpPr>
+        <p:spPr>
+          <a:xfrm>
+            <a:off x="2208509" y="3120509"/>
+            <a:ext cx="108000" cy="216000"/>
+          </a:xfrm>
+          <a:prstGeom prst="rect">
+            <a:avLst/>
+          </a:prstGeom>
+          <a:solidFill>
+            <a:srgbClr val="0000FF"/>
+          </a:solidFill>
+          <a:ln w="12700">
+            <a:solidFill>
+              <a:schemeClr val="bg1"/>
+            </a:solidFill>
+          </a:ln>
+        </p:spPr>
+        <p:style>
+          <a:lnRef idx="2">
+            <a:schemeClr val="accent1">
+              <a:shade val="15000"/>
+            </a:schemeClr>
+          </a:lnRef>
+          <a:fillRef idx="1">
+            <a:schemeClr val="accent1"/>
+          </a:fillRef>
+          <a:effectRef idx="0">
+            <a:schemeClr val="accent1"/>
+          </a:effectRef>
+          <a:fontRef idx="minor">
+            <a:schemeClr val="lt1"/>
+          </a:fontRef>
+        </p:style>
+        <p:txBody>
+          <a:bodyPr rtlCol="0" anchor="ctr"/>
+          <a:lstStyle/>
+          <a:p>
+            <a:pPr algn="ctr"/>
+            <a:endParaRPr lang="ko-KR" altLang="en-US"/>
+          </a:p>
+        </p:txBody>
+      </p:sp>
     </p:spTree>
     <p:extLst>
       <p:ext uri="{BB962C8B-B14F-4D97-AF65-F5344CB8AC3E}">

--- a/프레젠테이션1.pptx
+++ b/프레젠테이션1.pptx
@@ -262,7 +262,7 @@
           <a:p>
             <a:fld id="{70C90204-D5CC-447F-9E5C-0AEC58959EFD}" type="datetimeFigureOut">
               <a:rPr lang="ko-KR" altLang="en-US" smtClean="0"/>
-              <a:t>2024-03-31</a:t>
+              <a:t>2024-04-01</a:t>
             </a:fld>
             <a:endParaRPr lang="ko-KR" altLang="en-US"/>
           </a:p>
@@ -460,7 +460,7 @@
           <a:p>
             <a:fld id="{70C90204-D5CC-447F-9E5C-0AEC58959EFD}" type="datetimeFigureOut">
               <a:rPr lang="ko-KR" altLang="en-US" smtClean="0"/>
-              <a:t>2024-03-31</a:t>
+              <a:t>2024-04-01</a:t>
             </a:fld>
             <a:endParaRPr lang="ko-KR" altLang="en-US"/>
           </a:p>
@@ -668,7 +668,7 @@
           <a:p>
             <a:fld id="{70C90204-D5CC-447F-9E5C-0AEC58959EFD}" type="datetimeFigureOut">
               <a:rPr lang="ko-KR" altLang="en-US" smtClean="0"/>
-              <a:t>2024-03-31</a:t>
+              <a:t>2024-04-01</a:t>
             </a:fld>
             <a:endParaRPr lang="ko-KR" altLang="en-US"/>
           </a:p>
@@ -866,7 +866,7 @@
           <a:p>
             <a:fld id="{70C90204-D5CC-447F-9E5C-0AEC58959EFD}" type="datetimeFigureOut">
               <a:rPr lang="ko-KR" altLang="en-US" smtClean="0"/>
-              <a:t>2024-03-31</a:t>
+              <a:t>2024-04-01</a:t>
             </a:fld>
             <a:endParaRPr lang="ko-KR" altLang="en-US"/>
           </a:p>
@@ -1141,7 +1141,7 @@
           <a:p>
             <a:fld id="{70C90204-D5CC-447F-9E5C-0AEC58959EFD}" type="datetimeFigureOut">
               <a:rPr lang="ko-KR" altLang="en-US" smtClean="0"/>
-              <a:t>2024-03-31</a:t>
+              <a:t>2024-04-01</a:t>
             </a:fld>
             <a:endParaRPr lang="ko-KR" altLang="en-US"/>
           </a:p>
@@ -1406,7 +1406,7 @@
           <a:p>
             <a:fld id="{70C90204-D5CC-447F-9E5C-0AEC58959EFD}" type="datetimeFigureOut">
               <a:rPr lang="ko-KR" altLang="en-US" smtClean="0"/>
-              <a:t>2024-03-31</a:t>
+              <a:t>2024-04-01</a:t>
             </a:fld>
             <a:endParaRPr lang="ko-KR" altLang="en-US"/>
           </a:p>
@@ -1818,7 +1818,7 @@
           <a:p>
             <a:fld id="{70C90204-D5CC-447F-9E5C-0AEC58959EFD}" type="datetimeFigureOut">
               <a:rPr lang="ko-KR" altLang="en-US" smtClean="0"/>
-              <a:t>2024-03-31</a:t>
+              <a:t>2024-04-01</a:t>
             </a:fld>
             <a:endParaRPr lang="ko-KR" altLang="en-US"/>
           </a:p>
@@ -1959,7 +1959,7 @@
           <a:p>
             <a:fld id="{70C90204-D5CC-447F-9E5C-0AEC58959EFD}" type="datetimeFigureOut">
               <a:rPr lang="ko-KR" altLang="en-US" smtClean="0"/>
-              <a:t>2024-03-31</a:t>
+              <a:t>2024-04-01</a:t>
             </a:fld>
             <a:endParaRPr lang="ko-KR" altLang="en-US"/>
           </a:p>
@@ -2072,7 +2072,7 @@
           <a:p>
             <a:fld id="{70C90204-D5CC-447F-9E5C-0AEC58959EFD}" type="datetimeFigureOut">
               <a:rPr lang="ko-KR" altLang="en-US" smtClean="0"/>
-              <a:t>2024-03-31</a:t>
+              <a:t>2024-04-01</a:t>
             </a:fld>
             <a:endParaRPr lang="ko-KR" altLang="en-US"/>
           </a:p>
@@ -2383,7 +2383,7 @@
           <a:p>
             <a:fld id="{70C90204-D5CC-447F-9E5C-0AEC58959EFD}" type="datetimeFigureOut">
               <a:rPr lang="ko-KR" altLang="en-US" smtClean="0"/>
-              <a:t>2024-03-31</a:t>
+              <a:t>2024-04-01</a:t>
             </a:fld>
             <a:endParaRPr lang="ko-KR" altLang="en-US"/>
           </a:p>
@@ -2671,7 +2671,7 @@
           <a:p>
             <a:fld id="{70C90204-D5CC-447F-9E5C-0AEC58959EFD}" type="datetimeFigureOut">
               <a:rPr lang="ko-KR" altLang="en-US" smtClean="0"/>
-              <a:t>2024-03-31</a:t>
+              <a:t>2024-04-01</a:t>
             </a:fld>
             <a:endParaRPr lang="ko-KR" altLang="en-US"/>
           </a:p>
@@ -2912,7 +2912,7 @@
           <a:p>
             <a:fld id="{70C90204-D5CC-447F-9E5C-0AEC58959EFD}" type="datetimeFigureOut">
               <a:rPr lang="ko-KR" altLang="en-US" smtClean="0"/>
-              <a:t>2024-03-31</a:t>
+              <a:t>2024-04-01</a:t>
             </a:fld>
             <a:endParaRPr lang="ko-KR" altLang="en-US"/>
           </a:p>
@@ -8471,6 +8471,308 @@
           </p:txBody>
         </p:sp>
       </p:grpSp>
+      <p:sp>
+        <p:nvSpPr>
+          <p:cNvPr id="70" name="TextBox 69">
+            <a:extLst>
+              <a:ext uri="{FF2B5EF4-FFF2-40B4-BE49-F238E27FC236}">
+                <a16:creationId xmlns:a16="http://schemas.microsoft.com/office/drawing/2014/main" id="{7BF97C57-D009-6F0D-D891-E2763E61ED61}"/>
+              </a:ext>
+            </a:extLst>
+          </p:cNvPr>
+          <p:cNvSpPr txBox="1"/>
+          <p:nvPr/>
+        </p:nvSpPr>
+        <p:spPr>
+          <a:xfrm>
+            <a:off x="3537286" y="2541109"/>
+            <a:ext cx="564578" cy="369332"/>
+          </a:xfrm>
+          <a:prstGeom prst="rect">
+            <a:avLst/>
+          </a:prstGeom>
+          <a:noFill/>
+        </p:spPr>
+        <p:txBody>
+          <a:bodyPr wrap="none" rtlCol="0">
+            <a:spAutoFit/>
+          </a:bodyPr>
+          <a:lstStyle/>
+          <a:p>
+            <a:r>
+              <a:rPr lang="en-US" altLang="ko-KR" dirty="0">
+                <a:solidFill>
+                  <a:srgbClr val="FFC000"/>
+                </a:solidFill>
+              </a:rPr>
+              <a:t>640</a:t>
+            </a:r>
+            <a:endParaRPr lang="ko-KR" altLang="en-US" dirty="0">
+              <a:solidFill>
+                <a:srgbClr val="FFC000"/>
+              </a:solidFill>
+            </a:endParaRPr>
+          </a:p>
+        </p:txBody>
+      </p:sp>
+      <p:sp>
+        <p:nvSpPr>
+          <p:cNvPr id="71" name="TextBox 70">
+            <a:extLst>
+              <a:ext uri="{FF2B5EF4-FFF2-40B4-BE49-F238E27FC236}">
+                <a16:creationId xmlns:a16="http://schemas.microsoft.com/office/drawing/2014/main" id="{7E3A368A-6184-56FB-D1AA-5723363768E3}"/>
+              </a:ext>
+            </a:extLst>
+          </p:cNvPr>
+          <p:cNvSpPr txBox="1"/>
+          <p:nvPr/>
+        </p:nvSpPr>
+        <p:spPr>
+          <a:xfrm>
+            <a:off x="2696981" y="5347733"/>
+            <a:ext cx="564578" cy="369332"/>
+          </a:xfrm>
+          <a:prstGeom prst="rect">
+            <a:avLst/>
+          </a:prstGeom>
+          <a:noFill/>
+        </p:spPr>
+        <p:txBody>
+          <a:bodyPr wrap="none" rtlCol="0">
+            <a:spAutoFit/>
+          </a:bodyPr>
+          <a:lstStyle/>
+          <a:p>
+            <a:r>
+              <a:rPr lang="en-US" altLang="ko-KR" dirty="0">
+                <a:solidFill>
+                  <a:srgbClr val="FFC000"/>
+                </a:solidFill>
+              </a:rPr>
+              <a:t>505</a:t>
+            </a:r>
+            <a:endParaRPr lang="ko-KR" altLang="en-US" dirty="0">
+              <a:solidFill>
+                <a:srgbClr val="FFC000"/>
+              </a:solidFill>
+            </a:endParaRPr>
+          </a:p>
+        </p:txBody>
+      </p:sp>
+      <p:sp>
+        <p:nvSpPr>
+          <p:cNvPr id="72" name="TextBox 71">
+            <a:extLst>
+              <a:ext uri="{FF2B5EF4-FFF2-40B4-BE49-F238E27FC236}">
+                <a16:creationId xmlns:a16="http://schemas.microsoft.com/office/drawing/2014/main" id="{7F0BD069-EB76-F5BA-BFFF-27C4123D53BB}"/>
+              </a:ext>
+            </a:extLst>
+          </p:cNvPr>
+          <p:cNvSpPr txBox="1"/>
+          <p:nvPr/>
+        </p:nvSpPr>
+        <p:spPr>
+          <a:xfrm>
+            <a:off x="5760982" y="3895500"/>
+            <a:ext cx="691215" cy="369332"/>
+          </a:xfrm>
+          <a:prstGeom prst="rect">
+            <a:avLst/>
+          </a:prstGeom>
+          <a:noFill/>
+        </p:spPr>
+        <p:txBody>
+          <a:bodyPr wrap="none" rtlCol="0">
+            <a:spAutoFit/>
+          </a:bodyPr>
+          <a:lstStyle/>
+          <a:p>
+            <a:r>
+              <a:rPr lang="en-US" altLang="ko-KR" dirty="0">
+                <a:solidFill>
+                  <a:srgbClr val="FFC000"/>
+                </a:solidFill>
+              </a:rPr>
+              <a:t>1024</a:t>
+            </a:r>
+            <a:endParaRPr lang="ko-KR" altLang="en-US" dirty="0">
+              <a:solidFill>
+                <a:srgbClr val="FFC000"/>
+              </a:solidFill>
+            </a:endParaRPr>
+          </a:p>
+        </p:txBody>
+      </p:sp>
+      <p:sp>
+        <p:nvSpPr>
+          <p:cNvPr id="73" name="TextBox 72">
+            <a:extLst>
+              <a:ext uri="{FF2B5EF4-FFF2-40B4-BE49-F238E27FC236}">
+                <a16:creationId xmlns:a16="http://schemas.microsoft.com/office/drawing/2014/main" id="{CCD902AB-F801-493A-12CD-FCE64EB3F019}"/>
+              </a:ext>
+            </a:extLst>
+          </p:cNvPr>
+          <p:cNvSpPr txBox="1"/>
+          <p:nvPr/>
+        </p:nvSpPr>
+        <p:spPr>
+          <a:xfrm>
+            <a:off x="8108937" y="2536126"/>
+            <a:ext cx="691215" cy="369332"/>
+          </a:xfrm>
+          <a:prstGeom prst="rect">
+            <a:avLst/>
+          </a:prstGeom>
+          <a:noFill/>
+        </p:spPr>
+        <p:txBody>
+          <a:bodyPr wrap="none" rtlCol="0">
+            <a:spAutoFit/>
+          </a:bodyPr>
+          <a:lstStyle/>
+          <a:p>
+            <a:r>
+              <a:rPr lang="en-US" altLang="ko-KR" dirty="0">
+                <a:solidFill>
+                  <a:srgbClr val="FFC000"/>
+                </a:solidFill>
+              </a:rPr>
+              <a:t>1408</a:t>
+            </a:r>
+            <a:endParaRPr lang="ko-KR" altLang="en-US" dirty="0">
+              <a:solidFill>
+                <a:srgbClr val="FFC000"/>
+              </a:solidFill>
+            </a:endParaRPr>
+          </a:p>
+        </p:txBody>
+      </p:sp>
+      <p:sp>
+        <p:nvSpPr>
+          <p:cNvPr id="74" name="TextBox 73">
+            <a:extLst>
+              <a:ext uri="{FF2B5EF4-FFF2-40B4-BE49-F238E27FC236}">
+                <a16:creationId xmlns:a16="http://schemas.microsoft.com/office/drawing/2014/main" id="{9515FF53-C684-4C02-4D3D-254519BF1379}"/>
+              </a:ext>
+            </a:extLst>
+          </p:cNvPr>
+          <p:cNvSpPr txBox="1"/>
+          <p:nvPr/>
+        </p:nvSpPr>
+        <p:spPr>
+          <a:xfrm>
+            <a:off x="11611872" y="2302533"/>
+            <a:ext cx="691215" cy="369332"/>
+          </a:xfrm>
+          <a:prstGeom prst="rect">
+            <a:avLst/>
+          </a:prstGeom>
+          <a:noFill/>
+        </p:spPr>
+        <p:txBody>
+          <a:bodyPr wrap="none" rtlCol="0">
+            <a:spAutoFit/>
+          </a:bodyPr>
+          <a:lstStyle/>
+          <a:p>
+            <a:r>
+              <a:rPr lang="en-US" altLang="ko-KR" dirty="0">
+                <a:solidFill>
+                  <a:srgbClr val="FFC000"/>
+                </a:solidFill>
+              </a:rPr>
+              <a:t>2018</a:t>
+            </a:r>
+          </a:p>
+        </p:txBody>
+      </p:sp>
+      <p:cxnSp>
+        <p:nvCxnSpPr>
+          <p:cNvPr id="75" name="직선 연결선 74">
+            <a:extLst>
+              <a:ext uri="{FF2B5EF4-FFF2-40B4-BE49-F238E27FC236}">
+                <a16:creationId xmlns:a16="http://schemas.microsoft.com/office/drawing/2014/main" id="{D93A35B1-D7EF-3AF5-8BA5-93FBAF60C935}"/>
+              </a:ext>
+            </a:extLst>
+          </p:cNvPr>
+          <p:cNvCxnSpPr>
+            <a:cxnSpLocks/>
+          </p:cNvCxnSpPr>
+          <p:nvPr/>
+        </p:nvCxnSpPr>
+        <p:spPr>
+          <a:xfrm>
+            <a:off x="8372424" y="2008280"/>
+            <a:ext cx="3667175" cy="0"/>
+          </a:xfrm>
+          <a:prstGeom prst="line">
+            <a:avLst/>
+          </a:prstGeom>
+          <a:ln w="19050" cap="rnd">
+            <a:solidFill>
+              <a:schemeClr val="bg1"/>
+            </a:solidFill>
+          </a:ln>
+        </p:spPr>
+        <p:style>
+          <a:lnRef idx="1">
+            <a:schemeClr val="accent1"/>
+          </a:lnRef>
+          <a:fillRef idx="0">
+            <a:schemeClr val="accent1"/>
+          </a:fillRef>
+          <a:effectRef idx="0">
+            <a:schemeClr val="accent1"/>
+          </a:effectRef>
+          <a:fontRef idx="minor">
+            <a:schemeClr val="tx1"/>
+          </a:fontRef>
+        </p:style>
+      </p:cxnSp>
+      <p:sp>
+        <p:nvSpPr>
+          <p:cNvPr id="79" name="TextBox 78">
+            <a:extLst>
+              <a:ext uri="{FF2B5EF4-FFF2-40B4-BE49-F238E27FC236}">
+                <a16:creationId xmlns:a16="http://schemas.microsoft.com/office/drawing/2014/main" id="{9B878B5D-43DF-3D47-2379-5E8606BAD061}"/>
+              </a:ext>
+            </a:extLst>
+          </p:cNvPr>
+          <p:cNvSpPr txBox="1"/>
+          <p:nvPr/>
+        </p:nvSpPr>
+        <p:spPr>
+          <a:xfrm>
+            <a:off x="9030798" y="1807671"/>
+            <a:ext cx="564578" cy="369332"/>
+          </a:xfrm>
+          <a:prstGeom prst="rect">
+            <a:avLst/>
+          </a:prstGeom>
+          <a:noFill/>
+        </p:spPr>
+        <p:txBody>
+          <a:bodyPr wrap="none" rtlCol="0">
+            <a:spAutoFit/>
+          </a:bodyPr>
+          <a:lstStyle/>
+          <a:p>
+            <a:r>
+              <a:rPr lang="en-US" altLang="ko-KR">
+                <a:solidFill>
+                  <a:srgbClr val="FF0000"/>
+                </a:solidFill>
+              </a:rPr>
+              <a:t>336</a:t>
+            </a:r>
+            <a:endParaRPr lang="ko-KR" altLang="en-US" dirty="0">
+              <a:solidFill>
+                <a:srgbClr val="FF0000"/>
+              </a:solidFill>
+            </a:endParaRPr>
+          </a:p>
+        </p:txBody>
+      </p:sp>
     </p:spTree>
     <p:extLst>
       <p:ext uri="{BB962C8B-B14F-4D97-AF65-F5344CB8AC3E}">
@@ -9064,7 +9366,7 @@
         </p:nvSpPr>
         <p:spPr>
           <a:xfrm>
-            <a:off x="2564767" y="4735546"/>
+            <a:off x="2571690" y="4764793"/>
             <a:ext cx="324000" cy="324000"/>
           </a:xfrm>
           <a:prstGeom prst="ellipse">
@@ -9511,6 +9813,171 @@
           </p:txBody>
         </p:sp>
       </p:grpSp>
+      <p:grpSp>
+        <p:nvGrpSpPr>
+          <p:cNvPr id="30" name="그룹 29">
+            <a:extLst>
+              <a:ext uri="{FF2B5EF4-FFF2-40B4-BE49-F238E27FC236}">
+                <a16:creationId xmlns:a16="http://schemas.microsoft.com/office/drawing/2014/main" id="{7F159774-4BA1-55A6-D9EF-BE5DD2E2132E}"/>
+              </a:ext>
+            </a:extLst>
+          </p:cNvPr>
+          <p:cNvGrpSpPr/>
+          <p:nvPr/>
+        </p:nvGrpSpPr>
+        <p:grpSpPr>
+          <a:xfrm>
+            <a:off x="7181696" y="4905513"/>
+            <a:ext cx="324000" cy="324000"/>
+            <a:chOff x="7181696" y="4905513"/>
+            <a:chExt cx="324000" cy="324000"/>
+          </a:xfrm>
+        </p:grpSpPr>
+        <p:sp>
+          <p:nvSpPr>
+            <p:cNvPr id="2" name="타원 1">
+              <a:extLst>
+                <a:ext uri="{FF2B5EF4-FFF2-40B4-BE49-F238E27FC236}">
+                  <a16:creationId xmlns:a16="http://schemas.microsoft.com/office/drawing/2014/main" id="{544D3621-C844-2695-9D25-F76898FB2388}"/>
+                </a:ext>
+              </a:extLst>
+            </p:cNvPr>
+            <p:cNvSpPr/>
+            <p:nvPr/>
+          </p:nvSpPr>
+          <p:spPr>
+            <a:xfrm>
+              <a:off x="7181696" y="4905513"/>
+              <a:ext cx="324000" cy="324000"/>
+            </a:xfrm>
+            <a:prstGeom prst="ellipse">
+              <a:avLst/>
+            </a:prstGeom>
+            <a:gradFill>
+              <a:gsLst>
+                <a:gs pos="0">
+                  <a:schemeClr val="accent1">
+                    <a:lumMod val="5000"/>
+                    <a:lumOff val="95000"/>
+                  </a:schemeClr>
+                </a:gs>
+                <a:gs pos="50000">
+                  <a:srgbClr val="322E8A"/>
+                </a:gs>
+                <a:gs pos="21000">
+                  <a:srgbClr val="3E45F4"/>
+                </a:gs>
+                <a:gs pos="70000">
+                  <a:srgbClr val="3E45F4"/>
+                </a:gs>
+                <a:gs pos="100000">
+                  <a:schemeClr val="bg1"/>
+                </a:gs>
+              </a:gsLst>
+              <a:lin ang="5400000" scaled="1"/>
+            </a:gradFill>
+            <a:ln>
+              <a:noFill/>
+            </a:ln>
+          </p:spPr>
+          <p:style>
+            <a:lnRef idx="2">
+              <a:schemeClr val="accent1">
+                <a:shade val="15000"/>
+              </a:schemeClr>
+            </a:lnRef>
+            <a:fillRef idx="1">
+              <a:schemeClr val="accent1"/>
+            </a:fillRef>
+            <a:effectRef idx="0">
+              <a:schemeClr val="accent1"/>
+            </a:effectRef>
+            <a:fontRef idx="minor">
+              <a:schemeClr val="lt1"/>
+            </a:fontRef>
+          </p:style>
+          <p:txBody>
+            <a:bodyPr rtlCol="0" anchor="ctr"/>
+            <a:lstStyle/>
+            <a:p>
+              <a:pPr algn="ctr"/>
+              <a:endParaRPr lang="ko-KR" altLang="en-US" dirty="0"/>
+            </a:p>
+          </p:txBody>
+        </p:sp>
+        <p:pic>
+          <p:nvPicPr>
+            <p:cNvPr id="29" name="그림 28" descr="상징, 로고, 폰트, 그래픽이(가) 표시된 사진&#10;&#10;자동 생성된 설명">
+              <a:extLst>
+                <a:ext uri="{FF2B5EF4-FFF2-40B4-BE49-F238E27FC236}">
+                  <a16:creationId xmlns:a16="http://schemas.microsoft.com/office/drawing/2014/main" id="{9896020A-F97E-0211-D26C-C095E738640C}"/>
+                </a:ext>
+              </a:extLst>
+            </p:cNvPr>
+            <p:cNvPicPr>
+              <a:picLocks noChangeAspect="1"/>
+            </p:cNvPicPr>
+            <p:nvPr/>
+          </p:nvPicPr>
+          <p:blipFill>
+            <a:blip r:embed="rId3">
+              <a:extLst>
+                <a:ext uri="{28A0092B-C50C-407E-A947-70E740481C1C}">
+                  <a14:useLocalDpi xmlns:a14="http://schemas.microsoft.com/office/drawing/2010/main" val="0"/>
+                </a:ext>
+              </a:extLst>
+            </a:blip>
+            <a:stretch>
+              <a:fillRect/>
+            </a:stretch>
+          </p:blipFill>
+          <p:spPr>
+            <a:xfrm>
+              <a:off x="7197496" y="4920465"/>
+              <a:ext cx="292401" cy="294096"/>
+            </a:xfrm>
+            <a:prstGeom prst="rect">
+              <a:avLst/>
+            </a:prstGeom>
+          </p:spPr>
+        </p:pic>
+      </p:grpSp>
+      <p:sp>
+        <p:nvSpPr>
+          <p:cNvPr id="31" name="TextBox 30">
+            <a:extLst>
+              <a:ext uri="{FF2B5EF4-FFF2-40B4-BE49-F238E27FC236}">
+                <a16:creationId xmlns:a16="http://schemas.microsoft.com/office/drawing/2014/main" id="{DF56C7D0-4D96-04D1-90B6-93CF49770DDE}"/>
+              </a:ext>
+            </a:extLst>
+          </p:cNvPr>
+          <p:cNvSpPr txBox="1"/>
+          <p:nvPr/>
+        </p:nvSpPr>
+        <p:spPr>
+          <a:xfrm>
+            <a:off x="3665161" y="1942011"/>
+            <a:ext cx="1112805" cy="369332"/>
+          </a:xfrm>
+          <a:prstGeom prst="rect">
+            <a:avLst/>
+          </a:prstGeom>
+          <a:noFill/>
+        </p:spPr>
+        <p:txBody>
+          <a:bodyPr wrap="none" rtlCol="0">
+            <a:spAutoFit/>
+          </a:bodyPr>
+          <a:lstStyle/>
+          <a:p>
+            <a:r>
+              <a:rPr lang="en-US" altLang="ko-KR" dirty="0"/>
+              <a:t>Prize List</a:t>
+            </a:r>
+            <a:endParaRPr lang="ko-KR" altLang="en-US" dirty="0"/>
+          </a:p>
+        </p:txBody>
+      </p:sp>
     </p:spTree>
     <p:extLst>
       <p:ext uri="{BB962C8B-B14F-4D97-AF65-F5344CB8AC3E}">
